--- a/まとめサイト管理ソフトウェア要件定義.pptx
+++ b/まとめサイト管理ソフトウェア要件定義.pptx
@@ -6,12 +6,15 @@
   </p:sldMasterIdLst>
   <p:sldIdLst>
     <p:sldId id="257" r:id="rId2"/>
-    <p:sldId id="264" r:id="rId3"/>
-    <p:sldId id="256" r:id="rId4"/>
-    <p:sldId id="262" r:id="rId5"/>
-    <p:sldId id="263" r:id="rId6"/>
-    <p:sldId id="261" r:id="rId7"/>
-    <p:sldId id="258" r:id="rId8"/>
+    <p:sldId id="267" r:id="rId3"/>
+    <p:sldId id="265" r:id="rId4"/>
+    <p:sldId id="266" r:id="rId5"/>
+    <p:sldId id="264" r:id="rId6"/>
+    <p:sldId id="256" r:id="rId7"/>
+    <p:sldId id="262" r:id="rId8"/>
+    <p:sldId id="263" r:id="rId9"/>
+    <p:sldId id="261" r:id="rId10"/>
+    <p:sldId id="258" r:id="rId11"/>
   </p:sldIdLst>
   <p:sldSz cx="12192000" cy="6858000"/>
   <p:notesSz cx="6858000" cy="9144000"/>
@@ -265,7 +268,7 @@
           <a:p>
             <a:fld id="{260B2DE4-4C89-464B-BA5F-760EFF51B16B}" type="datetimeFigureOut">
               <a:rPr kumimoji="1" lang="ja-JP" altLang="en-US" smtClean="0"/>
-              <a:t>2025/6/27</a:t>
+              <a:t>2025/7/6</a:t>
             </a:fld>
             <a:endParaRPr kumimoji="1" lang="ja-JP" altLang="en-US"/>
           </a:p>
@@ -495,7 +498,7 @@
           <a:p>
             <a:fld id="{260B2DE4-4C89-464B-BA5F-760EFF51B16B}" type="datetimeFigureOut">
               <a:rPr kumimoji="1" lang="ja-JP" altLang="en-US" smtClean="0"/>
-              <a:t>2025/6/27</a:t>
+              <a:t>2025/7/6</a:t>
             </a:fld>
             <a:endParaRPr kumimoji="1" lang="ja-JP" altLang="en-US"/>
           </a:p>
@@ -735,7 +738,7 @@
           <a:p>
             <a:fld id="{260B2DE4-4C89-464B-BA5F-760EFF51B16B}" type="datetimeFigureOut">
               <a:rPr kumimoji="1" lang="ja-JP" altLang="en-US" smtClean="0"/>
-              <a:t>2025/6/27</a:t>
+              <a:t>2025/7/6</a:t>
             </a:fld>
             <a:endParaRPr kumimoji="1" lang="ja-JP" altLang="en-US"/>
           </a:p>
@@ -965,7 +968,7 @@
           <a:p>
             <a:fld id="{260B2DE4-4C89-464B-BA5F-760EFF51B16B}" type="datetimeFigureOut">
               <a:rPr kumimoji="1" lang="ja-JP" altLang="en-US" smtClean="0"/>
-              <a:t>2025/6/27</a:t>
+              <a:t>2025/7/6</a:t>
             </a:fld>
             <a:endParaRPr kumimoji="1" lang="ja-JP" altLang="en-US"/>
           </a:p>
@@ -1240,7 +1243,7 @@
           <a:p>
             <a:fld id="{260B2DE4-4C89-464B-BA5F-760EFF51B16B}" type="datetimeFigureOut">
               <a:rPr kumimoji="1" lang="ja-JP" altLang="en-US" smtClean="0"/>
-              <a:t>2025/6/27</a:t>
+              <a:t>2025/7/6</a:t>
             </a:fld>
             <a:endParaRPr kumimoji="1" lang="ja-JP" altLang="en-US"/>
           </a:p>
@@ -1569,7 +1572,7 @@
           <a:p>
             <a:fld id="{260B2DE4-4C89-464B-BA5F-760EFF51B16B}" type="datetimeFigureOut">
               <a:rPr kumimoji="1" lang="ja-JP" altLang="en-US" smtClean="0"/>
-              <a:t>2025/6/27</a:t>
+              <a:t>2025/7/6</a:t>
             </a:fld>
             <a:endParaRPr kumimoji="1" lang="ja-JP" altLang="en-US"/>
           </a:p>
@@ -2045,7 +2048,7 @@
           <a:p>
             <a:fld id="{260B2DE4-4C89-464B-BA5F-760EFF51B16B}" type="datetimeFigureOut">
               <a:rPr kumimoji="1" lang="ja-JP" altLang="en-US" smtClean="0"/>
-              <a:t>2025/6/27</a:t>
+              <a:t>2025/7/6</a:t>
             </a:fld>
             <a:endParaRPr kumimoji="1" lang="ja-JP" altLang="en-US"/>
           </a:p>
@@ -2186,7 +2189,7 @@
           <a:p>
             <a:fld id="{260B2DE4-4C89-464B-BA5F-760EFF51B16B}" type="datetimeFigureOut">
               <a:rPr kumimoji="1" lang="ja-JP" altLang="en-US" smtClean="0"/>
-              <a:t>2025/6/27</a:t>
+              <a:t>2025/7/6</a:t>
             </a:fld>
             <a:endParaRPr kumimoji="1" lang="ja-JP" altLang="en-US"/>
           </a:p>
@@ -2299,7 +2302,7 @@
           <a:p>
             <a:fld id="{260B2DE4-4C89-464B-BA5F-760EFF51B16B}" type="datetimeFigureOut">
               <a:rPr kumimoji="1" lang="ja-JP" altLang="en-US" smtClean="0"/>
-              <a:t>2025/6/27</a:t>
+              <a:t>2025/7/6</a:t>
             </a:fld>
             <a:endParaRPr kumimoji="1" lang="ja-JP" altLang="en-US"/>
           </a:p>
@@ -2642,7 +2645,7 @@
           <a:p>
             <a:fld id="{260B2DE4-4C89-464B-BA5F-760EFF51B16B}" type="datetimeFigureOut">
               <a:rPr kumimoji="1" lang="ja-JP" altLang="en-US" smtClean="0"/>
-              <a:t>2025/6/27</a:t>
+              <a:t>2025/7/6</a:t>
             </a:fld>
             <a:endParaRPr kumimoji="1" lang="ja-JP" altLang="en-US"/>
           </a:p>
@@ -2930,7 +2933,7 @@
           <a:p>
             <a:fld id="{260B2DE4-4C89-464B-BA5F-760EFF51B16B}" type="datetimeFigureOut">
               <a:rPr kumimoji="1" lang="ja-JP" altLang="en-US" smtClean="0"/>
-              <a:t>2025/6/27</a:t>
+              <a:t>2025/7/6</a:t>
             </a:fld>
             <a:endParaRPr kumimoji="1" lang="ja-JP" altLang="en-US"/>
           </a:p>
@@ -3203,7 +3206,7 @@
           <a:p>
             <a:fld id="{260B2DE4-4C89-464B-BA5F-760EFF51B16B}" type="datetimeFigureOut">
               <a:rPr kumimoji="1" lang="ja-JP" altLang="en-US" smtClean="0"/>
-              <a:t>2025/6/27</a:t>
+              <a:t>2025/7/6</a:t>
             </a:fld>
             <a:endParaRPr kumimoji="1" lang="ja-JP" altLang="en-US"/>
           </a:p>
@@ -4191,3806 +4194,7 @@
 </p:sld>
 </file>
 
-<file path=ppt/slides/slide2.xml><?xml version="1.0" encoding="utf-8"?>
-<p:sld xmlns:a="http://schemas.openxmlformats.org/drawingml/2006/main" xmlns:r="http://schemas.openxmlformats.org/officeDocument/2006/relationships" xmlns:p="http://schemas.openxmlformats.org/presentationml/2006/main">
-  <p:cSld>
-    <p:spTree>
-      <p:nvGrpSpPr>
-        <p:cNvPr id="1" name=""/>
-        <p:cNvGrpSpPr/>
-        <p:nvPr/>
-      </p:nvGrpSpPr>
-      <p:grpSpPr>
-        <a:xfrm>
-          <a:off x="0" y="0"/>
-          <a:ext cx="0" cy="0"/>
-          <a:chOff x="0" y="0"/>
-          <a:chExt cx="0" cy="0"/>
-        </a:xfrm>
-      </p:grpSpPr>
-      <p:sp>
-        <p:nvSpPr>
-          <p:cNvPr id="4" name="正方形/長方形 3">
-            <a:extLst>
-              <a:ext uri="{FF2B5EF4-FFF2-40B4-BE49-F238E27FC236}">
-                <a16:creationId xmlns:a16="http://schemas.microsoft.com/office/drawing/2014/main" id="{CA72657F-F82D-BF03-44DA-3FF4F7DD1D20}"/>
-              </a:ext>
-            </a:extLst>
-          </p:cNvPr>
-          <p:cNvSpPr/>
-          <p:nvPr/>
-        </p:nvSpPr>
-        <p:spPr>
-          <a:xfrm>
-            <a:off x="1796471" y="1297973"/>
-            <a:ext cx="2456873" cy="591127"/>
-          </a:xfrm>
-          <a:prstGeom prst="rect">
-            <a:avLst/>
-          </a:prstGeom>
-        </p:spPr>
-        <p:style>
-          <a:lnRef idx="2">
-            <a:schemeClr val="accent1">
-              <a:shade val="15000"/>
-            </a:schemeClr>
-          </a:lnRef>
-          <a:fillRef idx="1">
-            <a:schemeClr val="accent1"/>
-          </a:fillRef>
-          <a:effectRef idx="0">
-            <a:schemeClr val="accent1"/>
-          </a:effectRef>
-          <a:fontRef idx="minor">
-            <a:schemeClr val="lt1"/>
-          </a:fontRef>
-        </p:style>
-        <p:txBody>
-          <a:bodyPr rtlCol="0" anchor="ctr"/>
-          <a:lstStyle/>
-          <a:p>
-            <a:pPr algn="ctr"/>
-            <a:r>
-              <a:rPr kumimoji="1" lang="en-US" altLang="ja-JP" dirty="0" err="1"/>
-              <a:t>scraperController</a:t>
-            </a:r>
-            <a:endParaRPr kumimoji="1" lang="ja-JP" altLang="en-US" dirty="0"/>
-          </a:p>
-        </p:txBody>
-      </p:sp>
-      <p:sp>
-        <p:nvSpPr>
-          <p:cNvPr id="5" name="正方形/長方形 4">
-            <a:extLst>
-              <a:ext uri="{FF2B5EF4-FFF2-40B4-BE49-F238E27FC236}">
-                <a16:creationId xmlns:a16="http://schemas.microsoft.com/office/drawing/2014/main" id="{FA3687B7-7A03-435A-6B41-C772A0F5BBD0}"/>
-              </a:ext>
-            </a:extLst>
-          </p:cNvPr>
-          <p:cNvSpPr/>
-          <p:nvPr/>
-        </p:nvSpPr>
-        <p:spPr>
-          <a:xfrm>
-            <a:off x="8603673" y="1220039"/>
-            <a:ext cx="2456873" cy="373497"/>
-          </a:xfrm>
-          <a:prstGeom prst="rect">
-            <a:avLst/>
-          </a:prstGeom>
-        </p:spPr>
-        <p:style>
-          <a:lnRef idx="2">
-            <a:schemeClr val="accent1">
-              <a:shade val="15000"/>
-            </a:schemeClr>
-          </a:lnRef>
-          <a:fillRef idx="1">
-            <a:schemeClr val="accent1"/>
-          </a:fillRef>
-          <a:effectRef idx="0">
-            <a:schemeClr val="accent1"/>
-          </a:effectRef>
-          <a:fontRef idx="minor">
-            <a:schemeClr val="lt1"/>
-          </a:fontRef>
-        </p:style>
-        <p:txBody>
-          <a:bodyPr rtlCol="0" anchor="ctr"/>
-          <a:lstStyle/>
-          <a:p>
-            <a:pPr algn="ctr"/>
-            <a:r>
-              <a:rPr kumimoji="1" lang="en-US" altLang="ja-JP" dirty="0" err="1"/>
-              <a:t>Iscraper</a:t>
-            </a:r>
-            <a:endParaRPr kumimoji="1" lang="en-US" altLang="ja-JP" dirty="0"/>
-          </a:p>
-        </p:txBody>
-      </p:sp>
-      <p:sp>
-        <p:nvSpPr>
-          <p:cNvPr id="6" name="正方形/長方形 5">
-            <a:extLst>
-              <a:ext uri="{FF2B5EF4-FFF2-40B4-BE49-F238E27FC236}">
-                <a16:creationId xmlns:a16="http://schemas.microsoft.com/office/drawing/2014/main" id="{966F8D80-69C9-36E9-179C-41295E2CE930}"/>
-              </a:ext>
-            </a:extLst>
-          </p:cNvPr>
-          <p:cNvSpPr/>
-          <p:nvPr/>
-        </p:nvSpPr>
-        <p:spPr>
-          <a:xfrm>
-            <a:off x="1796471" y="3373245"/>
-            <a:ext cx="2456873" cy="535709"/>
-          </a:xfrm>
-          <a:prstGeom prst="rect">
-            <a:avLst/>
-          </a:prstGeom>
-        </p:spPr>
-        <p:style>
-          <a:lnRef idx="2">
-            <a:schemeClr val="accent1">
-              <a:shade val="15000"/>
-            </a:schemeClr>
-          </a:lnRef>
-          <a:fillRef idx="1">
-            <a:schemeClr val="accent1"/>
-          </a:fillRef>
-          <a:effectRef idx="0">
-            <a:schemeClr val="accent1"/>
-          </a:effectRef>
-          <a:fontRef idx="minor">
-            <a:schemeClr val="lt1"/>
-          </a:fontRef>
-        </p:style>
-        <p:txBody>
-          <a:bodyPr rtlCol="0" anchor="ctr"/>
-          <a:lstStyle/>
-          <a:p>
-            <a:pPr algn="ctr"/>
-            <a:r>
-              <a:rPr kumimoji="1" lang="en-US" altLang="ja-JP" dirty="0" err="1"/>
-              <a:t>scraperLogic</a:t>
-            </a:r>
-            <a:endParaRPr kumimoji="1" lang="ja-JP" altLang="en-US" dirty="0"/>
-          </a:p>
-        </p:txBody>
-      </p:sp>
-      <p:sp>
-        <p:nvSpPr>
-          <p:cNvPr id="7" name="テキスト ボックス 6">
-            <a:extLst>
-              <a:ext uri="{FF2B5EF4-FFF2-40B4-BE49-F238E27FC236}">
-                <a16:creationId xmlns:a16="http://schemas.microsoft.com/office/drawing/2014/main" id="{A7F3CE06-A9E0-0006-D117-000158C865DA}"/>
-              </a:ext>
-            </a:extLst>
-          </p:cNvPr>
-          <p:cNvSpPr txBox="1"/>
-          <p:nvPr/>
-        </p:nvSpPr>
-        <p:spPr>
-          <a:xfrm>
-            <a:off x="380996" y="1967013"/>
-            <a:ext cx="6213767" cy="1015663"/>
-          </a:xfrm>
-          <a:prstGeom prst="rect">
-            <a:avLst/>
-          </a:prstGeom>
-          <a:noFill/>
-        </p:spPr>
-        <p:txBody>
-          <a:bodyPr wrap="square" rtlCol="0">
-            <a:spAutoFit/>
-          </a:bodyPr>
-          <a:lstStyle/>
-          <a:p>
-            <a:r>
-              <a:rPr lang="ja-JP" altLang="en-US" sz="1200" dirty="0"/>
-              <a:t>スクレイピングの処理が呼ばれたら実行し、</a:t>
-            </a:r>
-            <a:r>
-              <a:rPr lang="en-US" altLang="ja-JP" sz="1200" dirty="0"/>
-              <a:t>post</a:t>
-            </a:r>
-            <a:r>
-              <a:rPr lang="ja-JP" altLang="en-US" sz="1200" dirty="0"/>
-              <a:t>構造体のリストを返す</a:t>
-            </a:r>
-            <a:endParaRPr lang="en-US" altLang="ja-JP" sz="1200" dirty="0"/>
-          </a:p>
-          <a:p>
-            <a:r>
-              <a:rPr lang="ja-JP" altLang="en-US" sz="1200" dirty="0"/>
-              <a:t>・</a:t>
-            </a:r>
-            <a:r>
-              <a:rPr lang="en-US" altLang="ja-JP" sz="1200" b="1" dirty="0"/>
-              <a:t>public </a:t>
-            </a:r>
-            <a:r>
-              <a:rPr lang="en-US" altLang="ja-JP" sz="1200" b="1" dirty="0" err="1"/>
-              <a:t>GetPosts</a:t>
-            </a:r>
-            <a:r>
-              <a:rPr lang="en-US" altLang="ja-JP" sz="1200" b="1" dirty="0"/>
-              <a:t> </a:t>
-            </a:r>
-            <a:r>
-              <a:rPr lang="en-US" altLang="ja-JP" sz="1200" dirty="0"/>
-              <a:t>return post</a:t>
-            </a:r>
-            <a:r>
-              <a:rPr lang="ja-JP" altLang="en-US" sz="1200" dirty="0"/>
-              <a:t>のリスト</a:t>
-            </a:r>
-            <a:endParaRPr lang="en-US" altLang="ja-JP" sz="1200" dirty="0"/>
-          </a:p>
-          <a:p>
-            <a:r>
-              <a:rPr lang="ja-JP" altLang="en-US" sz="1200" dirty="0"/>
-              <a:t>・</a:t>
-            </a:r>
-            <a:r>
-              <a:rPr lang="en-US" altLang="ja-JP" sz="1200" b="1" dirty="0"/>
-              <a:t>private </a:t>
-            </a:r>
-            <a:r>
-              <a:rPr lang="en-US" altLang="ja-JP" sz="1200" b="1" dirty="0" err="1"/>
-              <a:t>GetHtml</a:t>
-            </a:r>
-            <a:r>
-              <a:rPr lang="en-US" altLang="ja-JP" sz="1200" b="1" dirty="0"/>
-              <a:t> </a:t>
-            </a:r>
-            <a:r>
-              <a:rPr lang="en-US" altLang="ja-JP" sz="1200" dirty="0"/>
-              <a:t>html</a:t>
-            </a:r>
-            <a:r>
-              <a:rPr lang="ja-JP" altLang="en-US" sz="1200" dirty="0"/>
-              <a:t>の取得</a:t>
-            </a:r>
-            <a:r>
-              <a:rPr lang="en-US" altLang="ja-JP" sz="1200" dirty="0"/>
-              <a:t>(selenium)</a:t>
-            </a:r>
-          </a:p>
-          <a:p>
-            <a:r>
-              <a:rPr lang="ja-JP" altLang="en-US" sz="1200" dirty="0"/>
-              <a:t>・</a:t>
-            </a:r>
-            <a:r>
-              <a:rPr lang="en-US" altLang="ja-JP" sz="1200" b="1" dirty="0"/>
-              <a:t>private </a:t>
-            </a:r>
-            <a:r>
-              <a:rPr lang="en-US" altLang="ja-JP" sz="1200" b="1" dirty="0" err="1"/>
-              <a:t>DocParsePosts</a:t>
-            </a:r>
-            <a:r>
-              <a:rPr lang="en-US" altLang="ja-JP" sz="1200" dirty="0"/>
-              <a:t> </a:t>
-            </a:r>
-            <a:r>
-              <a:rPr lang="en-US" altLang="ja-JP" sz="1200" dirty="0" err="1"/>
-              <a:t>HtmlDocument</a:t>
-            </a:r>
-            <a:r>
-              <a:rPr lang="ja-JP" altLang="en-US" sz="1200" dirty="0"/>
-              <a:t>から</a:t>
-            </a:r>
-            <a:r>
-              <a:rPr lang="en-US" altLang="ja-JP" sz="1200" dirty="0"/>
-              <a:t>Post</a:t>
-            </a:r>
-            <a:r>
-              <a:rPr lang="ja-JP" altLang="en-US" sz="1200" dirty="0"/>
-              <a:t>構造体のリストへデータ抽出＆変換</a:t>
-            </a:r>
-            <a:endParaRPr lang="en-US" altLang="ja-JP" sz="1200" dirty="0"/>
-          </a:p>
-          <a:p>
-            <a:endParaRPr kumimoji="1" lang="ja-JP" altLang="en-US" sz="1200" dirty="0"/>
-          </a:p>
-        </p:txBody>
-      </p:sp>
-      <p:sp>
-        <p:nvSpPr>
-          <p:cNvPr id="8" name="テキスト ボックス 7">
-            <a:extLst>
-              <a:ext uri="{FF2B5EF4-FFF2-40B4-BE49-F238E27FC236}">
-                <a16:creationId xmlns:a16="http://schemas.microsoft.com/office/drawing/2014/main" id="{DB8BB748-AC57-3B69-2657-FE1E53A7D7B5}"/>
-              </a:ext>
-            </a:extLst>
-          </p:cNvPr>
-          <p:cNvSpPr txBox="1"/>
-          <p:nvPr/>
-        </p:nvSpPr>
-        <p:spPr>
-          <a:xfrm>
-            <a:off x="8081818" y="3962372"/>
-            <a:ext cx="4110182" cy="1015663"/>
-          </a:xfrm>
-          <a:prstGeom prst="rect">
-            <a:avLst/>
-          </a:prstGeom>
-          <a:noFill/>
-        </p:spPr>
-        <p:txBody>
-          <a:bodyPr wrap="square" rtlCol="0">
-            <a:spAutoFit/>
-          </a:bodyPr>
-          <a:lstStyle/>
-          <a:p>
-            <a:r>
-              <a:rPr lang="ja-JP" altLang="en-US" sz="1200" dirty="0"/>
-              <a:t>・</a:t>
-            </a:r>
-            <a:r>
-              <a:rPr lang="en-US" altLang="ja-JP" sz="1200" dirty="0"/>
-              <a:t>public </a:t>
-            </a:r>
-            <a:r>
-              <a:rPr lang="en-US" altLang="ja-JP" sz="1200" dirty="0" err="1"/>
-              <a:t>GetPostsNode</a:t>
-            </a:r>
-            <a:r>
-              <a:rPr lang="en-US" altLang="ja-JP" sz="1200" dirty="0"/>
-              <a:t>(</a:t>
-            </a:r>
-            <a:r>
-              <a:rPr lang="en-US" altLang="ja-JP" sz="1200" dirty="0" err="1"/>
-              <a:t>HtmlDocument</a:t>
-            </a:r>
-            <a:r>
-              <a:rPr lang="en-US" altLang="ja-JP" sz="1200" dirty="0"/>
-              <a:t> doc)</a:t>
-            </a:r>
-          </a:p>
-          <a:p>
-            <a:r>
-              <a:rPr lang="ja-JP" altLang="en-US" sz="1200" dirty="0"/>
-              <a:t>・</a:t>
-            </a:r>
-            <a:r>
-              <a:rPr lang="en-US" altLang="ja-JP" sz="1200" dirty="0"/>
-              <a:t>public </a:t>
-            </a:r>
-            <a:r>
-              <a:rPr lang="en-US" altLang="ja-JP" sz="1200" dirty="0" err="1"/>
-              <a:t>GetPostNode</a:t>
-            </a:r>
-            <a:r>
-              <a:rPr lang="en-US" altLang="ja-JP" sz="1200" dirty="0"/>
-              <a:t>(</a:t>
-            </a:r>
-            <a:r>
-              <a:rPr lang="en-US" altLang="ja-JP" sz="1200" dirty="0" err="1"/>
-              <a:t>HtmlNode</a:t>
-            </a:r>
-            <a:r>
-              <a:rPr lang="en-US" altLang="ja-JP" sz="1200" dirty="0"/>
-              <a:t> </a:t>
-            </a:r>
-            <a:r>
-              <a:rPr lang="en-US" altLang="ja-JP" sz="1200" dirty="0" err="1"/>
-              <a:t>postsNode</a:t>
-            </a:r>
-            <a:r>
-              <a:rPr lang="en-US" altLang="ja-JP" sz="1200" dirty="0"/>
-              <a:t>)</a:t>
-            </a:r>
-          </a:p>
-          <a:p>
-            <a:r>
-              <a:rPr lang="ja-JP" altLang="en-US" sz="1200" dirty="0"/>
-              <a:t>・</a:t>
-            </a:r>
-            <a:r>
-              <a:rPr lang="en-US" altLang="ja-JP" sz="1200" dirty="0"/>
-              <a:t>public </a:t>
-            </a:r>
-            <a:r>
-              <a:rPr lang="en-US" altLang="ja-JP" sz="1200" dirty="0" err="1"/>
-              <a:t>GetText</a:t>
-            </a:r>
-            <a:r>
-              <a:rPr lang="en-US" altLang="ja-JP" sz="1200" dirty="0"/>
-              <a:t>(</a:t>
-            </a:r>
-            <a:r>
-              <a:rPr lang="en-US" altLang="ja-JP" sz="1200" dirty="0" err="1"/>
-              <a:t>HtmlNode</a:t>
-            </a:r>
-            <a:r>
-              <a:rPr lang="en-US" altLang="ja-JP" sz="1200" dirty="0"/>
-              <a:t> </a:t>
-            </a:r>
-            <a:r>
-              <a:rPr lang="en-US" altLang="ja-JP" sz="1200" dirty="0" err="1"/>
-              <a:t>TextNode</a:t>
-            </a:r>
-            <a:r>
-              <a:rPr lang="en-US" altLang="ja-JP" sz="1200" dirty="0"/>
-              <a:t>)</a:t>
-            </a:r>
-          </a:p>
-          <a:p>
-            <a:r>
-              <a:rPr lang="ja-JP" altLang="en-US" sz="1200" dirty="0"/>
-              <a:t>・</a:t>
-            </a:r>
-            <a:r>
-              <a:rPr lang="en-US" altLang="ja-JP" sz="1200" dirty="0"/>
-              <a:t>public </a:t>
-            </a:r>
-            <a:r>
-              <a:rPr lang="en-US" altLang="ja-JP" sz="1200" dirty="0" err="1"/>
-              <a:t>GetDate</a:t>
-            </a:r>
-            <a:r>
-              <a:rPr lang="en-US" altLang="ja-JP" sz="1200" dirty="0"/>
-              <a:t>(</a:t>
-            </a:r>
-            <a:r>
-              <a:rPr lang="en-US" altLang="ja-JP" sz="1200" dirty="0" err="1"/>
-              <a:t>HtmlNode</a:t>
-            </a:r>
-            <a:r>
-              <a:rPr lang="en-US" altLang="ja-JP" sz="1200" dirty="0"/>
-              <a:t> </a:t>
-            </a:r>
-            <a:r>
-              <a:rPr lang="en-US" altLang="ja-JP" sz="1200" dirty="0" err="1"/>
-              <a:t>DateNode</a:t>
-            </a:r>
-            <a:r>
-              <a:rPr lang="en-US" altLang="ja-JP" sz="1200" dirty="0"/>
-              <a:t>)</a:t>
-            </a:r>
-          </a:p>
-          <a:p>
-            <a:r>
-              <a:rPr lang="ja-JP" altLang="en-US" sz="1200" dirty="0"/>
-              <a:t>・</a:t>
-            </a:r>
-            <a:r>
-              <a:rPr lang="en-US" altLang="ja-JP" sz="1200" dirty="0"/>
-              <a:t>public </a:t>
-            </a:r>
-            <a:r>
-              <a:rPr lang="en-US" altLang="ja-JP" sz="1200" dirty="0" err="1"/>
-              <a:t>GetUserId</a:t>
-            </a:r>
-            <a:r>
-              <a:rPr lang="en-US" altLang="ja-JP" sz="1200" dirty="0"/>
-              <a:t>(</a:t>
-            </a:r>
-            <a:r>
-              <a:rPr lang="en-US" altLang="ja-JP" sz="1200" dirty="0" err="1"/>
-              <a:t>HtmlNode</a:t>
-            </a:r>
-            <a:r>
-              <a:rPr lang="en-US" altLang="ja-JP" sz="1200" dirty="0"/>
-              <a:t> </a:t>
-            </a:r>
-            <a:r>
-              <a:rPr lang="en-US" altLang="ja-JP" sz="1200" dirty="0" err="1"/>
-              <a:t>UserIdNode</a:t>
-            </a:r>
-            <a:r>
-              <a:rPr lang="en-US" altLang="ja-JP" sz="1200" dirty="0"/>
-              <a:t>)</a:t>
-            </a:r>
-          </a:p>
-        </p:txBody>
-      </p:sp>
-      <p:sp>
-        <p:nvSpPr>
-          <p:cNvPr id="10" name="テキスト ボックス 9">
-            <a:extLst>
-              <a:ext uri="{FF2B5EF4-FFF2-40B4-BE49-F238E27FC236}">
-                <a16:creationId xmlns:a16="http://schemas.microsoft.com/office/drawing/2014/main" id="{E0D925A3-218A-2664-4C15-076F39B80C26}"/>
-              </a:ext>
-            </a:extLst>
-          </p:cNvPr>
-          <p:cNvSpPr txBox="1"/>
-          <p:nvPr/>
-        </p:nvSpPr>
-        <p:spPr>
-          <a:xfrm>
-            <a:off x="600363" y="4064779"/>
-            <a:ext cx="6213767" cy="2292935"/>
-          </a:xfrm>
-          <a:prstGeom prst="rect">
-            <a:avLst/>
-          </a:prstGeom>
-          <a:noFill/>
-        </p:spPr>
-        <p:txBody>
-          <a:bodyPr wrap="square" rtlCol="0">
-            <a:spAutoFit/>
-          </a:bodyPr>
-          <a:lstStyle/>
-          <a:p>
-            <a:r>
-              <a:rPr lang="en-US" altLang="ja-JP" sz="1100" dirty="0" err="1"/>
-              <a:t>HtmlDocument</a:t>
-            </a:r>
-            <a:r>
-              <a:rPr lang="ja-JP" altLang="en-US" sz="1100" dirty="0"/>
-              <a:t>から</a:t>
-            </a:r>
-            <a:r>
-              <a:rPr lang="en-US" altLang="ja-JP" sz="1100" dirty="0"/>
-              <a:t>post</a:t>
-            </a:r>
-            <a:r>
-              <a:rPr lang="ja-JP" altLang="en-US" sz="1100" dirty="0"/>
-              <a:t>データを探索する処理を抽象化し、</a:t>
-            </a:r>
-            <a:r>
-              <a:rPr lang="en-US" altLang="ja-JP" sz="1100" dirty="0" err="1"/>
-              <a:t>scraperController</a:t>
-            </a:r>
-            <a:r>
-              <a:rPr lang="ja-JP" altLang="en-US" sz="1100" dirty="0"/>
-              <a:t>へ提供</a:t>
-            </a:r>
-            <a:endParaRPr lang="en-US" altLang="ja-JP" sz="1100" dirty="0"/>
-          </a:p>
-          <a:p>
-            <a:r>
-              <a:rPr lang="en-US" altLang="ja-JP" sz="1100" dirty="0" err="1"/>
-              <a:t>DoCParsePosts</a:t>
-            </a:r>
-            <a:r>
-              <a:rPr lang="ja-JP" altLang="en-US" sz="1100" dirty="0"/>
-              <a:t>の中で、</a:t>
-            </a:r>
-            <a:r>
-              <a:rPr lang="en-US" altLang="ja-JP" sz="1100" dirty="0" err="1"/>
-              <a:t>ScraperLogic</a:t>
-            </a:r>
-            <a:r>
-              <a:rPr lang="ja-JP" altLang="en-US" sz="1100" dirty="0"/>
-              <a:t>クラスの</a:t>
-            </a:r>
-            <a:r>
-              <a:rPr lang="en-US" altLang="ja-JP" sz="1100" dirty="0"/>
-              <a:t>public</a:t>
-            </a:r>
-            <a:r>
-              <a:rPr lang="ja-JP" altLang="en-US" sz="1100" dirty="0"/>
-              <a:t>メソッドを実行し、</a:t>
-            </a:r>
-            <a:r>
-              <a:rPr lang="en-US" altLang="ja-JP" sz="1100" dirty="0"/>
-              <a:t>Post</a:t>
-            </a:r>
-            <a:r>
-              <a:rPr lang="ja-JP" altLang="en-US" sz="1100" dirty="0"/>
-              <a:t>構造体を生成。</a:t>
-            </a:r>
-            <a:endParaRPr lang="en-US" altLang="ja-JP" sz="1100" dirty="0"/>
-          </a:p>
-          <a:p>
-            <a:r>
-              <a:rPr lang="en-US" altLang="ja-JP" sz="1100" dirty="0"/>
-              <a:t>Post</a:t>
-            </a:r>
-            <a:r>
-              <a:rPr lang="ja-JP" altLang="en-US" sz="1100" dirty="0"/>
-              <a:t>がある</a:t>
-            </a:r>
-            <a:r>
-              <a:rPr lang="en-US" altLang="ja-JP" sz="1100" dirty="0"/>
-              <a:t>node</a:t>
-            </a:r>
-            <a:r>
-              <a:rPr lang="ja-JP" altLang="en-US" sz="1100" dirty="0"/>
-              <a:t>を探索 </a:t>
-            </a:r>
-            <a:r>
-              <a:rPr lang="en-US" altLang="ja-JP" sz="1100" dirty="0"/>
-              <a:t>-&gt; Post</a:t>
-            </a:r>
-            <a:r>
-              <a:rPr lang="ja-JP" altLang="en-US" sz="1100" dirty="0"/>
-              <a:t>ひとつひとつの</a:t>
-            </a:r>
-            <a:r>
-              <a:rPr lang="en-US" altLang="ja-JP" sz="1100" dirty="0"/>
-              <a:t>Node</a:t>
-            </a:r>
-            <a:r>
-              <a:rPr lang="ja-JP" altLang="en-US" sz="1100" dirty="0"/>
-              <a:t>をリストで取得</a:t>
-            </a:r>
-            <a:r>
-              <a:rPr lang="en-US" altLang="ja-JP" sz="1100" dirty="0"/>
-              <a:t>-&gt;Post</a:t>
-            </a:r>
-            <a:r>
-              <a:rPr lang="ja-JP" altLang="en-US" sz="1100" dirty="0"/>
-              <a:t>の中のデータを抽出</a:t>
-            </a:r>
-            <a:br>
-              <a:rPr lang="en-US" altLang="ja-JP" sz="1100" dirty="0"/>
-            </a:br>
-            <a:r>
-              <a:rPr lang="ja-JP" altLang="en-US" sz="1100" dirty="0"/>
-              <a:t>各</a:t>
-            </a:r>
-            <a:r>
-              <a:rPr lang="en-US" altLang="ja-JP" sz="1100" dirty="0"/>
-              <a:t>Post</a:t>
-            </a:r>
-            <a:r>
-              <a:rPr lang="ja-JP" altLang="en-US" sz="1100" dirty="0"/>
-              <a:t>の</a:t>
-            </a:r>
-            <a:r>
-              <a:rPr lang="en-US" altLang="ja-JP" sz="1100" dirty="0"/>
-              <a:t>Node</a:t>
-            </a:r>
-            <a:r>
-              <a:rPr lang="ja-JP" altLang="en-US" sz="1100" dirty="0"/>
-              <a:t>から更に</a:t>
-            </a:r>
-            <a:r>
-              <a:rPr lang="en-US" altLang="ja-JP" sz="1100" dirty="0"/>
-              <a:t>Node</a:t>
-            </a:r>
-            <a:r>
-              <a:rPr lang="ja-JP" altLang="en-US" sz="1100" dirty="0"/>
-              <a:t>を深く掘る場合は、</a:t>
-            </a:r>
-            <a:r>
-              <a:rPr lang="en-US" altLang="ja-JP" sz="1100" dirty="0"/>
-              <a:t>Interface</a:t>
-            </a:r>
-            <a:r>
-              <a:rPr lang="ja-JP" altLang="en-US" sz="1100" dirty="0"/>
-              <a:t>とは別にメソッドを定義</a:t>
-            </a:r>
-            <a:r>
-              <a:rPr lang="en-US" altLang="ja-JP" sz="1100" dirty="0"/>
-              <a:t>(</a:t>
-            </a:r>
-            <a:r>
-              <a:rPr lang="en-US" altLang="ja-JP" sz="1100" dirty="0" err="1"/>
-              <a:t>GetTextNode</a:t>
-            </a:r>
-            <a:r>
-              <a:rPr lang="ja-JP" altLang="en-US" sz="1100" dirty="0"/>
-              <a:t>など</a:t>
-            </a:r>
-            <a:r>
-              <a:rPr lang="en-US" altLang="ja-JP" sz="1100" dirty="0"/>
-              <a:t>)</a:t>
-            </a:r>
-          </a:p>
-          <a:p>
-            <a:r>
-              <a:rPr lang="ja-JP" altLang="en-US" sz="1100" dirty="0"/>
-              <a:t>・</a:t>
-            </a:r>
-            <a:r>
-              <a:rPr lang="en-US" altLang="ja-JP" sz="1100" dirty="0"/>
-              <a:t>public </a:t>
-            </a:r>
-            <a:r>
-              <a:rPr lang="en-US" altLang="ja-JP" sz="1100" dirty="0" err="1"/>
-              <a:t>GetPostsNode</a:t>
-            </a:r>
-            <a:r>
-              <a:rPr lang="en-US" altLang="ja-JP" sz="1100" dirty="0"/>
-              <a:t>(</a:t>
-            </a:r>
-            <a:r>
-              <a:rPr lang="en-US" altLang="ja-JP" sz="1100" dirty="0" err="1"/>
-              <a:t>HtmlDocument</a:t>
-            </a:r>
-            <a:r>
-              <a:rPr lang="en-US" altLang="ja-JP" sz="1100" dirty="0"/>
-              <a:t> doc)</a:t>
-            </a:r>
-          </a:p>
-          <a:p>
-            <a:r>
-              <a:rPr lang="ja-JP" altLang="en-US" sz="1100" dirty="0"/>
-              <a:t>・</a:t>
-            </a:r>
-            <a:r>
-              <a:rPr lang="en-US" altLang="ja-JP" sz="1100" dirty="0"/>
-              <a:t>public </a:t>
-            </a:r>
-            <a:r>
-              <a:rPr lang="en-US" altLang="ja-JP" sz="1100" dirty="0" err="1"/>
-              <a:t>GetPostNode</a:t>
-            </a:r>
-            <a:r>
-              <a:rPr lang="en-US" altLang="ja-JP" sz="1100" dirty="0"/>
-              <a:t>(</a:t>
-            </a:r>
-            <a:r>
-              <a:rPr lang="en-US" altLang="ja-JP" sz="1100" dirty="0" err="1"/>
-              <a:t>HtmlNode</a:t>
-            </a:r>
-            <a:r>
-              <a:rPr lang="en-US" altLang="ja-JP" sz="1100" dirty="0"/>
-              <a:t> </a:t>
-            </a:r>
-            <a:r>
-              <a:rPr lang="en-US" altLang="ja-JP" sz="1100" dirty="0" err="1"/>
-              <a:t>postsNode</a:t>
-            </a:r>
-            <a:r>
-              <a:rPr lang="en-US" altLang="ja-JP" sz="1100" dirty="0"/>
-              <a:t>)</a:t>
-            </a:r>
-          </a:p>
-          <a:p>
-            <a:r>
-              <a:rPr lang="ja-JP" altLang="en-US" sz="1100" dirty="0"/>
-              <a:t>・</a:t>
-            </a:r>
-            <a:r>
-              <a:rPr lang="en-US" altLang="ja-JP" sz="1100" dirty="0"/>
-              <a:t>public </a:t>
-            </a:r>
-            <a:r>
-              <a:rPr lang="en-US" altLang="ja-JP" sz="1100" dirty="0" err="1"/>
-              <a:t>GetTextNode</a:t>
-            </a:r>
-            <a:r>
-              <a:rPr lang="en-US" altLang="ja-JP" sz="1100" dirty="0"/>
-              <a:t>(</a:t>
-            </a:r>
-            <a:r>
-              <a:rPr lang="en-US" altLang="ja-JP" sz="1100" dirty="0" err="1"/>
-              <a:t>HtmlNode</a:t>
-            </a:r>
-            <a:r>
-              <a:rPr lang="en-US" altLang="ja-JP" sz="1100" dirty="0"/>
-              <a:t> </a:t>
-            </a:r>
-            <a:r>
-              <a:rPr lang="en-US" altLang="ja-JP" sz="1100" dirty="0" err="1"/>
-              <a:t>postNode</a:t>
-            </a:r>
-            <a:r>
-              <a:rPr lang="en-US" altLang="ja-JP" sz="1100" dirty="0"/>
-              <a:t>)</a:t>
-            </a:r>
-          </a:p>
-          <a:p>
-            <a:r>
-              <a:rPr lang="ja-JP" altLang="en-US" sz="1100" dirty="0"/>
-              <a:t>・</a:t>
-            </a:r>
-            <a:r>
-              <a:rPr lang="en-US" altLang="ja-JP" sz="1100" dirty="0"/>
-              <a:t>public </a:t>
-            </a:r>
-            <a:r>
-              <a:rPr lang="en-US" altLang="ja-JP" sz="1100" dirty="0" err="1"/>
-              <a:t>GetText</a:t>
-            </a:r>
-            <a:r>
-              <a:rPr lang="en-US" altLang="ja-JP" sz="1100" dirty="0"/>
-              <a:t>(</a:t>
-            </a:r>
-            <a:r>
-              <a:rPr lang="en-US" altLang="ja-JP" sz="1100" dirty="0" err="1"/>
-              <a:t>HtmlNode</a:t>
-            </a:r>
-            <a:r>
-              <a:rPr lang="en-US" altLang="ja-JP" sz="1100" dirty="0"/>
-              <a:t> </a:t>
-            </a:r>
-            <a:r>
-              <a:rPr lang="en-US" altLang="ja-JP" sz="1100" dirty="0" err="1"/>
-              <a:t>TextNode</a:t>
-            </a:r>
-            <a:r>
-              <a:rPr lang="en-US" altLang="ja-JP" sz="1100" dirty="0"/>
-              <a:t>)</a:t>
-            </a:r>
-          </a:p>
-          <a:p>
-            <a:r>
-              <a:rPr lang="ja-JP" altLang="en-US" sz="1100" dirty="0"/>
-              <a:t>・</a:t>
-            </a:r>
-            <a:r>
-              <a:rPr lang="en-US" altLang="ja-JP" sz="1100" dirty="0"/>
-              <a:t>public </a:t>
-            </a:r>
-            <a:r>
-              <a:rPr lang="en-US" altLang="ja-JP" sz="1100" dirty="0" err="1"/>
-              <a:t>GetDateNode</a:t>
-            </a:r>
-            <a:r>
-              <a:rPr lang="en-US" altLang="ja-JP" sz="1100" dirty="0"/>
-              <a:t>(</a:t>
-            </a:r>
-            <a:r>
-              <a:rPr lang="en-US" altLang="ja-JP" sz="1100" dirty="0" err="1"/>
-              <a:t>HtmlNode</a:t>
-            </a:r>
-            <a:r>
-              <a:rPr lang="en-US" altLang="ja-JP" sz="1100" dirty="0"/>
-              <a:t> </a:t>
-            </a:r>
-            <a:r>
-              <a:rPr lang="en-US" altLang="ja-JP" sz="1100" dirty="0" err="1"/>
-              <a:t>postNode</a:t>
-            </a:r>
-            <a:r>
-              <a:rPr lang="en-US" altLang="ja-JP" sz="1100" dirty="0"/>
-              <a:t>)</a:t>
-            </a:r>
-          </a:p>
-          <a:p>
-            <a:r>
-              <a:rPr lang="ja-JP" altLang="en-US" sz="1100" dirty="0"/>
-              <a:t>・</a:t>
-            </a:r>
-            <a:r>
-              <a:rPr lang="en-US" altLang="ja-JP" sz="1100" dirty="0"/>
-              <a:t>public </a:t>
-            </a:r>
-            <a:r>
-              <a:rPr lang="en-US" altLang="ja-JP" sz="1100" dirty="0" err="1"/>
-              <a:t>GetDate</a:t>
-            </a:r>
-            <a:r>
-              <a:rPr lang="en-US" altLang="ja-JP" sz="1100" dirty="0"/>
-              <a:t>(</a:t>
-            </a:r>
-            <a:r>
-              <a:rPr lang="en-US" altLang="ja-JP" sz="1100" dirty="0" err="1"/>
-              <a:t>HtmlNode</a:t>
-            </a:r>
-            <a:r>
-              <a:rPr lang="en-US" altLang="ja-JP" sz="1100" dirty="0"/>
-              <a:t> </a:t>
-            </a:r>
-            <a:r>
-              <a:rPr lang="en-US" altLang="ja-JP" sz="1100" dirty="0" err="1"/>
-              <a:t>DateNode</a:t>
-            </a:r>
-            <a:r>
-              <a:rPr lang="en-US" altLang="ja-JP" sz="1100" dirty="0"/>
-              <a:t>)</a:t>
-            </a:r>
-          </a:p>
-          <a:p>
-            <a:r>
-              <a:rPr lang="ja-JP" altLang="en-US" sz="1100" dirty="0"/>
-              <a:t>・</a:t>
-            </a:r>
-            <a:r>
-              <a:rPr lang="en-US" altLang="ja-JP" sz="1100" dirty="0"/>
-              <a:t>public </a:t>
-            </a:r>
-            <a:r>
-              <a:rPr lang="en-US" altLang="ja-JP" sz="1100" dirty="0" err="1"/>
-              <a:t>GetUserIdNode</a:t>
-            </a:r>
-            <a:r>
-              <a:rPr lang="en-US" altLang="ja-JP" sz="1100" dirty="0"/>
-              <a:t>(</a:t>
-            </a:r>
-            <a:r>
-              <a:rPr lang="en-US" altLang="ja-JP" sz="1100" dirty="0" err="1"/>
-              <a:t>HtmlNode</a:t>
-            </a:r>
-            <a:r>
-              <a:rPr lang="en-US" altLang="ja-JP" sz="1100" dirty="0"/>
-              <a:t> </a:t>
-            </a:r>
-            <a:r>
-              <a:rPr lang="en-US" altLang="ja-JP" sz="1100" dirty="0" err="1"/>
-              <a:t>postNode</a:t>
-            </a:r>
-            <a:r>
-              <a:rPr lang="en-US" altLang="ja-JP" sz="1100" dirty="0"/>
-              <a:t>)</a:t>
-            </a:r>
-          </a:p>
-          <a:p>
-            <a:r>
-              <a:rPr lang="ja-JP" altLang="en-US" sz="1100" dirty="0"/>
-              <a:t>・</a:t>
-            </a:r>
-            <a:r>
-              <a:rPr lang="en-US" altLang="ja-JP" sz="1100" dirty="0"/>
-              <a:t>public </a:t>
-            </a:r>
-            <a:r>
-              <a:rPr lang="en-US" altLang="ja-JP" sz="1100" dirty="0" err="1"/>
-              <a:t>GetUserId</a:t>
-            </a:r>
-            <a:r>
-              <a:rPr lang="en-US" altLang="ja-JP" sz="1100" dirty="0"/>
-              <a:t>(</a:t>
-            </a:r>
-            <a:r>
-              <a:rPr lang="en-US" altLang="ja-JP" sz="1100" dirty="0" err="1"/>
-              <a:t>HtmlNode</a:t>
-            </a:r>
-            <a:r>
-              <a:rPr lang="en-US" altLang="ja-JP" sz="1100" dirty="0"/>
-              <a:t> </a:t>
-            </a:r>
-            <a:r>
-              <a:rPr lang="en-US" altLang="ja-JP" sz="1100" dirty="0" err="1"/>
-              <a:t>UserIdNode</a:t>
-            </a:r>
-            <a:r>
-              <a:rPr lang="en-US" altLang="ja-JP" sz="1100" dirty="0"/>
-              <a:t>)</a:t>
-            </a:r>
-          </a:p>
-        </p:txBody>
-      </p:sp>
-      <p:sp>
-        <p:nvSpPr>
-          <p:cNvPr id="12" name="正方形/長方形 11">
-            <a:extLst>
-              <a:ext uri="{FF2B5EF4-FFF2-40B4-BE49-F238E27FC236}">
-                <a16:creationId xmlns:a16="http://schemas.microsoft.com/office/drawing/2014/main" id="{76C38A58-811E-EBB0-6496-0A416BB3EEAD}"/>
-              </a:ext>
-            </a:extLst>
-          </p:cNvPr>
-          <p:cNvSpPr/>
-          <p:nvPr/>
-        </p:nvSpPr>
-        <p:spPr>
-          <a:xfrm>
-            <a:off x="8603672" y="3444874"/>
-            <a:ext cx="2456873" cy="373497"/>
-          </a:xfrm>
-          <a:prstGeom prst="rect">
-            <a:avLst/>
-          </a:prstGeom>
-        </p:spPr>
-        <p:style>
-          <a:lnRef idx="2">
-            <a:schemeClr val="accent1">
-              <a:shade val="15000"/>
-            </a:schemeClr>
-          </a:lnRef>
-          <a:fillRef idx="1">
-            <a:schemeClr val="accent1"/>
-          </a:fillRef>
-          <a:effectRef idx="0">
-            <a:schemeClr val="accent1"/>
-          </a:effectRef>
-          <a:fontRef idx="minor">
-            <a:schemeClr val="lt1"/>
-          </a:fontRef>
-        </p:style>
-        <p:txBody>
-          <a:bodyPr rtlCol="0" anchor="ctr"/>
-          <a:lstStyle/>
-          <a:p>
-            <a:pPr algn="ctr"/>
-            <a:r>
-              <a:rPr kumimoji="1" lang="en-US" altLang="ja-JP" dirty="0" err="1"/>
-              <a:t>IscraperLogic</a:t>
-            </a:r>
-            <a:endParaRPr kumimoji="1" lang="ja-JP" altLang="en-US" dirty="0"/>
-          </a:p>
-        </p:txBody>
-      </p:sp>
-      <p:sp>
-        <p:nvSpPr>
-          <p:cNvPr id="13" name="テキスト ボックス 12">
-            <a:extLst>
-              <a:ext uri="{FF2B5EF4-FFF2-40B4-BE49-F238E27FC236}">
-                <a16:creationId xmlns:a16="http://schemas.microsoft.com/office/drawing/2014/main" id="{5BCDE297-3115-E0E3-878B-CAF88AFDA553}"/>
-              </a:ext>
-            </a:extLst>
-          </p:cNvPr>
-          <p:cNvSpPr txBox="1"/>
-          <p:nvPr/>
-        </p:nvSpPr>
-        <p:spPr>
-          <a:xfrm>
-            <a:off x="8767621" y="1694896"/>
-            <a:ext cx="3043383" cy="276999"/>
-          </a:xfrm>
-          <a:prstGeom prst="rect">
-            <a:avLst/>
-          </a:prstGeom>
-          <a:noFill/>
-        </p:spPr>
-        <p:txBody>
-          <a:bodyPr wrap="square" rtlCol="0">
-            <a:spAutoFit/>
-          </a:bodyPr>
-          <a:lstStyle/>
-          <a:p>
-            <a:r>
-              <a:rPr lang="ja-JP" altLang="en-US" sz="1200" dirty="0"/>
-              <a:t>・</a:t>
-            </a:r>
-            <a:r>
-              <a:rPr lang="en-US" altLang="ja-JP" sz="1200" dirty="0"/>
-              <a:t>public </a:t>
-            </a:r>
-            <a:r>
-              <a:rPr lang="en-US" altLang="ja-JP" sz="1200" dirty="0" err="1"/>
-              <a:t>GetPosts</a:t>
-            </a:r>
-            <a:r>
-              <a:rPr lang="en-US" altLang="ja-JP" sz="1200" dirty="0"/>
-              <a:t>()</a:t>
-            </a:r>
-            <a:endParaRPr kumimoji="1" lang="ja-JP" altLang="en-US" sz="1200" dirty="0"/>
-          </a:p>
-        </p:txBody>
-      </p:sp>
-      <p:sp>
-        <p:nvSpPr>
-          <p:cNvPr id="14" name="テキスト ボックス 13">
-            <a:extLst>
-              <a:ext uri="{FF2B5EF4-FFF2-40B4-BE49-F238E27FC236}">
-                <a16:creationId xmlns:a16="http://schemas.microsoft.com/office/drawing/2014/main" id="{D6E3DE33-A554-FD11-CC99-3CB841505A77}"/>
-              </a:ext>
-            </a:extLst>
-          </p:cNvPr>
-          <p:cNvSpPr txBox="1"/>
-          <p:nvPr/>
-        </p:nvSpPr>
-        <p:spPr>
-          <a:xfrm>
-            <a:off x="380996" y="669563"/>
-            <a:ext cx="6878786" cy="307777"/>
-          </a:xfrm>
-          <a:prstGeom prst="rect">
-            <a:avLst/>
-          </a:prstGeom>
-          <a:noFill/>
-        </p:spPr>
-        <p:txBody>
-          <a:bodyPr wrap="square" rtlCol="0">
-            <a:spAutoFit/>
-          </a:bodyPr>
-          <a:lstStyle/>
-          <a:p>
-            <a:r>
-              <a:rPr kumimoji="1" lang="ja-JP" altLang="en-US" sz="1400" b="1" dirty="0"/>
-              <a:t>サイトに毎に</a:t>
-            </a:r>
-            <a:r>
-              <a:rPr lang="en-US" altLang="ja-JP" sz="1400" b="1" dirty="0"/>
-              <a:t>Interface</a:t>
-            </a:r>
-            <a:r>
-              <a:rPr lang="ja-JP" altLang="en-US" sz="1400" b="1" dirty="0"/>
-              <a:t>を実装した</a:t>
-            </a:r>
-            <a:r>
-              <a:rPr lang="en-US" altLang="ja-JP" sz="1400" b="1" dirty="0" err="1"/>
-              <a:t>ScraperController</a:t>
-            </a:r>
-            <a:r>
-              <a:rPr lang="ja-JP" altLang="en-US" sz="1400" b="1" dirty="0"/>
-              <a:t>と</a:t>
-            </a:r>
-            <a:r>
-              <a:rPr lang="en-US" altLang="ja-JP" sz="1400" b="1" dirty="0" err="1"/>
-              <a:t>ScraperLogic</a:t>
-            </a:r>
-            <a:r>
-              <a:rPr lang="ja-JP" altLang="en-US" sz="1400" b="1" dirty="0"/>
-              <a:t>クラス</a:t>
-            </a:r>
-            <a:r>
-              <a:rPr kumimoji="1" lang="ja-JP" altLang="en-US" sz="1400" b="1" dirty="0"/>
-              <a:t>を作成</a:t>
-            </a:r>
-          </a:p>
-        </p:txBody>
-      </p:sp>
-      <p:sp>
-        <p:nvSpPr>
-          <p:cNvPr id="16" name="テキスト ボックス 15">
-            <a:extLst>
-              <a:ext uri="{FF2B5EF4-FFF2-40B4-BE49-F238E27FC236}">
-                <a16:creationId xmlns:a16="http://schemas.microsoft.com/office/drawing/2014/main" id="{D67DADA6-49BB-714D-F72F-831ACF370ACD}"/>
-              </a:ext>
-            </a:extLst>
-          </p:cNvPr>
-          <p:cNvSpPr txBox="1"/>
-          <p:nvPr/>
-        </p:nvSpPr>
-        <p:spPr>
-          <a:xfrm>
-            <a:off x="2466109" y="138545"/>
-            <a:ext cx="2309091" cy="369332"/>
-          </a:xfrm>
-          <a:prstGeom prst="rect">
-            <a:avLst/>
-          </a:prstGeom>
-          <a:noFill/>
-        </p:spPr>
-        <p:txBody>
-          <a:bodyPr wrap="square" rtlCol="0">
-            <a:spAutoFit/>
-          </a:bodyPr>
-          <a:lstStyle/>
-          <a:p>
-            <a:r>
-              <a:rPr kumimoji="1" lang="en-US" altLang="ja-JP" dirty="0"/>
-              <a:t>Scraper</a:t>
-            </a:r>
-            <a:r>
-              <a:rPr kumimoji="1" lang="ja-JP" altLang="en-US" dirty="0"/>
-              <a:t>設計</a:t>
-            </a:r>
-          </a:p>
-        </p:txBody>
-      </p:sp>
-      <p:cxnSp>
-        <p:nvCxnSpPr>
-          <p:cNvPr id="18" name="直線矢印コネクタ 17">
-            <a:extLst>
-              <a:ext uri="{FF2B5EF4-FFF2-40B4-BE49-F238E27FC236}">
-                <a16:creationId xmlns:a16="http://schemas.microsoft.com/office/drawing/2014/main" id="{30C21D28-345C-CB17-E6CA-567007C00A06}"/>
-              </a:ext>
-            </a:extLst>
-          </p:cNvPr>
-          <p:cNvCxnSpPr/>
-          <p:nvPr/>
-        </p:nvCxnSpPr>
-        <p:spPr>
-          <a:xfrm flipH="1">
-            <a:off x="4775200" y="1403927"/>
-            <a:ext cx="3445164" cy="0"/>
-          </a:xfrm>
-          <a:prstGeom prst="straightConnector1">
-            <a:avLst/>
-          </a:prstGeom>
-          <a:ln>
-            <a:tailEnd type="triangle"/>
-          </a:ln>
-        </p:spPr>
-        <p:style>
-          <a:lnRef idx="2">
-            <a:schemeClr val="accent1"/>
-          </a:lnRef>
-          <a:fillRef idx="0">
-            <a:schemeClr val="accent1"/>
-          </a:fillRef>
-          <a:effectRef idx="1">
-            <a:schemeClr val="accent1"/>
-          </a:effectRef>
-          <a:fontRef idx="minor">
-            <a:schemeClr val="tx1"/>
-          </a:fontRef>
-        </p:style>
-      </p:cxnSp>
-      <p:cxnSp>
-        <p:nvCxnSpPr>
-          <p:cNvPr id="19" name="直線矢印コネクタ 18">
-            <a:extLst>
-              <a:ext uri="{FF2B5EF4-FFF2-40B4-BE49-F238E27FC236}">
-                <a16:creationId xmlns:a16="http://schemas.microsoft.com/office/drawing/2014/main" id="{57141325-AFC9-0753-A6E6-9C74DD8F6C04}"/>
-              </a:ext>
-            </a:extLst>
-          </p:cNvPr>
-          <p:cNvCxnSpPr/>
-          <p:nvPr/>
-        </p:nvCxnSpPr>
-        <p:spPr>
-          <a:xfrm flipH="1">
-            <a:off x="4775200" y="3634509"/>
-            <a:ext cx="3445164" cy="0"/>
-          </a:xfrm>
-          <a:prstGeom prst="straightConnector1">
-            <a:avLst/>
-          </a:prstGeom>
-          <a:ln>
-            <a:tailEnd type="triangle"/>
-          </a:ln>
-        </p:spPr>
-        <p:style>
-          <a:lnRef idx="2">
-            <a:schemeClr val="accent1"/>
-          </a:lnRef>
-          <a:fillRef idx="0">
-            <a:schemeClr val="accent1"/>
-          </a:fillRef>
-          <a:effectRef idx="1">
-            <a:schemeClr val="accent1"/>
-          </a:effectRef>
-          <a:fontRef idx="minor">
-            <a:schemeClr val="tx1"/>
-          </a:fontRef>
-        </p:style>
-      </p:cxnSp>
-      <p:sp>
-        <p:nvSpPr>
-          <p:cNvPr id="20" name="テキスト ボックス 19">
-            <a:extLst>
-              <a:ext uri="{FF2B5EF4-FFF2-40B4-BE49-F238E27FC236}">
-                <a16:creationId xmlns:a16="http://schemas.microsoft.com/office/drawing/2014/main" id="{10CDF77C-71BF-C552-BC55-F13D960A138E}"/>
-              </a:ext>
-            </a:extLst>
-          </p:cNvPr>
-          <p:cNvSpPr txBox="1"/>
-          <p:nvPr/>
-        </p:nvSpPr>
-        <p:spPr>
-          <a:xfrm>
-            <a:off x="5063837" y="1403927"/>
-            <a:ext cx="1260763" cy="307777"/>
-          </a:xfrm>
-          <a:prstGeom prst="rect">
-            <a:avLst/>
-          </a:prstGeom>
-          <a:noFill/>
-        </p:spPr>
-        <p:txBody>
-          <a:bodyPr wrap="square" rtlCol="0">
-            <a:spAutoFit/>
-          </a:bodyPr>
-          <a:lstStyle/>
-          <a:p>
-            <a:r>
-              <a:rPr kumimoji="1" lang="ja-JP" altLang="en-US" sz="1400" dirty="0"/>
-              <a:t>実装</a:t>
-            </a:r>
-          </a:p>
-        </p:txBody>
-      </p:sp>
-      <p:sp>
-        <p:nvSpPr>
-          <p:cNvPr id="21" name="テキスト ボックス 20">
-            <a:extLst>
-              <a:ext uri="{FF2B5EF4-FFF2-40B4-BE49-F238E27FC236}">
-                <a16:creationId xmlns:a16="http://schemas.microsoft.com/office/drawing/2014/main" id="{6CB25E7C-9360-23B0-F40A-29E246B63AC3}"/>
-              </a:ext>
-            </a:extLst>
-          </p:cNvPr>
-          <p:cNvSpPr txBox="1"/>
-          <p:nvPr/>
-        </p:nvSpPr>
-        <p:spPr>
-          <a:xfrm>
-            <a:off x="4920674" y="3627267"/>
-            <a:ext cx="1260763" cy="307777"/>
-          </a:xfrm>
-          <a:prstGeom prst="rect">
-            <a:avLst/>
-          </a:prstGeom>
-          <a:noFill/>
-        </p:spPr>
-        <p:txBody>
-          <a:bodyPr wrap="square" rtlCol="0">
-            <a:spAutoFit/>
-          </a:bodyPr>
-          <a:lstStyle/>
-          <a:p>
-            <a:r>
-              <a:rPr kumimoji="1" lang="ja-JP" altLang="en-US" sz="1400" dirty="0"/>
-              <a:t>実装</a:t>
-            </a:r>
-          </a:p>
-        </p:txBody>
-      </p:sp>
-    </p:spTree>
-    <p:extLst>
-      <p:ext uri="{BB962C8B-B14F-4D97-AF65-F5344CB8AC3E}">
-        <p14:creationId xmlns:p14="http://schemas.microsoft.com/office/powerpoint/2010/main" val="471335971"/>
-      </p:ext>
-    </p:extLst>
-  </p:cSld>
-  <p:clrMapOvr>
-    <a:masterClrMapping/>
-  </p:clrMapOvr>
-</p:sld>
-</file>
-
-<file path=ppt/slides/slide3.xml><?xml version="1.0" encoding="utf-8"?>
-<p:sld xmlns:a="http://schemas.openxmlformats.org/drawingml/2006/main" xmlns:r="http://schemas.openxmlformats.org/officeDocument/2006/relationships" xmlns:p="http://schemas.openxmlformats.org/presentationml/2006/main">
-  <p:cSld>
-    <p:spTree>
-      <p:nvGrpSpPr>
-        <p:cNvPr id="1" name=""/>
-        <p:cNvGrpSpPr/>
-        <p:nvPr/>
-      </p:nvGrpSpPr>
-      <p:grpSpPr>
-        <a:xfrm>
-          <a:off x="0" y="0"/>
-          <a:ext cx="0" cy="0"/>
-          <a:chOff x="0" y="0"/>
-          <a:chExt cx="0" cy="0"/>
-        </a:xfrm>
-      </p:grpSpPr>
-      <p:pic>
-        <p:nvPicPr>
-          <p:cNvPr id="12" name="グラフィックス 11" descr="ブラウザー ウィンドウ 枠線">
-            <a:extLst>
-              <a:ext uri="{FF2B5EF4-FFF2-40B4-BE49-F238E27FC236}">
-                <a16:creationId xmlns:a16="http://schemas.microsoft.com/office/drawing/2014/main" id="{465DDB9D-67C7-CF66-E2F9-AE85AAF08F90}"/>
-              </a:ext>
-            </a:extLst>
-          </p:cNvPr>
-          <p:cNvPicPr>
-            <a:picLocks noChangeAspect="1"/>
-          </p:cNvPicPr>
-          <p:nvPr/>
-        </p:nvPicPr>
-        <p:blipFill>
-          <a:blip r:embed="rId2">
-            <a:extLst>
-              <a:ext uri="{96DAC541-7B7A-43D3-8B79-37D633B846F1}">
-                <asvg:svgBlip xmlns:asvg="http://schemas.microsoft.com/office/drawing/2016/SVG/main" r:embed="rId3"/>
-              </a:ext>
-            </a:extLst>
-          </a:blip>
-          <a:stretch>
-            <a:fillRect/>
-          </a:stretch>
-        </p:blipFill>
-        <p:spPr>
-          <a:xfrm>
-            <a:off x="315787" y="1693716"/>
-            <a:ext cx="1140691" cy="914400"/>
-          </a:xfrm>
-          <a:prstGeom prst="rect">
-            <a:avLst/>
-          </a:prstGeom>
-        </p:spPr>
-      </p:pic>
-      <p:sp>
-        <p:nvSpPr>
-          <p:cNvPr id="15" name="四角形: 角を丸くする 14">
-            <a:extLst>
-              <a:ext uri="{FF2B5EF4-FFF2-40B4-BE49-F238E27FC236}">
-                <a16:creationId xmlns:a16="http://schemas.microsoft.com/office/drawing/2014/main" id="{73DA935B-B506-38E3-FDEA-4E4F05D6EBB9}"/>
-              </a:ext>
-            </a:extLst>
-          </p:cNvPr>
-          <p:cNvSpPr/>
-          <p:nvPr/>
-        </p:nvSpPr>
-        <p:spPr>
-          <a:xfrm>
-            <a:off x="3139423" y="1936278"/>
-            <a:ext cx="1319649" cy="429276"/>
-          </a:xfrm>
-          <a:prstGeom prst="roundRect">
-            <a:avLst/>
-          </a:prstGeom>
-        </p:spPr>
-        <p:style>
-          <a:lnRef idx="2">
-            <a:schemeClr val="accent1">
-              <a:shade val="15000"/>
-            </a:schemeClr>
-          </a:lnRef>
-          <a:fillRef idx="1">
-            <a:schemeClr val="accent1"/>
-          </a:fillRef>
-          <a:effectRef idx="0">
-            <a:schemeClr val="accent1"/>
-          </a:effectRef>
-          <a:fontRef idx="minor">
-            <a:schemeClr val="lt1"/>
-          </a:fontRef>
-        </p:style>
-        <p:txBody>
-          <a:bodyPr rtlCol="0" anchor="ctr"/>
-          <a:lstStyle/>
-          <a:p>
-            <a:pPr algn="ctr"/>
-            <a:r>
-              <a:rPr lang="ja-JP" altLang="en-US" sz="1100" dirty="0"/>
-              <a:t>スクレイパー</a:t>
-            </a:r>
-            <a:br>
-              <a:rPr lang="en-US" altLang="ja-JP" sz="1100" dirty="0"/>
-            </a:br>
-            <a:r>
-              <a:rPr lang="en-US" altLang="ja-JP" sz="1100" dirty="0"/>
-              <a:t>Interface</a:t>
-            </a:r>
-          </a:p>
-        </p:txBody>
-      </p:sp>
-      <p:sp>
-        <p:nvSpPr>
-          <p:cNvPr id="16" name="四角形: 角を丸くする 15">
-            <a:extLst>
-              <a:ext uri="{FF2B5EF4-FFF2-40B4-BE49-F238E27FC236}">
-                <a16:creationId xmlns:a16="http://schemas.microsoft.com/office/drawing/2014/main" id="{DDB01894-7608-0F99-D88D-7CA8CF2A629C}"/>
-              </a:ext>
-            </a:extLst>
-          </p:cNvPr>
-          <p:cNvSpPr/>
-          <p:nvPr/>
-        </p:nvSpPr>
-        <p:spPr>
-          <a:xfrm>
-            <a:off x="1564415" y="1998805"/>
-            <a:ext cx="924785" cy="249543"/>
-          </a:xfrm>
-          <a:prstGeom prst="roundRect">
-            <a:avLst/>
-          </a:prstGeom>
-        </p:spPr>
-        <p:style>
-          <a:lnRef idx="2">
-            <a:schemeClr val="accent1">
-              <a:shade val="15000"/>
-            </a:schemeClr>
-          </a:lnRef>
-          <a:fillRef idx="1">
-            <a:schemeClr val="accent1"/>
-          </a:fillRef>
-          <a:effectRef idx="0">
-            <a:schemeClr val="accent1"/>
-          </a:effectRef>
-          <a:fontRef idx="minor">
-            <a:schemeClr val="lt1"/>
-          </a:fontRef>
-        </p:style>
-        <p:txBody>
-          <a:bodyPr rtlCol="0" anchor="ctr"/>
-          <a:lstStyle/>
-          <a:p>
-            <a:pPr algn="ctr"/>
-            <a:r>
-              <a:rPr lang="ja-JP" altLang="en-US" sz="900" dirty="0"/>
-              <a:t>スクレイパー</a:t>
-            </a:r>
-            <a:endParaRPr lang="en-US" altLang="ja-JP" sz="900" dirty="0"/>
-          </a:p>
-        </p:txBody>
-      </p:sp>
-      <p:sp>
-        <p:nvSpPr>
-          <p:cNvPr id="57" name="四角形: 角を丸くする 56">
-            <a:extLst>
-              <a:ext uri="{FF2B5EF4-FFF2-40B4-BE49-F238E27FC236}">
-                <a16:creationId xmlns:a16="http://schemas.microsoft.com/office/drawing/2014/main" id="{D62F9A93-58F9-6E17-CC63-6836F6573395}"/>
-              </a:ext>
-            </a:extLst>
-          </p:cNvPr>
-          <p:cNvSpPr/>
-          <p:nvPr/>
-        </p:nvSpPr>
-        <p:spPr>
-          <a:xfrm>
-            <a:off x="4640634" y="3404298"/>
-            <a:ext cx="1211242" cy="574834"/>
-          </a:xfrm>
-          <a:prstGeom prst="roundRect">
-            <a:avLst/>
-          </a:prstGeom>
-        </p:spPr>
-        <p:style>
-          <a:lnRef idx="2">
-            <a:schemeClr val="accent1">
-              <a:shade val="15000"/>
-            </a:schemeClr>
-          </a:lnRef>
-          <a:fillRef idx="1">
-            <a:schemeClr val="accent1"/>
-          </a:fillRef>
-          <a:effectRef idx="0">
-            <a:schemeClr val="accent1"/>
-          </a:effectRef>
-          <a:fontRef idx="minor">
-            <a:schemeClr val="lt1"/>
-          </a:fontRef>
-        </p:style>
-        <p:txBody>
-          <a:bodyPr rtlCol="0" anchor="ctr"/>
-          <a:lstStyle/>
-          <a:p>
-            <a:pPr algn="ctr"/>
-            <a:r>
-              <a:rPr lang="en-US" altLang="ja-JP" dirty="0"/>
-              <a:t>UI</a:t>
-            </a:r>
-          </a:p>
-        </p:txBody>
-      </p:sp>
-      <p:sp>
-        <p:nvSpPr>
-          <p:cNvPr id="58" name="四角形: 角を丸くする 57">
-            <a:extLst>
-              <a:ext uri="{FF2B5EF4-FFF2-40B4-BE49-F238E27FC236}">
-                <a16:creationId xmlns:a16="http://schemas.microsoft.com/office/drawing/2014/main" id="{8D28EBA5-7EB1-B73B-98C8-05CED8660590}"/>
-              </a:ext>
-            </a:extLst>
-          </p:cNvPr>
-          <p:cNvSpPr/>
-          <p:nvPr/>
-        </p:nvSpPr>
-        <p:spPr>
-          <a:xfrm>
-            <a:off x="4640634" y="4107981"/>
-            <a:ext cx="1223818" cy="362419"/>
-          </a:xfrm>
-          <a:prstGeom prst="roundRect">
-            <a:avLst/>
-          </a:prstGeom>
-        </p:spPr>
-        <p:style>
-          <a:lnRef idx="2">
-            <a:schemeClr val="accent1"/>
-          </a:lnRef>
-          <a:fillRef idx="1">
-            <a:schemeClr val="lt1"/>
-          </a:fillRef>
-          <a:effectRef idx="0">
-            <a:schemeClr val="accent1"/>
-          </a:effectRef>
-          <a:fontRef idx="minor">
-            <a:schemeClr val="dk1"/>
-          </a:fontRef>
-        </p:style>
-        <p:txBody>
-          <a:bodyPr rtlCol="0" anchor="ctr"/>
-          <a:lstStyle/>
-          <a:p>
-            <a:pPr algn="ctr"/>
-            <a:r>
-              <a:rPr kumimoji="1" lang="ja-JP" altLang="en-US" sz="1200" dirty="0"/>
-              <a:t>レスの表示</a:t>
-            </a:r>
-            <a:endParaRPr kumimoji="1" lang="en-US" altLang="ja-JP" sz="1200" dirty="0"/>
-          </a:p>
-        </p:txBody>
-      </p:sp>
-      <p:cxnSp>
-        <p:nvCxnSpPr>
-          <p:cNvPr id="5" name="直線矢印コネクタ 4">
-            <a:extLst>
-              <a:ext uri="{FF2B5EF4-FFF2-40B4-BE49-F238E27FC236}">
-                <a16:creationId xmlns:a16="http://schemas.microsoft.com/office/drawing/2014/main" id="{75DA2B0F-05E9-FB74-49E6-77FC04BD0196}"/>
-              </a:ext>
-            </a:extLst>
-          </p:cNvPr>
-          <p:cNvCxnSpPr>
-            <a:cxnSpLocks/>
-          </p:cNvCxnSpPr>
-          <p:nvPr/>
-        </p:nvCxnSpPr>
-        <p:spPr>
-          <a:xfrm flipH="1">
-            <a:off x="2580774" y="2150916"/>
-            <a:ext cx="467075" cy="0"/>
-          </a:xfrm>
-          <a:prstGeom prst="straightConnector1">
-            <a:avLst/>
-          </a:prstGeom>
-          <a:ln>
-            <a:tailEnd type="triangle"/>
-          </a:ln>
-        </p:spPr>
-        <p:style>
-          <a:lnRef idx="2">
-            <a:schemeClr val="accent1"/>
-          </a:lnRef>
-          <a:fillRef idx="0">
-            <a:schemeClr val="accent1"/>
-          </a:fillRef>
-          <a:effectRef idx="1">
-            <a:schemeClr val="accent1"/>
-          </a:effectRef>
-          <a:fontRef idx="minor">
-            <a:schemeClr val="tx1"/>
-          </a:fontRef>
-        </p:style>
-      </p:cxnSp>
-      <p:sp>
-        <p:nvSpPr>
-          <p:cNvPr id="9" name="テキスト ボックス 8">
-            <a:extLst>
-              <a:ext uri="{FF2B5EF4-FFF2-40B4-BE49-F238E27FC236}">
-                <a16:creationId xmlns:a16="http://schemas.microsoft.com/office/drawing/2014/main" id="{FE99CAE1-007C-CE6D-7FA0-600840FBA169}"/>
-              </a:ext>
-            </a:extLst>
-          </p:cNvPr>
-          <p:cNvSpPr txBox="1"/>
-          <p:nvPr/>
-        </p:nvSpPr>
-        <p:spPr>
-          <a:xfrm>
-            <a:off x="364279" y="234493"/>
-            <a:ext cx="1043709" cy="369332"/>
-          </a:xfrm>
-          <a:prstGeom prst="rect">
-            <a:avLst/>
-          </a:prstGeom>
-          <a:noFill/>
-        </p:spPr>
-        <p:txBody>
-          <a:bodyPr wrap="square" rtlCol="0">
-            <a:spAutoFit/>
-          </a:bodyPr>
-          <a:lstStyle/>
-          <a:p>
-            <a:r>
-              <a:rPr kumimoji="1" lang="en-US" altLang="ja-JP" b="1" dirty="0"/>
-              <a:t>Phase1</a:t>
-            </a:r>
-            <a:endParaRPr kumimoji="1" lang="ja-JP" altLang="en-US" b="1" dirty="0"/>
-          </a:p>
-        </p:txBody>
-      </p:sp>
-      <p:cxnSp>
-        <p:nvCxnSpPr>
-          <p:cNvPr id="22" name="コネクタ: カギ線 21">
-            <a:extLst>
-              <a:ext uri="{FF2B5EF4-FFF2-40B4-BE49-F238E27FC236}">
-                <a16:creationId xmlns:a16="http://schemas.microsoft.com/office/drawing/2014/main" id="{32C6FF31-58C3-DA59-878B-5F3F29EE85B4}"/>
-              </a:ext>
-            </a:extLst>
-          </p:cNvPr>
-          <p:cNvCxnSpPr>
-            <a:cxnSpLocks/>
-          </p:cNvCxnSpPr>
-          <p:nvPr/>
-        </p:nvCxnSpPr>
-        <p:spPr>
-          <a:xfrm rot="10800000">
-            <a:off x="2026808" y="2365555"/>
-            <a:ext cx="2432265" cy="1326159"/>
-          </a:xfrm>
-          <a:prstGeom prst="bentConnector3">
-            <a:avLst>
-              <a:gd name="adj1" fmla="val 100126"/>
-            </a:avLst>
-          </a:prstGeom>
-          <a:ln>
-            <a:tailEnd type="triangle"/>
-          </a:ln>
-        </p:spPr>
-        <p:style>
-          <a:lnRef idx="2">
-            <a:schemeClr val="accent1"/>
-          </a:lnRef>
-          <a:fillRef idx="0">
-            <a:schemeClr val="accent1"/>
-          </a:fillRef>
-          <a:effectRef idx="1">
-            <a:schemeClr val="accent1"/>
-          </a:effectRef>
-          <a:fontRef idx="minor">
-            <a:schemeClr val="tx1"/>
-          </a:fontRef>
-        </p:style>
-      </p:cxnSp>
-    </p:spTree>
-    <p:extLst>
-      <p:ext uri="{BB962C8B-B14F-4D97-AF65-F5344CB8AC3E}">
-        <p14:creationId xmlns:p14="http://schemas.microsoft.com/office/powerpoint/2010/main" val="2342794979"/>
-      </p:ext>
-    </p:extLst>
-  </p:cSld>
-  <p:clrMapOvr>
-    <a:masterClrMapping/>
-  </p:clrMapOvr>
-</p:sld>
-</file>
-
-<file path=ppt/slides/slide4.xml><?xml version="1.0" encoding="utf-8"?>
-<p:sld xmlns:a="http://schemas.openxmlformats.org/drawingml/2006/main" xmlns:r="http://schemas.openxmlformats.org/officeDocument/2006/relationships" xmlns:p="http://schemas.openxmlformats.org/presentationml/2006/main">
-  <p:cSld>
-    <p:spTree>
-      <p:nvGrpSpPr>
-        <p:cNvPr id="1" name="">
-          <a:extLst>
-            <a:ext uri="{FF2B5EF4-FFF2-40B4-BE49-F238E27FC236}">
-              <a16:creationId xmlns:a16="http://schemas.microsoft.com/office/drawing/2014/main" id="{0E01A0FD-6600-4447-5329-EAC98EF17E1F}"/>
-            </a:ext>
-          </a:extLst>
-        </p:cNvPr>
-        <p:cNvGrpSpPr/>
-        <p:nvPr/>
-      </p:nvGrpSpPr>
-      <p:grpSpPr>
-        <a:xfrm>
-          <a:off x="0" y="0"/>
-          <a:ext cx="0" cy="0"/>
-          <a:chOff x="0" y="0"/>
-          <a:chExt cx="0" cy="0"/>
-        </a:xfrm>
-      </p:grpSpPr>
-      <p:pic>
-        <p:nvPicPr>
-          <p:cNvPr id="12" name="グラフィックス 11" descr="ブラウザー ウィンドウ 枠線">
-            <a:extLst>
-              <a:ext uri="{FF2B5EF4-FFF2-40B4-BE49-F238E27FC236}">
-                <a16:creationId xmlns:a16="http://schemas.microsoft.com/office/drawing/2014/main" id="{B1F820D3-3948-F535-EF84-D9719D8B3728}"/>
-              </a:ext>
-            </a:extLst>
-          </p:cNvPr>
-          <p:cNvPicPr>
-            <a:picLocks noChangeAspect="1"/>
-          </p:cNvPicPr>
-          <p:nvPr/>
-        </p:nvPicPr>
-        <p:blipFill>
-          <a:blip r:embed="rId2">
-            <a:extLst>
-              <a:ext uri="{96DAC541-7B7A-43D3-8B79-37D633B846F1}">
-                <asvg:svgBlip xmlns:asvg="http://schemas.microsoft.com/office/drawing/2016/SVG/main" r:embed="rId3"/>
-              </a:ext>
-            </a:extLst>
-          </a:blip>
-          <a:stretch>
-            <a:fillRect/>
-          </a:stretch>
-        </p:blipFill>
-        <p:spPr>
-          <a:xfrm>
-            <a:off x="315787" y="1693716"/>
-            <a:ext cx="1140691" cy="914400"/>
-          </a:xfrm>
-          <a:prstGeom prst="rect">
-            <a:avLst/>
-          </a:prstGeom>
-        </p:spPr>
-      </p:pic>
-      <p:sp>
-        <p:nvSpPr>
-          <p:cNvPr id="15" name="四角形: 角を丸くする 14">
-            <a:extLst>
-              <a:ext uri="{FF2B5EF4-FFF2-40B4-BE49-F238E27FC236}">
-                <a16:creationId xmlns:a16="http://schemas.microsoft.com/office/drawing/2014/main" id="{86870227-20A5-BC17-9651-D4BFE7BB003B}"/>
-              </a:ext>
-            </a:extLst>
-          </p:cNvPr>
-          <p:cNvSpPr/>
-          <p:nvPr/>
-        </p:nvSpPr>
-        <p:spPr>
-          <a:xfrm>
-            <a:off x="3139423" y="1936278"/>
-            <a:ext cx="1319649" cy="429276"/>
-          </a:xfrm>
-          <a:prstGeom prst="roundRect">
-            <a:avLst/>
-          </a:prstGeom>
-        </p:spPr>
-        <p:style>
-          <a:lnRef idx="2">
-            <a:schemeClr val="accent1">
-              <a:shade val="15000"/>
-            </a:schemeClr>
-          </a:lnRef>
-          <a:fillRef idx="1">
-            <a:schemeClr val="accent1"/>
-          </a:fillRef>
-          <a:effectRef idx="0">
-            <a:schemeClr val="accent1"/>
-          </a:effectRef>
-          <a:fontRef idx="minor">
-            <a:schemeClr val="lt1"/>
-          </a:fontRef>
-        </p:style>
-        <p:txBody>
-          <a:bodyPr rtlCol="0" anchor="ctr"/>
-          <a:lstStyle/>
-          <a:p>
-            <a:pPr algn="ctr"/>
-            <a:r>
-              <a:rPr lang="ja-JP" altLang="en-US" sz="1100" dirty="0"/>
-              <a:t>スクレイパー</a:t>
-            </a:r>
-            <a:br>
-              <a:rPr lang="en-US" altLang="ja-JP" sz="1100" dirty="0"/>
-            </a:br>
-            <a:r>
-              <a:rPr lang="en-US" altLang="ja-JP" sz="1100" dirty="0"/>
-              <a:t>Interface</a:t>
-            </a:r>
-          </a:p>
-        </p:txBody>
-      </p:sp>
-      <p:sp>
-        <p:nvSpPr>
-          <p:cNvPr id="16" name="四角形: 角を丸くする 15">
-            <a:extLst>
-              <a:ext uri="{FF2B5EF4-FFF2-40B4-BE49-F238E27FC236}">
-                <a16:creationId xmlns:a16="http://schemas.microsoft.com/office/drawing/2014/main" id="{5A93CFA8-AC36-E4A1-B8C3-7A6A50CFCD44}"/>
-              </a:ext>
-            </a:extLst>
-          </p:cNvPr>
-          <p:cNvSpPr/>
-          <p:nvPr/>
-        </p:nvSpPr>
-        <p:spPr>
-          <a:xfrm>
-            <a:off x="1564415" y="1998805"/>
-            <a:ext cx="924785" cy="249543"/>
-          </a:xfrm>
-          <a:prstGeom prst="roundRect">
-            <a:avLst/>
-          </a:prstGeom>
-        </p:spPr>
-        <p:style>
-          <a:lnRef idx="2">
-            <a:schemeClr val="accent1">
-              <a:shade val="15000"/>
-            </a:schemeClr>
-          </a:lnRef>
-          <a:fillRef idx="1">
-            <a:schemeClr val="accent1"/>
-          </a:fillRef>
-          <a:effectRef idx="0">
-            <a:schemeClr val="accent1"/>
-          </a:effectRef>
-          <a:fontRef idx="minor">
-            <a:schemeClr val="lt1"/>
-          </a:fontRef>
-        </p:style>
-        <p:txBody>
-          <a:bodyPr rtlCol="0" anchor="ctr"/>
-          <a:lstStyle/>
-          <a:p>
-            <a:pPr algn="ctr"/>
-            <a:r>
-              <a:rPr lang="ja-JP" altLang="en-US" sz="900" dirty="0"/>
-              <a:t>スクレイパー</a:t>
-            </a:r>
-            <a:endParaRPr lang="en-US" altLang="ja-JP" sz="900" dirty="0"/>
-          </a:p>
-        </p:txBody>
-      </p:sp>
-      <p:sp>
-        <p:nvSpPr>
-          <p:cNvPr id="57" name="四角形: 角を丸くする 56">
-            <a:extLst>
-              <a:ext uri="{FF2B5EF4-FFF2-40B4-BE49-F238E27FC236}">
-                <a16:creationId xmlns:a16="http://schemas.microsoft.com/office/drawing/2014/main" id="{06024BC9-9394-AC5A-31A7-DB78F1729DFF}"/>
-              </a:ext>
-            </a:extLst>
-          </p:cNvPr>
-          <p:cNvSpPr/>
-          <p:nvPr/>
-        </p:nvSpPr>
-        <p:spPr>
-          <a:xfrm>
-            <a:off x="4640634" y="3404298"/>
-            <a:ext cx="1211242" cy="574834"/>
-          </a:xfrm>
-          <a:prstGeom prst="roundRect">
-            <a:avLst/>
-          </a:prstGeom>
-        </p:spPr>
-        <p:style>
-          <a:lnRef idx="2">
-            <a:schemeClr val="accent1">
-              <a:shade val="15000"/>
-            </a:schemeClr>
-          </a:lnRef>
-          <a:fillRef idx="1">
-            <a:schemeClr val="accent1"/>
-          </a:fillRef>
-          <a:effectRef idx="0">
-            <a:schemeClr val="accent1"/>
-          </a:effectRef>
-          <a:fontRef idx="minor">
-            <a:schemeClr val="lt1"/>
-          </a:fontRef>
-        </p:style>
-        <p:txBody>
-          <a:bodyPr rtlCol="0" anchor="ctr"/>
-          <a:lstStyle/>
-          <a:p>
-            <a:pPr algn="ctr"/>
-            <a:r>
-              <a:rPr lang="en-US" altLang="ja-JP" dirty="0"/>
-              <a:t>UI</a:t>
-            </a:r>
-          </a:p>
-        </p:txBody>
-      </p:sp>
-      <p:cxnSp>
-        <p:nvCxnSpPr>
-          <p:cNvPr id="5" name="直線矢印コネクタ 4">
-            <a:extLst>
-              <a:ext uri="{FF2B5EF4-FFF2-40B4-BE49-F238E27FC236}">
-                <a16:creationId xmlns:a16="http://schemas.microsoft.com/office/drawing/2014/main" id="{AD4D67EC-25B0-8B42-6FEE-EC60BBA6A9D0}"/>
-              </a:ext>
-            </a:extLst>
-          </p:cNvPr>
-          <p:cNvCxnSpPr>
-            <a:cxnSpLocks/>
-          </p:cNvCxnSpPr>
-          <p:nvPr/>
-        </p:nvCxnSpPr>
-        <p:spPr>
-          <a:xfrm flipH="1">
-            <a:off x="2580774" y="2150916"/>
-            <a:ext cx="467075" cy="0"/>
-          </a:xfrm>
-          <a:prstGeom prst="straightConnector1">
-            <a:avLst/>
-          </a:prstGeom>
-          <a:ln>
-            <a:tailEnd type="triangle"/>
-          </a:ln>
-        </p:spPr>
-        <p:style>
-          <a:lnRef idx="2">
-            <a:schemeClr val="accent1"/>
-          </a:lnRef>
-          <a:fillRef idx="0">
-            <a:schemeClr val="accent1"/>
-          </a:fillRef>
-          <a:effectRef idx="1">
-            <a:schemeClr val="accent1"/>
-          </a:effectRef>
-          <a:fontRef idx="minor">
-            <a:schemeClr val="tx1"/>
-          </a:fontRef>
-        </p:style>
-      </p:cxnSp>
-      <p:sp>
-        <p:nvSpPr>
-          <p:cNvPr id="9" name="テキスト ボックス 8">
-            <a:extLst>
-              <a:ext uri="{FF2B5EF4-FFF2-40B4-BE49-F238E27FC236}">
-                <a16:creationId xmlns:a16="http://schemas.microsoft.com/office/drawing/2014/main" id="{FEB5F75A-D509-65A3-78E6-0083D6207EAA}"/>
-              </a:ext>
-            </a:extLst>
-          </p:cNvPr>
-          <p:cNvSpPr txBox="1"/>
-          <p:nvPr/>
-        </p:nvSpPr>
-        <p:spPr>
-          <a:xfrm>
-            <a:off x="364279" y="234493"/>
-            <a:ext cx="1043709" cy="369332"/>
-          </a:xfrm>
-          <a:prstGeom prst="rect">
-            <a:avLst/>
-          </a:prstGeom>
-          <a:noFill/>
-        </p:spPr>
-        <p:txBody>
-          <a:bodyPr wrap="square" rtlCol="0">
-            <a:spAutoFit/>
-          </a:bodyPr>
-          <a:lstStyle/>
-          <a:p>
-            <a:r>
-              <a:rPr kumimoji="1" lang="en-US" altLang="ja-JP" b="1" dirty="0"/>
-              <a:t>Phase2</a:t>
-            </a:r>
-            <a:endParaRPr kumimoji="1" lang="ja-JP" altLang="en-US" b="1" dirty="0"/>
-          </a:p>
-        </p:txBody>
-      </p:sp>
-      <p:cxnSp>
-        <p:nvCxnSpPr>
-          <p:cNvPr id="22" name="コネクタ: カギ線 21">
-            <a:extLst>
-              <a:ext uri="{FF2B5EF4-FFF2-40B4-BE49-F238E27FC236}">
-                <a16:creationId xmlns:a16="http://schemas.microsoft.com/office/drawing/2014/main" id="{337F688F-1764-399E-4947-49A1B27A386D}"/>
-              </a:ext>
-            </a:extLst>
-          </p:cNvPr>
-          <p:cNvCxnSpPr>
-            <a:cxnSpLocks/>
-          </p:cNvCxnSpPr>
-          <p:nvPr/>
-        </p:nvCxnSpPr>
-        <p:spPr>
-          <a:xfrm rot="10800000">
-            <a:off x="2026808" y="2365555"/>
-            <a:ext cx="2432265" cy="1326159"/>
-          </a:xfrm>
-          <a:prstGeom prst="bentConnector3">
-            <a:avLst>
-              <a:gd name="adj1" fmla="val 100126"/>
-            </a:avLst>
-          </a:prstGeom>
-          <a:ln>
-            <a:tailEnd type="triangle"/>
-          </a:ln>
-        </p:spPr>
-        <p:style>
-          <a:lnRef idx="2">
-            <a:schemeClr val="accent1"/>
-          </a:lnRef>
-          <a:fillRef idx="0">
-            <a:schemeClr val="accent1"/>
-          </a:fillRef>
-          <a:effectRef idx="1">
-            <a:schemeClr val="accent1"/>
-          </a:effectRef>
-          <a:fontRef idx="minor">
-            <a:schemeClr val="tx1"/>
-          </a:fontRef>
-        </p:style>
-      </p:cxnSp>
-      <p:sp>
-        <p:nvSpPr>
-          <p:cNvPr id="2" name="四角形: 角を丸くする 1">
-            <a:extLst>
-              <a:ext uri="{FF2B5EF4-FFF2-40B4-BE49-F238E27FC236}">
-                <a16:creationId xmlns:a16="http://schemas.microsoft.com/office/drawing/2014/main" id="{8EB12361-9661-26F7-5F05-1260253EE602}"/>
-              </a:ext>
-            </a:extLst>
-          </p:cNvPr>
-          <p:cNvSpPr/>
-          <p:nvPr/>
-        </p:nvSpPr>
-        <p:spPr>
-          <a:xfrm>
-            <a:off x="3431309" y="4181872"/>
-            <a:ext cx="3994727" cy="851947"/>
-          </a:xfrm>
-          <a:prstGeom prst="roundRect">
-            <a:avLst/>
-          </a:prstGeom>
-        </p:spPr>
-        <p:style>
-          <a:lnRef idx="2">
-            <a:schemeClr val="accent1"/>
-          </a:lnRef>
-          <a:fillRef idx="1">
-            <a:schemeClr val="lt1"/>
-          </a:fillRef>
-          <a:effectRef idx="0">
-            <a:schemeClr val="accent1"/>
-          </a:effectRef>
-          <a:fontRef idx="minor">
-            <a:schemeClr val="dk1"/>
-          </a:fontRef>
-        </p:style>
-        <p:txBody>
-          <a:bodyPr rtlCol="0" anchor="ctr"/>
-          <a:lstStyle/>
-          <a:p>
-            <a:pPr algn="ctr"/>
-            <a:r>
-              <a:rPr kumimoji="1" lang="ja-JP" altLang="en-US" sz="1200" dirty="0"/>
-              <a:t>スレッド</a:t>
-            </a:r>
-            <a:r>
-              <a:rPr lang="ja-JP" altLang="en-US" sz="1200" dirty="0"/>
-              <a:t>の人気の可視化</a:t>
-            </a:r>
-            <a:endParaRPr lang="en-US" altLang="ja-JP" sz="1200" dirty="0"/>
-          </a:p>
-          <a:p>
-            <a:pPr algn="ctr"/>
-            <a:r>
-              <a:rPr lang="ja-JP" altLang="en-US" sz="1200" dirty="0"/>
-              <a:t>人気レスの可視化</a:t>
-            </a:r>
-            <a:br>
-              <a:rPr lang="en-US" altLang="ja-JP" sz="1200" dirty="0"/>
-            </a:br>
-            <a:r>
-              <a:rPr lang="ja-JP" altLang="en-US" sz="1200" dirty="0"/>
-              <a:t>勢いの時系列の可視化</a:t>
-            </a:r>
-            <a:endParaRPr kumimoji="1" lang="en-US" altLang="ja-JP" sz="1200" dirty="0"/>
-          </a:p>
-        </p:txBody>
-      </p:sp>
-    </p:spTree>
-    <p:extLst>
-      <p:ext uri="{BB962C8B-B14F-4D97-AF65-F5344CB8AC3E}">
-        <p14:creationId xmlns:p14="http://schemas.microsoft.com/office/powerpoint/2010/main" val="3898769509"/>
-      </p:ext>
-    </p:extLst>
-  </p:cSld>
-  <p:clrMapOvr>
-    <a:masterClrMapping/>
-  </p:clrMapOvr>
-</p:sld>
-</file>
-
-<file path=ppt/slides/slide5.xml><?xml version="1.0" encoding="utf-8"?>
-<p:sld xmlns:a="http://schemas.openxmlformats.org/drawingml/2006/main" xmlns:r="http://schemas.openxmlformats.org/officeDocument/2006/relationships" xmlns:p="http://schemas.openxmlformats.org/presentationml/2006/main">
-  <p:cSld>
-    <p:spTree>
-      <p:nvGrpSpPr>
-        <p:cNvPr id="1" name="">
-          <a:extLst>
-            <a:ext uri="{FF2B5EF4-FFF2-40B4-BE49-F238E27FC236}">
-              <a16:creationId xmlns:a16="http://schemas.microsoft.com/office/drawing/2014/main" id="{429BA197-AA76-268C-184B-C2C26D50E9AE}"/>
-            </a:ext>
-          </a:extLst>
-        </p:cNvPr>
-        <p:cNvGrpSpPr/>
-        <p:nvPr/>
-      </p:nvGrpSpPr>
-      <p:grpSpPr>
-        <a:xfrm>
-          <a:off x="0" y="0"/>
-          <a:ext cx="0" cy="0"/>
-          <a:chOff x="0" y="0"/>
-          <a:chExt cx="0" cy="0"/>
-        </a:xfrm>
-      </p:grpSpPr>
-      <p:pic>
-        <p:nvPicPr>
-          <p:cNvPr id="12" name="グラフィックス 11" descr="ブラウザー ウィンドウ 枠線">
-            <a:extLst>
-              <a:ext uri="{FF2B5EF4-FFF2-40B4-BE49-F238E27FC236}">
-                <a16:creationId xmlns:a16="http://schemas.microsoft.com/office/drawing/2014/main" id="{7190C997-65E6-65D3-40A7-FCEC06C41440}"/>
-              </a:ext>
-            </a:extLst>
-          </p:cNvPr>
-          <p:cNvPicPr>
-            <a:picLocks noChangeAspect="1"/>
-          </p:cNvPicPr>
-          <p:nvPr/>
-        </p:nvPicPr>
-        <p:blipFill>
-          <a:blip r:embed="rId2">
-            <a:extLst>
-              <a:ext uri="{96DAC541-7B7A-43D3-8B79-37D633B846F1}">
-                <asvg:svgBlip xmlns:asvg="http://schemas.microsoft.com/office/drawing/2016/SVG/main" r:embed="rId3"/>
-              </a:ext>
-            </a:extLst>
-          </a:blip>
-          <a:stretch>
-            <a:fillRect/>
-          </a:stretch>
-        </p:blipFill>
-        <p:spPr>
-          <a:xfrm>
-            <a:off x="315787" y="1693716"/>
-            <a:ext cx="1140691" cy="914400"/>
-          </a:xfrm>
-          <a:prstGeom prst="rect">
-            <a:avLst/>
-          </a:prstGeom>
-        </p:spPr>
-      </p:pic>
-      <p:sp>
-        <p:nvSpPr>
-          <p:cNvPr id="15" name="四角形: 角を丸くする 14">
-            <a:extLst>
-              <a:ext uri="{FF2B5EF4-FFF2-40B4-BE49-F238E27FC236}">
-                <a16:creationId xmlns:a16="http://schemas.microsoft.com/office/drawing/2014/main" id="{61F24035-F751-BB6E-2B38-2BBB5C74D06A}"/>
-              </a:ext>
-            </a:extLst>
-          </p:cNvPr>
-          <p:cNvSpPr/>
-          <p:nvPr/>
-        </p:nvSpPr>
-        <p:spPr>
-          <a:xfrm>
-            <a:off x="3139423" y="1936278"/>
-            <a:ext cx="1319649" cy="429276"/>
-          </a:xfrm>
-          <a:prstGeom prst="roundRect">
-            <a:avLst/>
-          </a:prstGeom>
-        </p:spPr>
-        <p:style>
-          <a:lnRef idx="2">
-            <a:schemeClr val="accent1">
-              <a:shade val="15000"/>
-            </a:schemeClr>
-          </a:lnRef>
-          <a:fillRef idx="1">
-            <a:schemeClr val="accent1"/>
-          </a:fillRef>
-          <a:effectRef idx="0">
-            <a:schemeClr val="accent1"/>
-          </a:effectRef>
-          <a:fontRef idx="minor">
-            <a:schemeClr val="lt1"/>
-          </a:fontRef>
-        </p:style>
-        <p:txBody>
-          <a:bodyPr rtlCol="0" anchor="ctr"/>
-          <a:lstStyle/>
-          <a:p>
-            <a:pPr algn="ctr"/>
-            <a:r>
-              <a:rPr lang="ja-JP" altLang="en-US" sz="1100" dirty="0"/>
-              <a:t>スクレイパー</a:t>
-            </a:r>
-            <a:br>
-              <a:rPr lang="en-US" altLang="ja-JP" sz="1100" dirty="0"/>
-            </a:br>
-            <a:r>
-              <a:rPr lang="en-US" altLang="ja-JP" sz="1100" dirty="0"/>
-              <a:t>Interface</a:t>
-            </a:r>
-          </a:p>
-        </p:txBody>
-      </p:sp>
-      <p:sp>
-        <p:nvSpPr>
-          <p:cNvPr id="16" name="四角形: 角を丸くする 15">
-            <a:extLst>
-              <a:ext uri="{FF2B5EF4-FFF2-40B4-BE49-F238E27FC236}">
-                <a16:creationId xmlns:a16="http://schemas.microsoft.com/office/drawing/2014/main" id="{7CB5D5F4-5C0A-AD17-5AA7-E8F9ABF85953}"/>
-              </a:ext>
-            </a:extLst>
-          </p:cNvPr>
-          <p:cNvSpPr/>
-          <p:nvPr/>
-        </p:nvSpPr>
-        <p:spPr>
-          <a:xfrm>
-            <a:off x="1564415" y="1998805"/>
-            <a:ext cx="924785" cy="249543"/>
-          </a:xfrm>
-          <a:prstGeom prst="roundRect">
-            <a:avLst/>
-          </a:prstGeom>
-        </p:spPr>
-        <p:style>
-          <a:lnRef idx="2">
-            <a:schemeClr val="accent1">
-              <a:shade val="15000"/>
-            </a:schemeClr>
-          </a:lnRef>
-          <a:fillRef idx="1">
-            <a:schemeClr val="accent1"/>
-          </a:fillRef>
-          <a:effectRef idx="0">
-            <a:schemeClr val="accent1"/>
-          </a:effectRef>
-          <a:fontRef idx="minor">
-            <a:schemeClr val="lt1"/>
-          </a:fontRef>
-        </p:style>
-        <p:txBody>
-          <a:bodyPr rtlCol="0" anchor="ctr"/>
-          <a:lstStyle/>
-          <a:p>
-            <a:pPr algn="ctr"/>
-            <a:r>
-              <a:rPr lang="ja-JP" altLang="en-US" sz="900" dirty="0"/>
-              <a:t>スクレイパー</a:t>
-            </a:r>
-            <a:endParaRPr lang="en-US" altLang="ja-JP" sz="900" dirty="0"/>
-          </a:p>
-        </p:txBody>
-      </p:sp>
-      <p:sp>
-        <p:nvSpPr>
-          <p:cNvPr id="57" name="四角形: 角を丸くする 56">
-            <a:extLst>
-              <a:ext uri="{FF2B5EF4-FFF2-40B4-BE49-F238E27FC236}">
-                <a16:creationId xmlns:a16="http://schemas.microsoft.com/office/drawing/2014/main" id="{0D2E5903-DD2E-13BE-3D6D-BC3815EAA2EE}"/>
-              </a:ext>
-            </a:extLst>
-          </p:cNvPr>
-          <p:cNvSpPr/>
-          <p:nvPr/>
-        </p:nvSpPr>
-        <p:spPr>
-          <a:xfrm>
-            <a:off x="4640634" y="3404298"/>
-            <a:ext cx="1211242" cy="574834"/>
-          </a:xfrm>
-          <a:prstGeom prst="roundRect">
-            <a:avLst/>
-          </a:prstGeom>
-        </p:spPr>
-        <p:style>
-          <a:lnRef idx="2">
-            <a:schemeClr val="accent1">
-              <a:shade val="15000"/>
-            </a:schemeClr>
-          </a:lnRef>
-          <a:fillRef idx="1">
-            <a:schemeClr val="accent1"/>
-          </a:fillRef>
-          <a:effectRef idx="0">
-            <a:schemeClr val="accent1"/>
-          </a:effectRef>
-          <a:fontRef idx="minor">
-            <a:schemeClr val="lt1"/>
-          </a:fontRef>
-        </p:style>
-        <p:txBody>
-          <a:bodyPr rtlCol="0" anchor="ctr"/>
-          <a:lstStyle/>
-          <a:p>
-            <a:pPr algn="ctr"/>
-            <a:r>
-              <a:rPr lang="en-US" altLang="ja-JP" dirty="0"/>
-              <a:t>UI</a:t>
-            </a:r>
-          </a:p>
-        </p:txBody>
-      </p:sp>
-      <p:cxnSp>
-        <p:nvCxnSpPr>
-          <p:cNvPr id="5" name="直線矢印コネクタ 4">
-            <a:extLst>
-              <a:ext uri="{FF2B5EF4-FFF2-40B4-BE49-F238E27FC236}">
-                <a16:creationId xmlns:a16="http://schemas.microsoft.com/office/drawing/2014/main" id="{2825F283-692F-5385-A1A8-09FD5DF1F5AE}"/>
-              </a:ext>
-            </a:extLst>
-          </p:cNvPr>
-          <p:cNvCxnSpPr>
-            <a:cxnSpLocks/>
-          </p:cNvCxnSpPr>
-          <p:nvPr/>
-        </p:nvCxnSpPr>
-        <p:spPr>
-          <a:xfrm flipH="1">
-            <a:off x="2580774" y="2150916"/>
-            <a:ext cx="467075" cy="0"/>
-          </a:xfrm>
-          <a:prstGeom prst="straightConnector1">
-            <a:avLst/>
-          </a:prstGeom>
-          <a:ln>
-            <a:tailEnd type="triangle"/>
-          </a:ln>
-        </p:spPr>
-        <p:style>
-          <a:lnRef idx="2">
-            <a:schemeClr val="accent1"/>
-          </a:lnRef>
-          <a:fillRef idx="0">
-            <a:schemeClr val="accent1"/>
-          </a:fillRef>
-          <a:effectRef idx="1">
-            <a:schemeClr val="accent1"/>
-          </a:effectRef>
-          <a:fontRef idx="minor">
-            <a:schemeClr val="tx1"/>
-          </a:fontRef>
-        </p:style>
-      </p:cxnSp>
-      <p:sp>
-        <p:nvSpPr>
-          <p:cNvPr id="9" name="テキスト ボックス 8">
-            <a:extLst>
-              <a:ext uri="{FF2B5EF4-FFF2-40B4-BE49-F238E27FC236}">
-                <a16:creationId xmlns:a16="http://schemas.microsoft.com/office/drawing/2014/main" id="{660557D2-50AF-5415-B90F-EE9D800CEBB6}"/>
-              </a:ext>
-            </a:extLst>
-          </p:cNvPr>
-          <p:cNvSpPr txBox="1"/>
-          <p:nvPr/>
-        </p:nvSpPr>
-        <p:spPr>
-          <a:xfrm>
-            <a:off x="364279" y="234493"/>
-            <a:ext cx="1043709" cy="369332"/>
-          </a:xfrm>
-          <a:prstGeom prst="rect">
-            <a:avLst/>
-          </a:prstGeom>
-          <a:noFill/>
-        </p:spPr>
-        <p:txBody>
-          <a:bodyPr wrap="square" rtlCol="0">
-            <a:spAutoFit/>
-          </a:bodyPr>
-          <a:lstStyle/>
-          <a:p>
-            <a:r>
-              <a:rPr kumimoji="1" lang="en-US" altLang="ja-JP" b="1" dirty="0"/>
-              <a:t>Phase2</a:t>
-            </a:r>
-            <a:endParaRPr kumimoji="1" lang="ja-JP" altLang="en-US" b="1" dirty="0"/>
-          </a:p>
-        </p:txBody>
-      </p:sp>
-      <p:cxnSp>
-        <p:nvCxnSpPr>
-          <p:cNvPr id="22" name="コネクタ: カギ線 21">
-            <a:extLst>
-              <a:ext uri="{FF2B5EF4-FFF2-40B4-BE49-F238E27FC236}">
-                <a16:creationId xmlns:a16="http://schemas.microsoft.com/office/drawing/2014/main" id="{66FF23D5-3D42-8C06-F429-96DE8C7D5E70}"/>
-              </a:ext>
-            </a:extLst>
-          </p:cNvPr>
-          <p:cNvCxnSpPr>
-            <a:cxnSpLocks/>
-          </p:cNvCxnSpPr>
-          <p:nvPr/>
-        </p:nvCxnSpPr>
-        <p:spPr>
-          <a:xfrm rot="10800000">
-            <a:off x="2026808" y="2365555"/>
-            <a:ext cx="2432265" cy="1326159"/>
-          </a:xfrm>
-          <a:prstGeom prst="bentConnector3">
-            <a:avLst>
-              <a:gd name="adj1" fmla="val 100126"/>
-            </a:avLst>
-          </a:prstGeom>
-          <a:ln>
-            <a:tailEnd type="triangle"/>
-          </a:ln>
-        </p:spPr>
-        <p:style>
-          <a:lnRef idx="2">
-            <a:schemeClr val="accent1"/>
-          </a:lnRef>
-          <a:fillRef idx="0">
-            <a:schemeClr val="accent1"/>
-          </a:fillRef>
-          <a:effectRef idx="1">
-            <a:schemeClr val="accent1"/>
-          </a:effectRef>
-          <a:fontRef idx="minor">
-            <a:schemeClr val="tx1"/>
-          </a:fontRef>
-        </p:style>
-      </p:cxnSp>
-      <p:sp>
-        <p:nvSpPr>
-          <p:cNvPr id="2" name="四角形: 角を丸くする 1">
-            <a:extLst>
-              <a:ext uri="{FF2B5EF4-FFF2-40B4-BE49-F238E27FC236}">
-                <a16:creationId xmlns:a16="http://schemas.microsoft.com/office/drawing/2014/main" id="{0B4065C8-15F6-8ECC-C28B-49FD0E6A4919}"/>
-              </a:ext>
-            </a:extLst>
-          </p:cNvPr>
-          <p:cNvSpPr/>
-          <p:nvPr/>
-        </p:nvSpPr>
-        <p:spPr>
-          <a:xfrm>
-            <a:off x="3431309" y="4181872"/>
-            <a:ext cx="3994727" cy="851947"/>
-          </a:xfrm>
-          <a:prstGeom prst="roundRect">
-            <a:avLst/>
-          </a:prstGeom>
-        </p:spPr>
-        <p:style>
-          <a:lnRef idx="2">
-            <a:schemeClr val="accent1"/>
-          </a:lnRef>
-          <a:fillRef idx="1">
-            <a:schemeClr val="lt1"/>
-          </a:fillRef>
-          <a:effectRef idx="0">
-            <a:schemeClr val="accent1"/>
-          </a:effectRef>
-          <a:fontRef idx="minor">
-            <a:schemeClr val="dk1"/>
-          </a:fontRef>
-        </p:style>
-        <p:txBody>
-          <a:bodyPr rtlCol="0" anchor="ctr"/>
-          <a:lstStyle/>
-          <a:p>
-            <a:pPr algn="ctr"/>
-            <a:r>
-              <a:rPr kumimoji="1" lang="ja-JP" altLang="en-US" sz="1200" dirty="0"/>
-              <a:t>スレッド</a:t>
-            </a:r>
-            <a:r>
-              <a:rPr lang="ja-JP" altLang="en-US" sz="1200" dirty="0"/>
-              <a:t>の人気の可視化</a:t>
-            </a:r>
-            <a:endParaRPr lang="en-US" altLang="ja-JP" sz="1200" dirty="0"/>
-          </a:p>
-          <a:p>
-            <a:pPr algn="ctr"/>
-            <a:r>
-              <a:rPr lang="ja-JP" altLang="en-US" sz="1200" dirty="0"/>
-              <a:t>人気レスの可視化</a:t>
-            </a:r>
-            <a:br>
-              <a:rPr lang="en-US" altLang="ja-JP" sz="1200" dirty="0"/>
-            </a:br>
-            <a:r>
-              <a:rPr lang="ja-JP" altLang="en-US" sz="1200" dirty="0"/>
-              <a:t>勢いの時系列の可視化</a:t>
-            </a:r>
-            <a:endParaRPr kumimoji="1" lang="en-US" altLang="ja-JP" sz="1200" dirty="0"/>
-          </a:p>
-        </p:txBody>
-      </p:sp>
-      <p:cxnSp>
-        <p:nvCxnSpPr>
-          <p:cNvPr id="3" name="直線矢印コネクタ 2">
-            <a:extLst>
-              <a:ext uri="{FF2B5EF4-FFF2-40B4-BE49-F238E27FC236}">
-                <a16:creationId xmlns:a16="http://schemas.microsoft.com/office/drawing/2014/main" id="{9E39CB05-2EAF-230C-1A8E-870028015DBD}"/>
-              </a:ext>
-            </a:extLst>
-          </p:cNvPr>
-          <p:cNvCxnSpPr>
-            <a:cxnSpLocks/>
-          </p:cNvCxnSpPr>
-          <p:nvPr/>
-        </p:nvCxnSpPr>
-        <p:spPr>
-          <a:xfrm>
-            <a:off x="5985164" y="3691715"/>
-            <a:ext cx="1440872" cy="0"/>
-          </a:xfrm>
-          <a:prstGeom prst="straightConnector1">
-            <a:avLst/>
-          </a:prstGeom>
-          <a:ln>
-            <a:tailEnd type="triangle"/>
-          </a:ln>
-        </p:spPr>
-        <p:style>
-          <a:lnRef idx="2">
-            <a:schemeClr val="accent1"/>
-          </a:lnRef>
-          <a:fillRef idx="0">
-            <a:schemeClr val="accent1"/>
-          </a:fillRef>
-          <a:effectRef idx="1">
-            <a:schemeClr val="accent1"/>
-          </a:effectRef>
-          <a:fontRef idx="minor">
-            <a:schemeClr val="tx1"/>
-          </a:fontRef>
-        </p:style>
-      </p:cxnSp>
-      <p:sp>
-        <p:nvSpPr>
-          <p:cNvPr id="7" name="テキスト ボックス 6">
-            <a:extLst>
-              <a:ext uri="{FF2B5EF4-FFF2-40B4-BE49-F238E27FC236}">
-                <a16:creationId xmlns:a16="http://schemas.microsoft.com/office/drawing/2014/main" id="{7AD3F0BD-DD42-22B2-3312-1B42FD111353}"/>
-              </a:ext>
-            </a:extLst>
-          </p:cNvPr>
-          <p:cNvSpPr txBox="1"/>
-          <p:nvPr/>
-        </p:nvSpPr>
-        <p:spPr>
-          <a:xfrm>
-            <a:off x="6853381" y="3404298"/>
-            <a:ext cx="498763" cy="276999"/>
-          </a:xfrm>
-          <a:prstGeom prst="rect">
-            <a:avLst/>
-          </a:prstGeom>
-          <a:noFill/>
-        </p:spPr>
-        <p:txBody>
-          <a:bodyPr wrap="square" rtlCol="0">
-            <a:spAutoFit/>
-          </a:bodyPr>
-          <a:lstStyle/>
-          <a:p>
-            <a:r>
-              <a:rPr kumimoji="1" lang="en-US" altLang="ja-JP" sz="1200" dirty="0" err="1"/>
-              <a:t>json</a:t>
-            </a:r>
-            <a:endParaRPr kumimoji="1" lang="ja-JP" altLang="en-US" sz="1200" dirty="0"/>
-          </a:p>
-        </p:txBody>
-      </p:sp>
-    </p:spTree>
-    <p:extLst>
-      <p:ext uri="{BB962C8B-B14F-4D97-AF65-F5344CB8AC3E}">
-        <p14:creationId xmlns:p14="http://schemas.microsoft.com/office/powerpoint/2010/main" val="2865440876"/>
-      </p:ext>
-    </p:extLst>
-  </p:cSld>
-  <p:clrMapOvr>
-    <a:masterClrMapping/>
-  </p:clrMapOvr>
-</p:sld>
-</file>
-
-<file path=ppt/slides/slide6.xml><?xml version="1.0" encoding="utf-8"?>
-<p:sld xmlns:a="http://schemas.openxmlformats.org/drawingml/2006/main" xmlns:r="http://schemas.openxmlformats.org/officeDocument/2006/relationships" xmlns:p="http://schemas.openxmlformats.org/presentationml/2006/main">
-  <p:cSld>
-    <p:spTree>
-      <p:nvGrpSpPr>
-        <p:cNvPr id="1" name="">
-          <a:extLst>
-            <a:ext uri="{FF2B5EF4-FFF2-40B4-BE49-F238E27FC236}">
-              <a16:creationId xmlns:a16="http://schemas.microsoft.com/office/drawing/2014/main" id="{084894A4-6960-5FC2-0AD0-51F22DD32585}"/>
-            </a:ext>
-          </a:extLst>
-        </p:cNvPr>
-        <p:cNvGrpSpPr/>
-        <p:nvPr/>
-      </p:nvGrpSpPr>
-      <p:grpSpPr>
-        <a:xfrm>
-          <a:off x="0" y="0"/>
-          <a:ext cx="0" cy="0"/>
-          <a:chOff x="0" y="0"/>
-          <a:chExt cx="0" cy="0"/>
-        </a:xfrm>
-      </p:grpSpPr>
-      <p:sp>
-        <p:nvSpPr>
-          <p:cNvPr id="6" name="フローチャート: 磁気ディスク 5">
-            <a:extLst>
-              <a:ext uri="{FF2B5EF4-FFF2-40B4-BE49-F238E27FC236}">
-                <a16:creationId xmlns:a16="http://schemas.microsoft.com/office/drawing/2014/main" id="{1CFCB434-4580-BAB9-2D3A-A7004795558D}"/>
-              </a:ext>
-            </a:extLst>
-          </p:cNvPr>
-          <p:cNvSpPr/>
-          <p:nvPr/>
-        </p:nvSpPr>
-        <p:spPr>
-          <a:xfrm>
-            <a:off x="7331925" y="2870631"/>
-            <a:ext cx="1293091" cy="657225"/>
-          </a:xfrm>
-          <a:prstGeom prst="flowChartMagneticDisk">
-            <a:avLst/>
-          </a:prstGeom>
-        </p:spPr>
-        <p:style>
-          <a:lnRef idx="2">
-            <a:schemeClr val="accent1">
-              <a:shade val="15000"/>
-            </a:schemeClr>
-          </a:lnRef>
-          <a:fillRef idx="1">
-            <a:schemeClr val="accent1"/>
-          </a:fillRef>
-          <a:effectRef idx="0">
-            <a:schemeClr val="accent1"/>
-          </a:effectRef>
-          <a:fontRef idx="minor">
-            <a:schemeClr val="lt1"/>
-          </a:fontRef>
-        </p:style>
-        <p:txBody>
-          <a:bodyPr rtlCol="0" anchor="ctr"/>
-          <a:lstStyle/>
-          <a:p>
-            <a:pPr algn="ctr"/>
-            <a:r>
-              <a:rPr kumimoji="1" lang="en-US" altLang="ja-JP" dirty="0"/>
-              <a:t>DB</a:t>
-            </a:r>
-            <a:endParaRPr kumimoji="1" lang="ja-JP" altLang="en-US" dirty="0"/>
-          </a:p>
-        </p:txBody>
-      </p:sp>
-      <p:pic>
-        <p:nvPicPr>
-          <p:cNvPr id="10" name="グラフィックス 9" descr="ブラウザー ウィンドウ 枠線">
-            <a:extLst>
-              <a:ext uri="{FF2B5EF4-FFF2-40B4-BE49-F238E27FC236}">
-                <a16:creationId xmlns:a16="http://schemas.microsoft.com/office/drawing/2014/main" id="{17231240-F208-29C7-8E84-820179B1290B}"/>
-              </a:ext>
-            </a:extLst>
-          </p:cNvPr>
-          <p:cNvPicPr>
-            <a:picLocks noChangeAspect="1"/>
-          </p:cNvPicPr>
-          <p:nvPr/>
-        </p:nvPicPr>
-        <p:blipFill>
-          <a:blip r:embed="rId2">
-            <a:extLst>
-              <a:ext uri="{96DAC541-7B7A-43D3-8B79-37D633B846F1}">
-                <asvg:svgBlip xmlns:asvg="http://schemas.microsoft.com/office/drawing/2016/SVG/main" r:embed="rId3"/>
-              </a:ext>
-            </a:extLst>
-          </a:blip>
-          <a:stretch>
-            <a:fillRect/>
-          </a:stretch>
-        </p:blipFill>
-        <p:spPr>
-          <a:xfrm>
-            <a:off x="718126" y="1608714"/>
-            <a:ext cx="1140691" cy="914400"/>
-          </a:xfrm>
-          <a:prstGeom prst="rect">
-            <a:avLst/>
-          </a:prstGeom>
-        </p:spPr>
-      </p:pic>
-      <p:pic>
-        <p:nvPicPr>
-          <p:cNvPr id="12" name="グラフィックス 11" descr="ブラウザー ウィンドウ 枠線">
-            <a:extLst>
-              <a:ext uri="{FF2B5EF4-FFF2-40B4-BE49-F238E27FC236}">
-                <a16:creationId xmlns:a16="http://schemas.microsoft.com/office/drawing/2014/main" id="{AE323670-C30C-B114-89E0-A0FD67699CDF}"/>
-              </a:ext>
-            </a:extLst>
-          </p:cNvPr>
-          <p:cNvPicPr>
-            <a:picLocks noChangeAspect="1"/>
-          </p:cNvPicPr>
-          <p:nvPr/>
-        </p:nvPicPr>
-        <p:blipFill>
-          <a:blip r:embed="rId2">
-            <a:extLst>
-              <a:ext uri="{96DAC541-7B7A-43D3-8B79-37D633B846F1}">
-                <asvg:svgBlip xmlns:asvg="http://schemas.microsoft.com/office/drawing/2016/SVG/main" r:embed="rId3"/>
-              </a:ext>
-            </a:extLst>
-          </a:blip>
-          <a:stretch>
-            <a:fillRect/>
-          </a:stretch>
-        </p:blipFill>
-        <p:spPr>
-          <a:xfrm>
-            <a:off x="718126" y="146627"/>
-            <a:ext cx="1140691" cy="914400"/>
-          </a:xfrm>
-          <a:prstGeom prst="rect">
-            <a:avLst/>
-          </a:prstGeom>
-        </p:spPr>
-      </p:pic>
-      <p:pic>
-        <p:nvPicPr>
-          <p:cNvPr id="13" name="グラフィックス 12" descr="ブラウザー ウィンドウ 枠線">
-            <a:extLst>
-              <a:ext uri="{FF2B5EF4-FFF2-40B4-BE49-F238E27FC236}">
-                <a16:creationId xmlns:a16="http://schemas.microsoft.com/office/drawing/2014/main" id="{5782AA7A-F0ED-6177-903C-C59D7FE3E4CE}"/>
-              </a:ext>
-            </a:extLst>
-          </p:cNvPr>
-          <p:cNvPicPr>
-            <a:picLocks noChangeAspect="1"/>
-          </p:cNvPicPr>
-          <p:nvPr/>
-        </p:nvPicPr>
-        <p:blipFill>
-          <a:blip r:embed="rId2">
-            <a:extLst>
-              <a:ext uri="{96DAC541-7B7A-43D3-8B79-37D633B846F1}">
-                <asvg:svgBlip xmlns:asvg="http://schemas.microsoft.com/office/drawing/2016/SVG/main" r:embed="rId3"/>
-              </a:ext>
-            </a:extLst>
-          </a:blip>
-          <a:stretch>
-            <a:fillRect/>
-          </a:stretch>
-        </p:blipFill>
-        <p:spPr>
-          <a:xfrm>
-            <a:off x="718126" y="846713"/>
-            <a:ext cx="1140691" cy="914400"/>
-          </a:xfrm>
-          <a:prstGeom prst="rect">
-            <a:avLst/>
-          </a:prstGeom>
-        </p:spPr>
-      </p:pic>
-      <p:sp>
-        <p:nvSpPr>
-          <p:cNvPr id="14" name="四角形: 角を丸くする 13">
-            <a:extLst>
-              <a:ext uri="{FF2B5EF4-FFF2-40B4-BE49-F238E27FC236}">
-                <a16:creationId xmlns:a16="http://schemas.microsoft.com/office/drawing/2014/main" id="{0E0E86C4-2F46-3D6D-C0F7-DF285A537F7E}"/>
-              </a:ext>
-            </a:extLst>
-          </p:cNvPr>
-          <p:cNvSpPr/>
-          <p:nvPr/>
-        </p:nvSpPr>
-        <p:spPr>
-          <a:xfrm>
-            <a:off x="7978471" y="1158457"/>
-            <a:ext cx="1608873" cy="657225"/>
-          </a:xfrm>
-          <a:prstGeom prst="roundRect">
-            <a:avLst/>
-          </a:prstGeom>
-        </p:spPr>
-        <p:style>
-          <a:lnRef idx="2">
-            <a:schemeClr val="accent1">
-              <a:shade val="15000"/>
-            </a:schemeClr>
-          </a:lnRef>
-          <a:fillRef idx="1">
-            <a:schemeClr val="accent1"/>
-          </a:fillRef>
-          <a:effectRef idx="0">
-            <a:schemeClr val="accent1"/>
-          </a:effectRef>
-          <a:fontRef idx="minor">
-            <a:schemeClr val="lt1"/>
-          </a:fontRef>
-        </p:style>
-        <p:txBody>
-          <a:bodyPr rtlCol="0" anchor="ctr"/>
-          <a:lstStyle/>
-          <a:p>
-            <a:pPr algn="ctr"/>
-            <a:r>
-              <a:rPr lang="en-US" altLang="ja-JP" dirty="0"/>
-              <a:t>DB Accessor</a:t>
-            </a:r>
-          </a:p>
-        </p:txBody>
-      </p:sp>
-      <p:sp>
-        <p:nvSpPr>
-          <p:cNvPr id="15" name="四角形: 角を丸くする 14">
-            <a:extLst>
-              <a:ext uri="{FF2B5EF4-FFF2-40B4-BE49-F238E27FC236}">
-                <a16:creationId xmlns:a16="http://schemas.microsoft.com/office/drawing/2014/main" id="{EBDFF95C-A2DC-8E45-676E-158C8F3D5A38}"/>
-              </a:ext>
-            </a:extLst>
-          </p:cNvPr>
-          <p:cNvSpPr/>
-          <p:nvPr/>
-        </p:nvSpPr>
-        <p:spPr>
-          <a:xfrm>
-            <a:off x="3390330" y="1132101"/>
-            <a:ext cx="1319649" cy="429276"/>
-          </a:xfrm>
-          <a:prstGeom prst="roundRect">
-            <a:avLst/>
-          </a:prstGeom>
-        </p:spPr>
-        <p:style>
-          <a:lnRef idx="2">
-            <a:schemeClr val="accent1">
-              <a:shade val="15000"/>
-            </a:schemeClr>
-          </a:lnRef>
-          <a:fillRef idx="1">
-            <a:schemeClr val="accent1"/>
-          </a:fillRef>
-          <a:effectRef idx="0">
-            <a:schemeClr val="accent1"/>
-          </a:effectRef>
-          <a:fontRef idx="minor">
-            <a:schemeClr val="lt1"/>
-          </a:fontRef>
-        </p:style>
-        <p:txBody>
-          <a:bodyPr rtlCol="0" anchor="ctr"/>
-          <a:lstStyle/>
-          <a:p>
-            <a:pPr algn="ctr"/>
-            <a:r>
-              <a:rPr lang="ja-JP" altLang="en-US" sz="1100" dirty="0"/>
-              <a:t>スクレイパー</a:t>
-            </a:r>
-            <a:br>
-              <a:rPr lang="en-US" altLang="ja-JP" sz="1100" dirty="0"/>
-            </a:br>
-            <a:r>
-              <a:rPr lang="en-US" altLang="ja-JP" sz="1100" dirty="0"/>
-              <a:t>Interface</a:t>
-            </a:r>
-          </a:p>
-        </p:txBody>
-      </p:sp>
-      <p:sp>
-        <p:nvSpPr>
-          <p:cNvPr id="16" name="四角形: 角を丸くする 15">
-            <a:extLst>
-              <a:ext uri="{FF2B5EF4-FFF2-40B4-BE49-F238E27FC236}">
-                <a16:creationId xmlns:a16="http://schemas.microsoft.com/office/drawing/2014/main" id="{6F3AD7F3-AD07-8642-0C3A-77D522E6F52F}"/>
-              </a:ext>
-            </a:extLst>
-          </p:cNvPr>
-          <p:cNvSpPr/>
-          <p:nvPr/>
-        </p:nvSpPr>
-        <p:spPr>
-          <a:xfrm>
-            <a:off x="2012379" y="479055"/>
-            <a:ext cx="924785" cy="249543"/>
-          </a:xfrm>
-          <a:prstGeom prst="roundRect">
-            <a:avLst/>
-          </a:prstGeom>
-        </p:spPr>
-        <p:style>
-          <a:lnRef idx="2">
-            <a:schemeClr val="accent1">
-              <a:shade val="15000"/>
-            </a:schemeClr>
-          </a:lnRef>
-          <a:fillRef idx="1">
-            <a:schemeClr val="accent1"/>
-          </a:fillRef>
-          <a:effectRef idx="0">
-            <a:schemeClr val="accent1"/>
-          </a:effectRef>
-          <a:fontRef idx="minor">
-            <a:schemeClr val="lt1"/>
-          </a:fontRef>
-        </p:style>
-        <p:txBody>
-          <a:bodyPr rtlCol="0" anchor="ctr"/>
-          <a:lstStyle/>
-          <a:p>
-            <a:pPr algn="ctr"/>
-            <a:r>
-              <a:rPr lang="ja-JP" altLang="en-US" sz="900" dirty="0"/>
-              <a:t>スクレイパー</a:t>
-            </a:r>
-            <a:endParaRPr lang="en-US" altLang="ja-JP" sz="900" dirty="0"/>
-          </a:p>
-        </p:txBody>
-      </p:sp>
-      <p:sp>
-        <p:nvSpPr>
-          <p:cNvPr id="19" name="四角形: 角を丸くする 18">
-            <a:extLst>
-              <a:ext uri="{FF2B5EF4-FFF2-40B4-BE49-F238E27FC236}">
-                <a16:creationId xmlns:a16="http://schemas.microsoft.com/office/drawing/2014/main" id="{5C434032-0C6B-51D0-9D7A-BB998C323257}"/>
-              </a:ext>
-            </a:extLst>
-          </p:cNvPr>
-          <p:cNvSpPr/>
-          <p:nvPr/>
-        </p:nvSpPr>
-        <p:spPr>
-          <a:xfrm>
-            <a:off x="2012379" y="1237527"/>
-            <a:ext cx="924785" cy="249543"/>
-          </a:xfrm>
-          <a:prstGeom prst="roundRect">
-            <a:avLst/>
-          </a:prstGeom>
-        </p:spPr>
-        <p:style>
-          <a:lnRef idx="2">
-            <a:schemeClr val="accent1">
-              <a:shade val="15000"/>
-            </a:schemeClr>
-          </a:lnRef>
-          <a:fillRef idx="1">
-            <a:schemeClr val="accent1"/>
-          </a:fillRef>
-          <a:effectRef idx="0">
-            <a:schemeClr val="accent1"/>
-          </a:effectRef>
-          <a:fontRef idx="minor">
-            <a:schemeClr val="lt1"/>
-          </a:fontRef>
-        </p:style>
-        <p:txBody>
-          <a:bodyPr rtlCol="0" anchor="ctr"/>
-          <a:lstStyle/>
-          <a:p>
-            <a:pPr algn="ctr"/>
-            <a:r>
-              <a:rPr lang="ja-JP" altLang="en-US" sz="900" dirty="0"/>
-              <a:t>スクレイパー</a:t>
-            </a:r>
-            <a:endParaRPr lang="en-US" altLang="ja-JP" sz="900" dirty="0"/>
-          </a:p>
-        </p:txBody>
-      </p:sp>
-      <p:sp>
-        <p:nvSpPr>
-          <p:cNvPr id="20" name="四角形: 角を丸くする 19">
-            <a:extLst>
-              <a:ext uri="{FF2B5EF4-FFF2-40B4-BE49-F238E27FC236}">
-                <a16:creationId xmlns:a16="http://schemas.microsoft.com/office/drawing/2014/main" id="{BB842376-EF41-CABA-C43B-4D4930CBD3D7}"/>
-              </a:ext>
-            </a:extLst>
-          </p:cNvPr>
-          <p:cNvSpPr/>
-          <p:nvPr/>
-        </p:nvSpPr>
-        <p:spPr>
-          <a:xfrm>
-            <a:off x="2012378" y="1941142"/>
-            <a:ext cx="924785" cy="249543"/>
-          </a:xfrm>
-          <a:prstGeom prst="roundRect">
-            <a:avLst/>
-          </a:prstGeom>
-        </p:spPr>
-        <p:style>
-          <a:lnRef idx="2">
-            <a:schemeClr val="accent1">
-              <a:shade val="15000"/>
-            </a:schemeClr>
-          </a:lnRef>
-          <a:fillRef idx="1">
-            <a:schemeClr val="accent1"/>
-          </a:fillRef>
-          <a:effectRef idx="0">
-            <a:schemeClr val="accent1"/>
-          </a:effectRef>
-          <a:fontRef idx="minor">
-            <a:schemeClr val="lt1"/>
-          </a:fontRef>
-        </p:style>
-        <p:txBody>
-          <a:bodyPr rtlCol="0" anchor="ctr"/>
-          <a:lstStyle/>
-          <a:p>
-            <a:pPr algn="ctr"/>
-            <a:r>
-              <a:rPr lang="ja-JP" altLang="en-US" sz="900" dirty="0"/>
-              <a:t>スクレイパー</a:t>
-            </a:r>
-            <a:endParaRPr lang="en-US" altLang="ja-JP" sz="900" dirty="0"/>
-          </a:p>
-        </p:txBody>
-      </p:sp>
-      <p:sp>
-        <p:nvSpPr>
-          <p:cNvPr id="24" name="テキスト ボックス 23">
-            <a:extLst>
-              <a:ext uri="{FF2B5EF4-FFF2-40B4-BE49-F238E27FC236}">
-                <a16:creationId xmlns:a16="http://schemas.microsoft.com/office/drawing/2014/main" id="{079AFA72-226E-D0F7-CFEB-E1D5AF93C656}"/>
-              </a:ext>
-            </a:extLst>
-          </p:cNvPr>
-          <p:cNvSpPr txBox="1">
-            <a:spLocks/>
-          </p:cNvSpPr>
-          <p:nvPr/>
-        </p:nvSpPr>
-        <p:spPr>
-          <a:xfrm>
-            <a:off x="8549375" y="2165306"/>
-            <a:ext cx="493575" cy="246221"/>
-          </a:xfrm>
-          <a:prstGeom prst="rect">
-            <a:avLst/>
-          </a:prstGeom>
-          <a:noFill/>
-        </p:spPr>
-        <p:txBody>
-          <a:bodyPr wrap="square" rtlCol="0">
-            <a:spAutoFit/>
-          </a:bodyPr>
-          <a:lstStyle/>
-          <a:p>
-            <a:r>
-              <a:rPr kumimoji="1" lang="en-US" altLang="ja-JP" sz="1000" dirty="0"/>
-              <a:t>Json</a:t>
-            </a:r>
-          </a:p>
-        </p:txBody>
-      </p:sp>
-      <p:sp>
-        <p:nvSpPr>
-          <p:cNvPr id="25" name="四角形: 角を丸くする 24">
-            <a:extLst>
-              <a:ext uri="{FF2B5EF4-FFF2-40B4-BE49-F238E27FC236}">
-                <a16:creationId xmlns:a16="http://schemas.microsoft.com/office/drawing/2014/main" id="{A75B2501-D072-FCDC-14F1-6CEA6EA9C18B}"/>
-              </a:ext>
-            </a:extLst>
-          </p:cNvPr>
-          <p:cNvSpPr/>
-          <p:nvPr/>
-        </p:nvSpPr>
-        <p:spPr>
-          <a:xfrm>
-            <a:off x="5375252" y="1976047"/>
-            <a:ext cx="720748" cy="429276"/>
-          </a:xfrm>
-          <a:prstGeom prst="roundRect">
-            <a:avLst/>
-          </a:prstGeom>
-        </p:spPr>
-        <p:style>
-          <a:lnRef idx="2">
-            <a:schemeClr val="accent1">
-              <a:shade val="15000"/>
-            </a:schemeClr>
-          </a:lnRef>
-          <a:fillRef idx="1">
-            <a:schemeClr val="accent1"/>
-          </a:fillRef>
-          <a:effectRef idx="0">
-            <a:schemeClr val="accent1"/>
-          </a:effectRef>
-          <a:fontRef idx="minor">
-            <a:schemeClr val="lt1"/>
-          </a:fontRef>
-        </p:style>
-        <p:txBody>
-          <a:bodyPr rtlCol="0" anchor="ctr"/>
-          <a:lstStyle/>
-          <a:p>
-            <a:pPr algn="ctr"/>
-            <a:r>
-              <a:rPr lang="ja-JP" altLang="en-US" sz="1100" dirty="0"/>
-              <a:t>加工</a:t>
-            </a:r>
-            <a:endParaRPr lang="en-US" altLang="ja-JP" sz="1100" dirty="0"/>
-          </a:p>
-        </p:txBody>
-      </p:sp>
-      <p:cxnSp>
-        <p:nvCxnSpPr>
-          <p:cNvPr id="27" name="コネクタ: カギ線 26">
-            <a:extLst>
-              <a:ext uri="{FF2B5EF4-FFF2-40B4-BE49-F238E27FC236}">
-                <a16:creationId xmlns:a16="http://schemas.microsoft.com/office/drawing/2014/main" id="{0BE75A60-18CC-30EA-565F-DB17C669FB8D}"/>
-              </a:ext>
-            </a:extLst>
-          </p:cNvPr>
-          <p:cNvCxnSpPr/>
-          <p:nvPr/>
-        </p:nvCxnSpPr>
-        <p:spPr>
-          <a:xfrm>
-            <a:off x="4257964" y="1634363"/>
-            <a:ext cx="988291" cy="556322"/>
-          </a:xfrm>
-          <a:prstGeom prst="bentConnector3">
-            <a:avLst>
-              <a:gd name="adj1" fmla="val -467"/>
-            </a:avLst>
-          </a:prstGeom>
-          <a:ln>
-            <a:tailEnd type="triangle"/>
-          </a:ln>
-        </p:spPr>
-        <p:style>
-          <a:lnRef idx="2">
-            <a:schemeClr val="accent1"/>
-          </a:lnRef>
-          <a:fillRef idx="0">
-            <a:schemeClr val="accent1"/>
-          </a:fillRef>
-          <a:effectRef idx="1">
-            <a:schemeClr val="accent1"/>
-          </a:effectRef>
-          <a:fontRef idx="minor">
-            <a:schemeClr val="tx1"/>
-          </a:fontRef>
-        </p:style>
-      </p:cxnSp>
-      <p:cxnSp>
-        <p:nvCxnSpPr>
-          <p:cNvPr id="29" name="コネクタ: カギ線 28">
-            <a:extLst>
-              <a:ext uri="{FF2B5EF4-FFF2-40B4-BE49-F238E27FC236}">
-                <a16:creationId xmlns:a16="http://schemas.microsoft.com/office/drawing/2014/main" id="{91DDCD0A-3C5F-9F75-B5A9-0B5B7F573C91}"/>
-              </a:ext>
-            </a:extLst>
-          </p:cNvPr>
-          <p:cNvCxnSpPr>
-            <a:cxnSpLocks/>
-          </p:cNvCxnSpPr>
-          <p:nvPr/>
-        </p:nvCxnSpPr>
-        <p:spPr>
-          <a:xfrm flipV="1">
-            <a:off x="6366718" y="1912524"/>
-            <a:ext cx="2592555" cy="278161"/>
-          </a:xfrm>
-          <a:prstGeom prst="bentConnector3">
-            <a:avLst>
-              <a:gd name="adj1" fmla="val 99877"/>
-            </a:avLst>
-          </a:prstGeom>
-          <a:ln>
-            <a:tailEnd type="triangle"/>
-          </a:ln>
-        </p:spPr>
-        <p:style>
-          <a:lnRef idx="2">
-            <a:schemeClr val="accent1"/>
-          </a:lnRef>
-          <a:fillRef idx="0">
-            <a:schemeClr val="accent1"/>
-          </a:fillRef>
-          <a:effectRef idx="1">
-            <a:schemeClr val="accent1"/>
-          </a:effectRef>
-          <a:fontRef idx="minor">
-            <a:schemeClr val="tx1"/>
-          </a:fontRef>
-        </p:style>
-      </p:cxnSp>
-      <p:cxnSp>
-        <p:nvCxnSpPr>
-          <p:cNvPr id="33" name="コネクタ: カギ線 32">
-            <a:extLst>
-              <a:ext uri="{FF2B5EF4-FFF2-40B4-BE49-F238E27FC236}">
-                <a16:creationId xmlns:a16="http://schemas.microsoft.com/office/drawing/2014/main" id="{839CD22B-EDD9-5922-D855-E772DA789A11}"/>
-              </a:ext>
-            </a:extLst>
-          </p:cNvPr>
-          <p:cNvCxnSpPr>
-            <a:cxnSpLocks/>
-          </p:cNvCxnSpPr>
-          <p:nvPr/>
-        </p:nvCxnSpPr>
-        <p:spPr>
-          <a:xfrm rot="5400000">
-            <a:off x="8508575" y="2272303"/>
-            <a:ext cx="1223197" cy="630686"/>
-          </a:xfrm>
-          <a:prstGeom prst="bentConnector3">
-            <a:avLst>
-              <a:gd name="adj1" fmla="val 100592"/>
-            </a:avLst>
-          </a:prstGeom>
-          <a:ln>
-            <a:tailEnd type="triangle"/>
-          </a:ln>
-        </p:spPr>
-        <p:style>
-          <a:lnRef idx="2">
-            <a:schemeClr val="accent1"/>
-          </a:lnRef>
-          <a:fillRef idx="0">
-            <a:schemeClr val="accent1"/>
-          </a:fillRef>
-          <a:effectRef idx="1">
-            <a:schemeClr val="accent1"/>
-          </a:effectRef>
-          <a:fontRef idx="minor">
-            <a:schemeClr val="tx1"/>
-          </a:fontRef>
-        </p:style>
-      </p:cxnSp>
-      <p:cxnSp>
-        <p:nvCxnSpPr>
-          <p:cNvPr id="38" name="コネクタ: カギ線 37">
-            <a:extLst>
-              <a:ext uri="{FF2B5EF4-FFF2-40B4-BE49-F238E27FC236}">
-                <a16:creationId xmlns:a16="http://schemas.microsoft.com/office/drawing/2014/main" id="{8F156888-78AF-8101-6D52-7B83AE7CC61B}"/>
-              </a:ext>
-            </a:extLst>
-          </p:cNvPr>
-          <p:cNvCxnSpPr>
-            <a:cxnSpLocks/>
-          </p:cNvCxnSpPr>
-          <p:nvPr/>
-        </p:nvCxnSpPr>
-        <p:spPr>
-          <a:xfrm flipV="1">
-            <a:off x="3179618" y="1634363"/>
-            <a:ext cx="635000" cy="431550"/>
-          </a:xfrm>
-          <a:prstGeom prst="bentConnector3">
-            <a:avLst>
-              <a:gd name="adj1" fmla="val 98000"/>
-            </a:avLst>
-          </a:prstGeom>
-          <a:ln>
-            <a:tailEnd type="triangle"/>
-          </a:ln>
-        </p:spPr>
-        <p:style>
-          <a:lnRef idx="2">
-            <a:schemeClr val="accent1"/>
-          </a:lnRef>
-          <a:fillRef idx="0">
-            <a:schemeClr val="accent1"/>
-          </a:fillRef>
-          <a:effectRef idx="1">
-            <a:schemeClr val="accent1"/>
-          </a:effectRef>
-          <a:fontRef idx="minor">
-            <a:schemeClr val="tx1"/>
-          </a:fontRef>
-        </p:style>
-      </p:cxnSp>
-      <p:cxnSp>
-        <p:nvCxnSpPr>
-          <p:cNvPr id="42" name="コネクタ: カギ線 41">
-            <a:extLst>
-              <a:ext uri="{FF2B5EF4-FFF2-40B4-BE49-F238E27FC236}">
-                <a16:creationId xmlns:a16="http://schemas.microsoft.com/office/drawing/2014/main" id="{AA32BEC2-841D-4BB6-7F77-2220D6691524}"/>
-              </a:ext>
-            </a:extLst>
-          </p:cNvPr>
-          <p:cNvCxnSpPr>
-            <a:cxnSpLocks/>
-          </p:cNvCxnSpPr>
-          <p:nvPr/>
-        </p:nvCxnSpPr>
-        <p:spPr>
-          <a:xfrm>
-            <a:off x="3090726" y="603825"/>
-            <a:ext cx="788547" cy="328613"/>
-          </a:xfrm>
-          <a:prstGeom prst="bentConnector3">
-            <a:avLst>
-              <a:gd name="adj1" fmla="val 99195"/>
-            </a:avLst>
-          </a:prstGeom>
-          <a:ln>
-            <a:tailEnd type="triangle"/>
-          </a:ln>
-        </p:spPr>
-        <p:style>
-          <a:lnRef idx="2">
-            <a:schemeClr val="accent1"/>
-          </a:lnRef>
-          <a:fillRef idx="0">
-            <a:schemeClr val="accent1"/>
-          </a:fillRef>
-          <a:effectRef idx="1">
-            <a:schemeClr val="accent1"/>
-          </a:effectRef>
-          <a:fontRef idx="minor">
-            <a:schemeClr val="tx1"/>
-          </a:fontRef>
-        </p:style>
-      </p:cxnSp>
-      <p:cxnSp>
-        <p:nvCxnSpPr>
-          <p:cNvPr id="46" name="コネクタ: カギ線 45">
-            <a:extLst>
-              <a:ext uri="{FF2B5EF4-FFF2-40B4-BE49-F238E27FC236}">
-                <a16:creationId xmlns:a16="http://schemas.microsoft.com/office/drawing/2014/main" id="{A108D88B-B88A-5248-BDD1-2D1A173A13E2}"/>
-              </a:ext>
-            </a:extLst>
-          </p:cNvPr>
-          <p:cNvCxnSpPr>
-            <a:cxnSpLocks/>
-          </p:cNvCxnSpPr>
-          <p:nvPr/>
-        </p:nvCxnSpPr>
-        <p:spPr>
-          <a:xfrm>
-            <a:off x="3026071" y="1362298"/>
-            <a:ext cx="271311" cy="12700"/>
-          </a:xfrm>
-          <a:prstGeom prst="bentConnector3">
-            <a:avLst>
-              <a:gd name="adj1" fmla="val 50001"/>
-            </a:avLst>
-          </a:prstGeom>
-          <a:ln>
-            <a:tailEnd type="triangle"/>
-          </a:ln>
-        </p:spPr>
-        <p:style>
-          <a:lnRef idx="2">
-            <a:schemeClr val="accent1"/>
-          </a:lnRef>
-          <a:fillRef idx="0">
-            <a:schemeClr val="accent1"/>
-          </a:fillRef>
-          <a:effectRef idx="1">
-            <a:schemeClr val="accent1"/>
-          </a:effectRef>
-          <a:fontRef idx="minor">
-            <a:schemeClr val="tx1"/>
-          </a:fontRef>
-        </p:style>
-      </p:cxnSp>
-      <p:sp>
-        <p:nvSpPr>
-          <p:cNvPr id="49" name="テキスト ボックス 48">
-            <a:extLst>
-              <a:ext uri="{FF2B5EF4-FFF2-40B4-BE49-F238E27FC236}">
-                <a16:creationId xmlns:a16="http://schemas.microsoft.com/office/drawing/2014/main" id="{11EFDF48-8B5A-D00F-D61A-201E54D4582B}"/>
-              </a:ext>
-            </a:extLst>
-          </p:cNvPr>
-          <p:cNvSpPr txBox="1">
-            <a:spLocks/>
-          </p:cNvSpPr>
-          <p:nvPr/>
-        </p:nvSpPr>
-        <p:spPr>
-          <a:xfrm>
-            <a:off x="4716285" y="2190685"/>
-            <a:ext cx="493575" cy="246221"/>
-          </a:xfrm>
-          <a:prstGeom prst="rect">
-            <a:avLst/>
-          </a:prstGeom>
-          <a:noFill/>
-        </p:spPr>
-        <p:txBody>
-          <a:bodyPr wrap="square" rtlCol="0">
-            <a:spAutoFit/>
-          </a:bodyPr>
-          <a:lstStyle/>
-          <a:p>
-            <a:r>
-              <a:rPr kumimoji="1" lang="en-US" altLang="ja-JP" sz="1000" dirty="0"/>
-              <a:t>Json</a:t>
-            </a:r>
-          </a:p>
-        </p:txBody>
-      </p:sp>
-      <p:sp>
-        <p:nvSpPr>
-          <p:cNvPr id="57" name="四角形: 角を丸くする 56">
-            <a:extLst>
-              <a:ext uri="{FF2B5EF4-FFF2-40B4-BE49-F238E27FC236}">
-                <a16:creationId xmlns:a16="http://schemas.microsoft.com/office/drawing/2014/main" id="{10671628-20D0-9A2C-C88F-666EBAB204B6}"/>
-              </a:ext>
-            </a:extLst>
-          </p:cNvPr>
-          <p:cNvSpPr/>
-          <p:nvPr/>
-        </p:nvSpPr>
-        <p:spPr>
-          <a:xfrm>
-            <a:off x="4524384" y="4452678"/>
-            <a:ext cx="1211242" cy="574834"/>
-          </a:xfrm>
-          <a:prstGeom prst="roundRect">
-            <a:avLst/>
-          </a:prstGeom>
-        </p:spPr>
-        <p:style>
-          <a:lnRef idx="2">
-            <a:schemeClr val="accent1">
-              <a:shade val="15000"/>
-            </a:schemeClr>
-          </a:lnRef>
-          <a:fillRef idx="1">
-            <a:schemeClr val="accent1"/>
-          </a:fillRef>
-          <a:effectRef idx="0">
-            <a:schemeClr val="accent1"/>
-          </a:effectRef>
-          <a:fontRef idx="minor">
-            <a:schemeClr val="lt1"/>
-          </a:fontRef>
-        </p:style>
-        <p:txBody>
-          <a:bodyPr rtlCol="0" anchor="ctr"/>
-          <a:lstStyle/>
-          <a:p>
-            <a:pPr algn="ctr"/>
-            <a:r>
-              <a:rPr lang="en-US" altLang="ja-JP" dirty="0"/>
-              <a:t>UI</a:t>
-            </a:r>
-          </a:p>
-        </p:txBody>
-      </p:sp>
-      <p:sp>
-        <p:nvSpPr>
-          <p:cNvPr id="58" name="四角形: 角を丸くする 57">
-            <a:extLst>
-              <a:ext uri="{FF2B5EF4-FFF2-40B4-BE49-F238E27FC236}">
-                <a16:creationId xmlns:a16="http://schemas.microsoft.com/office/drawing/2014/main" id="{A5BFA8B7-4114-0E55-9CF4-6A70757FAB69}"/>
-              </a:ext>
-            </a:extLst>
-          </p:cNvPr>
-          <p:cNvSpPr/>
-          <p:nvPr/>
-        </p:nvSpPr>
-        <p:spPr>
-          <a:xfrm>
-            <a:off x="2489200" y="5207108"/>
-            <a:ext cx="5514110" cy="1383145"/>
-          </a:xfrm>
-          <a:prstGeom prst="roundRect">
-            <a:avLst/>
-          </a:prstGeom>
-        </p:spPr>
-        <p:style>
-          <a:lnRef idx="2">
-            <a:schemeClr val="accent1"/>
-          </a:lnRef>
-          <a:fillRef idx="1">
-            <a:schemeClr val="lt1"/>
-          </a:fillRef>
-          <a:effectRef idx="0">
-            <a:schemeClr val="accent1"/>
-          </a:effectRef>
-          <a:fontRef idx="minor">
-            <a:schemeClr val="dk1"/>
-          </a:fontRef>
-        </p:style>
-        <p:txBody>
-          <a:bodyPr rtlCol="0" anchor="ctr"/>
-          <a:lstStyle/>
-          <a:p>
-            <a:pPr algn="ctr"/>
-            <a:r>
-              <a:rPr kumimoji="1" lang="ja-JP" altLang="en-US" sz="1200" dirty="0"/>
-              <a:t>スレッド</a:t>
-            </a:r>
-            <a:r>
-              <a:rPr lang="ja-JP" altLang="en-US" sz="1200" dirty="0"/>
-              <a:t>の人気の可視化</a:t>
-            </a:r>
-            <a:endParaRPr lang="en-US" altLang="ja-JP" sz="1200" dirty="0"/>
-          </a:p>
-          <a:p>
-            <a:pPr algn="ctr"/>
-            <a:r>
-              <a:rPr lang="ja-JP" altLang="en-US" sz="1200" dirty="0"/>
-              <a:t>人気レスの可視化</a:t>
-            </a:r>
-            <a:br>
-              <a:rPr lang="en-US" altLang="ja-JP" sz="1200" dirty="0"/>
-            </a:br>
-            <a:r>
-              <a:rPr lang="ja-JP" altLang="en-US" sz="1200" dirty="0"/>
-              <a:t>勢いの時系列の可視化</a:t>
-            </a:r>
-            <a:endParaRPr kumimoji="1" lang="en-US" altLang="ja-JP" sz="1200" dirty="0"/>
-          </a:p>
-        </p:txBody>
-      </p:sp>
-      <p:cxnSp>
-        <p:nvCxnSpPr>
-          <p:cNvPr id="59" name="コネクタ: カギ線 58">
-            <a:extLst>
-              <a:ext uri="{FF2B5EF4-FFF2-40B4-BE49-F238E27FC236}">
-                <a16:creationId xmlns:a16="http://schemas.microsoft.com/office/drawing/2014/main" id="{F4174272-ACEB-1700-B16B-D564D9773FBF}"/>
-              </a:ext>
-            </a:extLst>
-          </p:cNvPr>
-          <p:cNvCxnSpPr>
-            <a:cxnSpLocks/>
-          </p:cNvCxnSpPr>
-          <p:nvPr/>
-        </p:nvCxnSpPr>
-        <p:spPr>
-          <a:xfrm rot="10800000" flipV="1">
-            <a:off x="5066769" y="3194618"/>
-            <a:ext cx="2085343" cy="1078464"/>
-          </a:xfrm>
-          <a:prstGeom prst="bentConnector3">
-            <a:avLst>
-              <a:gd name="adj1" fmla="val 99607"/>
-            </a:avLst>
-          </a:prstGeom>
-          <a:ln>
-            <a:tailEnd type="triangle"/>
-          </a:ln>
-        </p:spPr>
-        <p:style>
-          <a:lnRef idx="2">
-            <a:schemeClr val="accent1"/>
-          </a:lnRef>
-          <a:fillRef idx="0">
-            <a:schemeClr val="accent1"/>
-          </a:fillRef>
-          <a:effectRef idx="1">
-            <a:schemeClr val="accent1"/>
-          </a:effectRef>
-          <a:fontRef idx="minor">
-            <a:schemeClr val="tx1"/>
-          </a:fontRef>
-        </p:style>
-      </p:cxnSp>
-      <p:sp>
-        <p:nvSpPr>
-          <p:cNvPr id="64" name="テキスト ボックス 63">
-            <a:extLst>
-              <a:ext uri="{FF2B5EF4-FFF2-40B4-BE49-F238E27FC236}">
-                <a16:creationId xmlns:a16="http://schemas.microsoft.com/office/drawing/2014/main" id="{34E46A8B-C2B2-4CDF-1909-67F11995C932}"/>
-              </a:ext>
-            </a:extLst>
-          </p:cNvPr>
-          <p:cNvSpPr txBox="1">
-            <a:spLocks/>
-          </p:cNvSpPr>
-          <p:nvPr/>
-        </p:nvSpPr>
-        <p:spPr>
-          <a:xfrm>
-            <a:off x="8941942" y="3223772"/>
-            <a:ext cx="710058" cy="246221"/>
-          </a:xfrm>
-          <a:prstGeom prst="rect">
-            <a:avLst/>
-          </a:prstGeom>
-          <a:noFill/>
-        </p:spPr>
-        <p:txBody>
-          <a:bodyPr wrap="square" rtlCol="0">
-            <a:spAutoFit/>
-          </a:bodyPr>
-          <a:lstStyle/>
-          <a:p>
-            <a:r>
-              <a:rPr kumimoji="1" lang="ja-JP" altLang="en-US" sz="1000" dirty="0"/>
-              <a:t>書き込み</a:t>
-            </a:r>
-            <a:endParaRPr kumimoji="1" lang="en-US" altLang="ja-JP" sz="1000" dirty="0"/>
-          </a:p>
-        </p:txBody>
-      </p:sp>
-      <p:sp>
-        <p:nvSpPr>
-          <p:cNvPr id="65" name="四角形: 角を丸くする 64">
-            <a:extLst>
-              <a:ext uri="{FF2B5EF4-FFF2-40B4-BE49-F238E27FC236}">
-                <a16:creationId xmlns:a16="http://schemas.microsoft.com/office/drawing/2014/main" id="{91621B67-223F-F8FA-E325-1449FC020393}"/>
-              </a:ext>
-            </a:extLst>
-          </p:cNvPr>
-          <p:cNvSpPr/>
-          <p:nvPr/>
-        </p:nvSpPr>
-        <p:spPr>
-          <a:xfrm>
-            <a:off x="5519438" y="399985"/>
-            <a:ext cx="1694560" cy="328613"/>
-          </a:xfrm>
-          <a:prstGeom prst="roundRect">
-            <a:avLst/>
-          </a:prstGeom>
-        </p:spPr>
-        <p:style>
-          <a:lnRef idx="2">
-            <a:schemeClr val="accent1">
-              <a:shade val="15000"/>
-            </a:schemeClr>
-          </a:lnRef>
-          <a:fillRef idx="1">
-            <a:schemeClr val="accent1"/>
-          </a:fillRef>
-          <a:effectRef idx="0">
-            <a:schemeClr val="accent1"/>
-          </a:effectRef>
-          <a:fontRef idx="minor">
-            <a:schemeClr val="lt1"/>
-          </a:fontRef>
-        </p:style>
-        <p:txBody>
-          <a:bodyPr rtlCol="0" anchor="ctr"/>
-          <a:lstStyle/>
-          <a:p>
-            <a:pPr algn="ctr"/>
-            <a:r>
-              <a:rPr lang="ja-JP" altLang="en-US" sz="1200" dirty="0"/>
-              <a:t>スクレイピング実行</a:t>
-            </a:r>
-            <a:endParaRPr lang="en-US" altLang="ja-JP" sz="1200" dirty="0"/>
-          </a:p>
-        </p:txBody>
-      </p:sp>
-      <p:cxnSp>
-        <p:nvCxnSpPr>
-          <p:cNvPr id="66" name="コネクタ: カギ線 65">
-            <a:extLst>
-              <a:ext uri="{FF2B5EF4-FFF2-40B4-BE49-F238E27FC236}">
-                <a16:creationId xmlns:a16="http://schemas.microsoft.com/office/drawing/2014/main" id="{FB328687-7F46-BB3B-FA96-4F29AAF8D2E9}"/>
-              </a:ext>
-            </a:extLst>
-          </p:cNvPr>
-          <p:cNvCxnSpPr>
-            <a:cxnSpLocks/>
-          </p:cNvCxnSpPr>
-          <p:nvPr/>
-        </p:nvCxnSpPr>
-        <p:spPr>
-          <a:xfrm rot="10800000" flipV="1">
-            <a:off x="4752109" y="780670"/>
-            <a:ext cx="1709438" cy="581628"/>
-          </a:xfrm>
-          <a:prstGeom prst="bentConnector3">
-            <a:avLst>
-              <a:gd name="adj1" fmla="val -249"/>
-            </a:avLst>
-          </a:prstGeom>
-          <a:ln>
-            <a:tailEnd type="triangle"/>
-          </a:ln>
-        </p:spPr>
-        <p:style>
-          <a:lnRef idx="2">
-            <a:schemeClr val="accent1"/>
-          </a:lnRef>
-          <a:fillRef idx="0">
-            <a:schemeClr val="accent1"/>
-          </a:fillRef>
-          <a:effectRef idx="1">
-            <a:schemeClr val="accent1"/>
-          </a:effectRef>
-          <a:fontRef idx="minor">
-            <a:schemeClr val="tx1"/>
-          </a:fontRef>
-        </p:style>
-      </p:cxnSp>
-      <p:cxnSp>
-        <p:nvCxnSpPr>
-          <p:cNvPr id="3" name="直線矢印コネクタ 2">
-            <a:extLst>
-              <a:ext uri="{FF2B5EF4-FFF2-40B4-BE49-F238E27FC236}">
-                <a16:creationId xmlns:a16="http://schemas.microsoft.com/office/drawing/2014/main" id="{36ECD885-1593-9DF5-E7C6-2E35718BEE0F}"/>
-              </a:ext>
-            </a:extLst>
-          </p:cNvPr>
-          <p:cNvCxnSpPr/>
-          <p:nvPr/>
-        </p:nvCxnSpPr>
-        <p:spPr>
-          <a:xfrm flipH="1">
-            <a:off x="2789382" y="4765964"/>
-            <a:ext cx="1468582" cy="0"/>
-          </a:xfrm>
-          <a:prstGeom prst="straightConnector1">
-            <a:avLst/>
-          </a:prstGeom>
-          <a:ln>
-            <a:tailEnd type="triangle"/>
-          </a:ln>
-        </p:spPr>
-        <p:style>
-          <a:lnRef idx="2">
-            <a:schemeClr val="accent1"/>
-          </a:lnRef>
-          <a:fillRef idx="0">
-            <a:schemeClr val="accent1"/>
-          </a:fillRef>
-          <a:effectRef idx="1">
-            <a:schemeClr val="accent1"/>
-          </a:effectRef>
-          <a:fontRef idx="minor">
-            <a:schemeClr val="tx1"/>
-          </a:fontRef>
-        </p:style>
-      </p:cxnSp>
-      <p:sp>
-        <p:nvSpPr>
-          <p:cNvPr id="4" name="テキスト ボックス 3">
-            <a:extLst>
-              <a:ext uri="{FF2B5EF4-FFF2-40B4-BE49-F238E27FC236}">
-                <a16:creationId xmlns:a16="http://schemas.microsoft.com/office/drawing/2014/main" id="{A0129B41-C667-2111-847D-C3BCA4B4F5E0}"/>
-              </a:ext>
-            </a:extLst>
-          </p:cNvPr>
-          <p:cNvSpPr txBox="1">
-            <a:spLocks/>
-          </p:cNvSpPr>
-          <p:nvPr/>
-        </p:nvSpPr>
-        <p:spPr>
-          <a:xfrm>
-            <a:off x="4258534" y="4136656"/>
-            <a:ext cx="493575" cy="246221"/>
-          </a:xfrm>
-          <a:prstGeom prst="rect">
-            <a:avLst/>
-          </a:prstGeom>
-          <a:noFill/>
-        </p:spPr>
-        <p:txBody>
-          <a:bodyPr wrap="square" rtlCol="0">
-            <a:spAutoFit/>
-          </a:bodyPr>
-          <a:lstStyle/>
-          <a:p>
-            <a:r>
-              <a:rPr kumimoji="1" lang="en-US" altLang="ja-JP" sz="1000" dirty="0"/>
-              <a:t>Json</a:t>
-            </a:r>
-          </a:p>
-        </p:txBody>
-      </p:sp>
-    </p:spTree>
-    <p:extLst>
-      <p:ext uri="{BB962C8B-B14F-4D97-AF65-F5344CB8AC3E}">
-        <p14:creationId xmlns:p14="http://schemas.microsoft.com/office/powerpoint/2010/main" val="2039462992"/>
-      </p:ext>
-    </p:extLst>
-  </p:cSld>
-  <p:clrMapOvr>
-    <a:masterClrMapping/>
-  </p:clrMapOvr>
-</p:sld>
-</file>
-
-<file path=ppt/slides/slide7.xml><?xml version="1.0" encoding="utf-8"?>
+<file path=ppt/slides/slide10.xml><?xml version="1.0" encoding="utf-8"?>
 <p:sld xmlns:a="http://schemas.openxmlformats.org/drawingml/2006/main" xmlns:r="http://schemas.openxmlformats.org/officeDocument/2006/relationships" xmlns:p="http://schemas.openxmlformats.org/presentationml/2006/main">
   <p:cSld>
     <p:spTree>
@@ -8525,6 +4729,5317 @@
     <p:extLst>
       <p:ext uri="{BB962C8B-B14F-4D97-AF65-F5344CB8AC3E}">
         <p14:creationId xmlns:p14="http://schemas.microsoft.com/office/powerpoint/2010/main" val="2176523076"/>
+      </p:ext>
+    </p:extLst>
+  </p:cSld>
+  <p:clrMapOvr>
+    <a:masterClrMapping/>
+  </p:clrMapOvr>
+</p:sld>
+</file>
+
+<file path=ppt/slides/slide2.xml><?xml version="1.0" encoding="utf-8"?>
+<p:sld xmlns:a="http://schemas.openxmlformats.org/drawingml/2006/main" xmlns:r="http://schemas.openxmlformats.org/officeDocument/2006/relationships" xmlns:p="http://schemas.openxmlformats.org/presentationml/2006/main">
+  <p:cSld>
+    <p:spTree>
+      <p:nvGrpSpPr>
+        <p:cNvPr id="1" name=""/>
+        <p:cNvGrpSpPr/>
+        <p:nvPr/>
+      </p:nvGrpSpPr>
+      <p:grpSpPr>
+        <a:xfrm>
+          <a:off x="0" y="0"/>
+          <a:ext cx="0" cy="0"/>
+          <a:chOff x="0" y="0"/>
+          <a:chExt cx="0" cy="0"/>
+        </a:xfrm>
+      </p:grpSpPr>
+      <p:sp>
+        <p:nvSpPr>
+          <p:cNvPr id="4" name="テキスト ボックス 3">
+            <a:extLst>
+              <a:ext uri="{FF2B5EF4-FFF2-40B4-BE49-F238E27FC236}">
+                <a16:creationId xmlns:a16="http://schemas.microsoft.com/office/drawing/2014/main" id="{1D0A902A-9AC3-E42F-5E0F-193A249628A1}"/>
+              </a:ext>
+            </a:extLst>
+          </p:cNvPr>
+          <p:cNvSpPr txBox="1"/>
+          <p:nvPr/>
+        </p:nvSpPr>
+        <p:spPr>
+          <a:xfrm>
+            <a:off x="886690" y="3990109"/>
+            <a:ext cx="5375564" cy="646331"/>
+          </a:xfrm>
+          <a:prstGeom prst="rect">
+            <a:avLst/>
+          </a:prstGeom>
+          <a:noFill/>
+        </p:spPr>
+        <p:txBody>
+          <a:bodyPr wrap="square" rtlCol="0">
+            <a:spAutoFit/>
+          </a:bodyPr>
+          <a:lstStyle/>
+          <a:p>
+            <a:r>
+              <a:rPr lang="ja-JP" altLang="en-US" sz="1200" dirty="0"/>
+              <a:t>・</a:t>
+            </a:r>
+            <a:r>
+              <a:rPr lang="en-US" altLang="ja-JP" sz="1200" dirty="0"/>
+              <a:t>URL</a:t>
+            </a:r>
+            <a:r>
+              <a:rPr lang="ja-JP" altLang="en-US" sz="1200" dirty="0"/>
+              <a:t>を取得するロジック</a:t>
+            </a:r>
+            <a:br>
+              <a:rPr lang="en-US" altLang="ja-JP" sz="1200" dirty="0"/>
+            </a:br>
+            <a:r>
+              <a:rPr lang="en-US" altLang="ja-JP" sz="1200" dirty="0"/>
+              <a:t>-&gt;</a:t>
+            </a:r>
+            <a:r>
+              <a:rPr lang="ja-JP" altLang="en-US" sz="1200" dirty="0"/>
+              <a:t>現在は</a:t>
+            </a:r>
+            <a:r>
+              <a:rPr lang="en-US" altLang="ja-JP" sz="1200" dirty="0" err="1"/>
+              <a:t>ScraperConfig</a:t>
+            </a:r>
+            <a:r>
+              <a:rPr lang="ja-JP" altLang="en-US" sz="1200" dirty="0"/>
+              <a:t>のフィールドにハードコーディング</a:t>
+            </a:r>
+            <a:endParaRPr lang="en-US" altLang="ja-JP" sz="1200" dirty="0"/>
+          </a:p>
+          <a:p>
+            <a:r>
+              <a:rPr kumimoji="1" lang="ja-JP" altLang="en-US" sz="1200" dirty="0"/>
+              <a:t>・それ以外の</a:t>
+            </a:r>
+            <a:r>
+              <a:rPr kumimoji="1" lang="en-US" altLang="ja-JP" sz="1200" dirty="0"/>
+              <a:t>Node</a:t>
+            </a:r>
+            <a:r>
+              <a:rPr kumimoji="1" lang="ja-JP" altLang="en-US" sz="1200" dirty="0"/>
+              <a:t>の位置データもハードコーディングになっている</a:t>
+            </a:r>
+          </a:p>
+        </p:txBody>
+      </p:sp>
+      <p:sp>
+        <p:nvSpPr>
+          <p:cNvPr id="5" name="テキスト ボックス 4">
+            <a:extLst>
+              <a:ext uri="{FF2B5EF4-FFF2-40B4-BE49-F238E27FC236}">
+                <a16:creationId xmlns:a16="http://schemas.microsoft.com/office/drawing/2014/main" id="{53AD3E61-F4EA-3FEF-C670-E6CD3EDA467B}"/>
+              </a:ext>
+            </a:extLst>
+          </p:cNvPr>
+          <p:cNvSpPr txBox="1"/>
+          <p:nvPr/>
+        </p:nvSpPr>
+        <p:spPr>
+          <a:xfrm>
+            <a:off x="997527" y="3519055"/>
+            <a:ext cx="942109" cy="369332"/>
+          </a:xfrm>
+          <a:prstGeom prst="rect">
+            <a:avLst/>
+          </a:prstGeom>
+          <a:noFill/>
+        </p:spPr>
+        <p:txBody>
+          <a:bodyPr wrap="square" rtlCol="0">
+            <a:spAutoFit/>
+          </a:bodyPr>
+          <a:lstStyle/>
+          <a:p>
+            <a:r>
+              <a:rPr lang="en-US" altLang="ja-JP" dirty="0"/>
+              <a:t>ISSUE</a:t>
+            </a:r>
+          </a:p>
+        </p:txBody>
+      </p:sp>
+      <p:sp>
+        <p:nvSpPr>
+          <p:cNvPr id="8" name="テキスト ボックス 7">
+            <a:extLst>
+              <a:ext uri="{FF2B5EF4-FFF2-40B4-BE49-F238E27FC236}">
+                <a16:creationId xmlns:a16="http://schemas.microsoft.com/office/drawing/2014/main" id="{55422213-D37E-8087-30CC-F84D1D621A94}"/>
+              </a:ext>
+            </a:extLst>
+          </p:cNvPr>
+          <p:cNvSpPr txBox="1"/>
+          <p:nvPr/>
+        </p:nvSpPr>
+        <p:spPr>
+          <a:xfrm>
+            <a:off x="1214581" y="489466"/>
+            <a:ext cx="1450109" cy="369332"/>
+          </a:xfrm>
+          <a:prstGeom prst="rect">
+            <a:avLst/>
+          </a:prstGeom>
+          <a:noFill/>
+        </p:spPr>
+        <p:txBody>
+          <a:bodyPr wrap="square" rtlCol="0">
+            <a:spAutoFit/>
+          </a:bodyPr>
+          <a:lstStyle/>
+          <a:p>
+            <a:r>
+              <a:rPr kumimoji="1" lang="ja-JP" altLang="en-US" dirty="0"/>
+              <a:t>タスク</a:t>
+            </a:r>
+          </a:p>
+        </p:txBody>
+      </p:sp>
+      <p:sp>
+        <p:nvSpPr>
+          <p:cNvPr id="9" name="テキスト ボックス 8">
+            <a:extLst>
+              <a:ext uri="{FF2B5EF4-FFF2-40B4-BE49-F238E27FC236}">
+                <a16:creationId xmlns:a16="http://schemas.microsoft.com/office/drawing/2014/main" id="{5CFC6FAC-F87F-15C4-4365-D5E7A9C833CA}"/>
+              </a:ext>
+            </a:extLst>
+          </p:cNvPr>
+          <p:cNvSpPr txBox="1"/>
+          <p:nvPr/>
+        </p:nvSpPr>
+        <p:spPr>
+          <a:xfrm>
+            <a:off x="295564" y="858798"/>
+            <a:ext cx="5153891" cy="738664"/>
+          </a:xfrm>
+          <a:prstGeom prst="rect">
+            <a:avLst/>
+          </a:prstGeom>
+          <a:noFill/>
+        </p:spPr>
+        <p:txBody>
+          <a:bodyPr wrap="square" rtlCol="0">
+            <a:spAutoFit/>
+          </a:bodyPr>
+          <a:lstStyle/>
+          <a:p>
+            <a:r>
+              <a:rPr kumimoji="1" lang="ja-JP" altLang="en-US" dirty="0"/>
+              <a:t>・</a:t>
+            </a:r>
+            <a:r>
+              <a:rPr kumimoji="1" lang="en-US" altLang="ja-JP" sz="1400" dirty="0" err="1"/>
+              <a:t>ZawazawaScraperOwners</a:t>
+            </a:r>
+            <a:endParaRPr lang="en-US" altLang="ja-JP" sz="1400" dirty="0"/>
+          </a:p>
+          <a:p>
+            <a:r>
+              <a:rPr lang="en-US" altLang="ja-JP" sz="1200" dirty="0" err="1"/>
+              <a:t>scrasperConfig</a:t>
+            </a:r>
+            <a:r>
+              <a:rPr lang="ja-JP" altLang="en-US" sz="1200" dirty="0"/>
+              <a:t>と調整、</a:t>
+            </a:r>
+            <a:r>
+              <a:rPr lang="en-US" altLang="ja-JP" sz="1200" dirty="0" err="1"/>
+              <a:t>zawazawa</a:t>
+            </a:r>
+            <a:r>
+              <a:rPr lang="ja-JP" altLang="en-US" sz="1200" dirty="0"/>
+              <a:t>で動くように動作確認し、不具合の捻出</a:t>
+            </a:r>
+            <a:endParaRPr kumimoji="1" lang="ja-JP" altLang="en-US" sz="1200" dirty="0"/>
+          </a:p>
+        </p:txBody>
+      </p:sp>
+    </p:spTree>
+    <p:extLst>
+      <p:ext uri="{BB962C8B-B14F-4D97-AF65-F5344CB8AC3E}">
+        <p14:creationId xmlns:p14="http://schemas.microsoft.com/office/powerpoint/2010/main" val="2806542907"/>
+      </p:ext>
+    </p:extLst>
+  </p:cSld>
+  <p:clrMapOvr>
+    <a:masterClrMapping/>
+  </p:clrMapOvr>
+</p:sld>
+</file>
+
+<file path=ppt/slides/slide3.xml><?xml version="1.0" encoding="utf-8"?>
+<p:sld xmlns:a="http://schemas.openxmlformats.org/drawingml/2006/main" xmlns:r="http://schemas.openxmlformats.org/officeDocument/2006/relationships" xmlns:p="http://schemas.openxmlformats.org/presentationml/2006/main">
+  <p:cSld>
+    <p:spTree>
+      <p:nvGrpSpPr>
+        <p:cNvPr id="1" name=""/>
+        <p:cNvGrpSpPr/>
+        <p:nvPr/>
+      </p:nvGrpSpPr>
+      <p:grpSpPr>
+        <a:xfrm>
+          <a:off x="0" y="0"/>
+          <a:ext cx="0" cy="0"/>
+          <a:chOff x="0" y="0"/>
+          <a:chExt cx="0" cy="0"/>
+        </a:xfrm>
+      </p:grpSpPr>
+      <p:sp>
+        <p:nvSpPr>
+          <p:cNvPr id="4" name="四角形: 角を丸くする 3">
+            <a:extLst>
+              <a:ext uri="{FF2B5EF4-FFF2-40B4-BE49-F238E27FC236}">
+                <a16:creationId xmlns:a16="http://schemas.microsoft.com/office/drawing/2014/main" id="{DC8596F3-D553-314B-53BE-2DFD0DFFA420}"/>
+              </a:ext>
+            </a:extLst>
+          </p:cNvPr>
+          <p:cNvSpPr/>
+          <p:nvPr/>
+        </p:nvSpPr>
+        <p:spPr>
+          <a:xfrm>
+            <a:off x="1459345" y="407482"/>
+            <a:ext cx="1319649" cy="429276"/>
+          </a:xfrm>
+          <a:prstGeom prst="roundRect">
+            <a:avLst/>
+          </a:prstGeom>
+          <a:solidFill>
+            <a:schemeClr val="accent6"/>
+          </a:solidFill>
+        </p:spPr>
+        <p:style>
+          <a:lnRef idx="2">
+            <a:schemeClr val="accent1">
+              <a:shade val="15000"/>
+            </a:schemeClr>
+          </a:lnRef>
+          <a:fillRef idx="1">
+            <a:schemeClr val="accent1"/>
+          </a:fillRef>
+          <a:effectRef idx="0">
+            <a:schemeClr val="accent1"/>
+          </a:effectRef>
+          <a:fontRef idx="minor">
+            <a:schemeClr val="lt1"/>
+          </a:fontRef>
+        </p:style>
+        <p:txBody>
+          <a:bodyPr rtlCol="0" anchor="ctr"/>
+          <a:lstStyle/>
+          <a:p>
+            <a:pPr algn="ctr"/>
+            <a:r>
+              <a:rPr lang="en-US" altLang="ja-JP" sz="1100" dirty="0" err="1"/>
+              <a:t>IScraperOwner</a:t>
+            </a:r>
+            <a:endParaRPr lang="en-US" altLang="ja-JP" sz="1100" dirty="0"/>
+          </a:p>
+        </p:txBody>
+      </p:sp>
+      <p:sp>
+        <p:nvSpPr>
+          <p:cNvPr id="5" name="四角形: 角を丸くする 4">
+            <a:extLst>
+              <a:ext uri="{FF2B5EF4-FFF2-40B4-BE49-F238E27FC236}">
+                <a16:creationId xmlns:a16="http://schemas.microsoft.com/office/drawing/2014/main" id="{23A63EDD-6C54-B3C4-EE10-7F11E2EAFBB4}"/>
+              </a:ext>
+            </a:extLst>
+          </p:cNvPr>
+          <p:cNvSpPr/>
+          <p:nvPr/>
+        </p:nvSpPr>
+        <p:spPr>
+          <a:xfrm>
+            <a:off x="1564416" y="1768059"/>
+            <a:ext cx="1319650" cy="480290"/>
+          </a:xfrm>
+          <a:prstGeom prst="roundRect">
+            <a:avLst/>
+          </a:prstGeom>
+        </p:spPr>
+        <p:style>
+          <a:lnRef idx="2">
+            <a:schemeClr val="accent1">
+              <a:shade val="15000"/>
+            </a:schemeClr>
+          </a:lnRef>
+          <a:fillRef idx="1">
+            <a:schemeClr val="accent1"/>
+          </a:fillRef>
+          <a:effectRef idx="0">
+            <a:schemeClr val="accent1"/>
+          </a:effectRef>
+          <a:fontRef idx="minor">
+            <a:schemeClr val="lt1"/>
+          </a:fontRef>
+        </p:style>
+        <p:txBody>
+          <a:bodyPr rtlCol="0" anchor="ctr"/>
+          <a:lstStyle/>
+          <a:p>
+            <a:pPr algn="ctr"/>
+            <a:r>
+              <a:rPr lang="en-US" altLang="ja-JP" sz="900" dirty="0" err="1"/>
+              <a:t>ScraperOwner</a:t>
+            </a:r>
+            <a:endParaRPr lang="en-US" altLang="ja-JP" sz="900" dirty="0"/>
+          </a:p>
+        </p:txBody>
+      </p:sp>
+      <p:cxnSp>
+        <p:nvCxnSpPr>
+          <p:cNvPr id="7" name="コネクタ: カギ線 6">
+            <a:extLst>
+              <a:ext uri="{FF2B5EF4-FFF2-40B4-BE49-F238E27FC236}">
+                <a16:creationId xmlns:a16="http://schemas.microsoft.com/office/drawing/2014/main" id="{790FCDB3-2CED-95F0-8497-52C09BF9C157}"/>
+              </a:ext>
+            </a:extLst>
+          </p:cNvPr>
+          <p:cNvCxnSpPr>
+            <a:cxnSpLocks/>
+          </p:cNvCxnSpPr>
+          <p:nvPr/>
+        </p:nvCxnSpPr>
+        <p:spPr>
+          <a:xfrm rot="10800000">
+            <a:off x="2026808" y="2365555"/>
+            <a:ext cx="2432265" cy="1326159"/>
+          </a:xfrm>
+          <a:prstGeom prst="bentConnector3">
+            <a:avLst>
+              <a:gd name="adj1" fmla="val 100126"/>
+            </a:avLst>
+          </a:prstGeom>
+          <a:ln>
+            <a:tailEnd type="triangle"/>
+          </a:ln>
+        </p:spPr>
+        <p:style>
+          <a:lnRef idx="2">
+            <a:schemeClr val="accent1"/>
+          </a:lnRef>
+          <a:fillRef idx="0">
+            <a:schemeClr val="accent1"/>
+          </a:fillRef>
+          <a:effectRef idx="1">
+            <a:schemeClr val="accent1"/>
+          </a:effectRef>
+          <a:fontRef idx="minor">
+            <a:schemeClr val="tx1"/>
+          </a:fontRef>
+        </p:style>
+      </p:cxnSp>
+      <p:cxnSp>
+        <p:nvCxnSpPr>
+          <p:cNvPr id="9" name="直線矢印コネクタ 8">
+            <a:extLst>
+              <a:ext uri="{FF2B5EF4-FFF2-40B4-BE49-F238E27FC236}">
+                <a16:creationId xmlns:a16="http://schemas.microsoft.com/office/drawing/2014/main" id="{3FC5242C-6641-912D-7747-684FA6D914DF}"/>
+              </a:ext>
+            </a:extLst>
+          </p:cNvPr>
+          <p:cNvCxnSpPr>
+            <a:cxnSpLocks/>
+            <a:endCxn id="5" idx="0"/>
+          </p:cNvCxnSpPr>
+          <p:nvPr/>
+        </p:nvCxnSpPr>
+        <p:spPr>
+          <a:xfrm>
+            <a:off x="2224241" y="922156"/>
+            <a:ext cx="0" cy="845903"/>
+          </a:xfrm>
+          <a:prstGeom prst="straightConnector1">
+            <a:avLst/>
+          </a:prstGeom>
+          <a:ln>
+            <a:tailEnd type="triangle"/>
+          </a:ln>
+        </p:spPr>
+        <p:style>
+          <a:lnRef idx="2">
+            <a:schemeClr val="accent1"/>
+          </a:lnRef>
+          <a:fillRef idx="0">
+            <a:schemeClr val="accent1"/>
+          </a:fillRef>
+          <a:effectRef idx="1">
+            <a:schemeClr val="accent1"/>
+          </a:effectRef>
+          <a:fontRef idx="minor">
+            <a:schemeClr val="tx1"/>
+          </a:fontRef>
+        </p:style>
+      </p:cxnSp>
+      <p:pic>
+        <p:nvPicPr>
+          <p:cNvPr id="10" name="グラフィックス 9" descr="ブラウザー ウィンドウ 枠線">
+            <a:extLst>
+              <a:ext uri="{FF2B5EF4-FFF2-40B4-BE49-F238E27FC236}">
+                <a16:creationId xmlns:a16="http://schemas.microsoft.com/office/drawing/2014/main" id="{1985DC0A-2405-7E7B-2203-72F49FC9CBFF}"/>
+              </a:ext>
+            </a:extLst>
+          </p:cNvPr>
+          <p:cNvPicPr>
+            <a:picLocks noChangeAspect="1"/>
+          </p:cNvPicPr>
+          <p:nvPr/>
+        </p:nvPicPr>
+        <p:blipFill>
+          <a:blip r:embed="rId2">
+            <a:extLst>
+              <a:ext uri="{96DAC541-7B7A-43D3-8B79-37D633B846F1}">
+                <asvg:svgBlip xmlns:asvg="http://schemas.microsoft.com/office/drawing/2016/SVG/main" r:embed="rId3"/>
+              </a:ext>
+            </a:extLst>
+          </a:blip>
+          <a:stretch>
+            <a:fillRect/>
+          </a:stretch>
+        </p:blipFill>
+        <p:spPr>
+          <a:xfrm>
+            <a:off x="226291" y="1597890"/>
+            <a:ext cx="1140691" cy="914400"/>
+          </a:xfrm>
+          <a:prstGeom prst="rect">
+            <a:avLst/>
+          </a:prstGeom>
+        </p:spPr>
+      </p:pic>
+      <p:sp>
+        <p:nvSpPr>
+          <p:cNvPr id="11" name="四角形: 角を丸くする 10">
+            <a:extLst>
+              <a:ext uri="{FF2B5EF4-FFF2-40B4-BE49-F238E27FC236}">
+                <a16:creationId xmlns:a16="http://schemas.microsoft.com/office/drawing/2014/main" id="{1EE415F3-69EC-D730-14B2-DB5CD0810044}"/>
+              </a:ext>
+            </a:extLst>
+          </p:cNvPr>
+          <p:cNvSpPr/>
+          <p:nvPr/>
+        </p:nvSpPr>
+        <p:spPr>
+          <a:xfrm>
+            <a:off x="4170217" y="1768059"/>
+            <a:ext cx="1319649" cy="429276"/>
+          </a:xfrm>
+          <a:prstGeom prst="roundRect">
+            <a:avLst/>
+          </a:prstGeom>
+        </p:spPr>
+        <p:style>
+          <a:lnRef idx="2">
+            <a:schemeClr val="accent1">
+              <a:shade val="15000"/>
+            </a:schemeClr>
+          </a:lnRef>
+          <a:fillRef idx="1">
+            <a:schemeClr val="accent1"/>
+          </a:fillRef>
+          <a:effectRef idx="0">
+            <a:schemeClr val="accent1"/>
+          </a:effectRef>
+          <a:fontRef idx="minor">
+            <a:schemeClr val="lt1"/>
+          </a:fontRef>
+        </p:style>
+        <p:txBody>
+          <a:bodyPr rtlCol="0" anchor="ctr"/>
+          <a:lstStyle/>
+          <a:p>
+            <a:pPr algn="ctr"/>
+            <a:r>
+              <a:rPr lang="en-US" altLang="ja-JP" sz="1100" dirty="0" err="1"/>
+              <a:t>ScraperLogic</a:t>
+            </a:r>
+            <a:endParaRPr lang="en-US" altLang="ja-JP" sz="1100" dirty="0"/>
+          </a:p>
+        </p:txBody>
+      </p:sp>
+      <p:cxnSp>
+        <p:nvCxnSpPr>
+          <p:cNvPr id="13" name="直線矢印コネクタ 12">
+            <a:extLst>
+              <a:ext uri="{FF2B5EF4-FFF2-40B4-BE49-F238E27FC236}">
+                <a16:creationId xmlns:a16="http://schemas.microsoft.com/office/drawing/2014/main" id="{5988F154-3714-F73D-E5D0-E159BDA2C142}"/>
+              </a:ext>
+            </a:extLst>
+          </p:cNvPr>
+          <p:cNvCxnSpPr>
+            <a:cxnSpLocks/>
+          </p:cNvCxnSpPr>
+          <p:nvPr/>
+        </p:nvCxnSpPr>
+        <p:spPr>
+          <a:xfrm>
+            <a:off x="2884066" y="1908806"/>
+            <a:ext cx="1286151" cy="0"/>
+          </a:xfrm>
+          <a:prstGeom prst="straightConnector1">
+            <a:avLst/>
+          </a:prstGeom>
+          <a:ln>
+            <a:tailEnd type="triangle"/>
+          </a:ln>
+        </p:spPr>
+        <p:style>
+          <a:lnRef idx="2">
+            <a:schemeClr val="accent1"/>
+          </a:lnRef>
+          <a:fillRef idx="0">
+            <a:schemeClr val="accent1"/>
+          </a:fillRef>
+          <a:effectRef idx="1">
+            <a:schemeClr val="accent1"/>
+          </a:effectRef>
+          <a:fontRef idx="minor">
+            <a:schemeClr val="tx1"/>
+          </a:fontRef>
+        </p:style>
+      </p:cxnSp>
+      <p:cxnSp>
+        <p:nvCxnSpPr>
+          <p:cNvPr id="20" name="直線矢印コネクタ 19">
+            <a:extLst>
+              <a:ext uri="{FF2B5EF4-FFF2-40B4-BE49-F238E27FC236}">
+                <a16:creationId xmlns:a16="http://schemas.microsoft.com/office/drawing/2014/main" id="{8FBE202B-8915-FAE1-BD9C-5D3E556302B3}"/>
+              </a:ext>
+            </a:extLst>
+          </p:cNvPr>
+          <p:cNvCxnSpPr>
+            <a:cxnSpLocks/>
+          </p:cNvCxnSpPr>
+          <p:nvPr/>
+        </p:nvCxnSpPr>
+        <p:spPr>
+          <a:xfrm flipH="1">
+            <a:off x="2884066" y="2095735"/>
+            <a:ext cx="1286151" cy="0"/>
+          </a:xfrm>
+          <a:prstGeom prst="straightConnector1">
+            <a:avLst/>
+          </a:prstGeom>
+          <a:ln>
+            <a:tailEnd type="triangle"/>
+          </a:ln>
+        </p:spPr>
+        <p:style>
+          <a:lnRef idx="2">
+            <a:schemeClr val="accent1"/>
+          </a:lnRef>
+          <a:fillRef idx="0">
+            <a:schemeClr val="accent1"/>
+          </a:fillRef>
+          <a:effectRef idx="1">
+            <a:schemeClr val="accent1"/>
+          </a:effectRef>
+          <a:fontRef idx="minor">
+            <a:schemeClr val="tx1"/>
+          </a:fontRef>
+        </p:style>
+      </p:cxnSp>
+      <p:sp>
+        <p:nvSpPr>
+          <p:cNvPr id="23" name="四角形: 角を丸くする 22">
+            <a:extLst>
+              <a:ext uri="{FF2B5EF4-FFF2-40B4-BE49-F238E27FC236}">
+                <a16:creationId xmlns:a16="http://schemas.microsoft.com/office/drawing/2014/main" id="{032A5C4F-93F5-1641-BD0E-6B73ED398DA7}"/>
+              </a:ext>
+            </a:extLst>
+          </p:cNvPr>
+          <p:cNvSpPr/>
+          <p:nvPr/>
+        </p:nvSpPr>
+        <p:spPr>
+          <a:xfrm>
+            <a:off x="4585216" y="3477077"/>
+            <a:ext cx="1510784" cy="429276"/>
+          </a:xfrm>
+          <a:prstGeom prst="roundRect">
+            <a:avLst/>
+          </a:prstGeom>
+          <a:solidFill>
+            <a:schemeClr val="bg1">
+              <a:lumMod val="75000"/>
+            </a:schemeClr>
+          </a:solidFill>
+        </p:spPr>
+        <p:style>
+          <a:lnRef idx="2">
+            <a:schemeClr val="accent1">
+              <a:shade val="15000"/>
+            </a:schemeClr>
+          </a:lnRef>
+          <a:fillRef idx="1">
+            <a:schemeClr val="accent1"/>
+          </a:fillRef>
+          <a:effectRef idx="0">
+            <a:schemeClr val="accent1"/>
+          </a:effectRef>
+          <a:fontRef idx="minor">
+            <a:schemeClr val="lt1"/>
+          </a:fontRef>
+        </p:style>
+        <p:txBody>
+          <a:bodyPr rtlCol="0" anchor="ctr"/>
+          <a:lstStyle/>
+          <a:p>
+            <a:pPr algn="ctr"/>
+            <a:r>
+              <a:rPr lang="en-US" altLang="ja-JP" dirty="0"/>
+              <a:t>UI</a:t>
+            </a:r>
+          </a:p>
+        </p:txBody>
+      </p:sp>
+      <p:sp>
+        <p:nvSpPr>
+          <p:cNvPr id="24" name="四角形: 角を丸くする 23">
+            <a:extLst>
+              <a:ext uri="{FF2B5EF4-FFF2-40B4-BE49-F238E27FC236}">
+                <a16:creationId xmlns:a16="http://schemas.microsoft.com/office/drawing/2014/main" id="{A0109724-2E92-ADBB-B0EA-C4A967DC2AD1}"/>
+              </a:ext>
+            </a:extLst>
+          </p:cNvPr>
+          <p:cNvSpPr/>
+          <p:nvPr/>
+        </p:nvSpPr>
+        <p:spPr>
+          <a:xfrm>
+            <a:off x="2542671" y="2415912"/>
+            <a:ext cx="1319649" cy="429276"/>
+          </a:xfrm>
+          <a:prstGeom prst="roundRect">
+            <a:avLst/>
+          </a:prstGeom>
+        </p:spPr>
+        <p:style>
+          <a:lnRef idx="2">
+            <a:schemeClr val="accent1">
+              <a:shade val="15000"/>
+            </a:schemeClr>
+          </a:lnRef>
+          <a:fillRef idx="1">
+            <a:schemeClr val="accent1"/>
+          </a:fillRef>
+          <a:effectRef idx="0">
+            <a:schemeClr val="accent1"/>
+          </a:effectRef>
+          <a:fontRef idx="minor">
+            <a:schemeClr val="lt1"/>
+          </a:fontRef>
+        </p:style>
+        <p:txBody>
+          <a:bodyPr rtlCol="0" anchor="ctr"/>
+          <a:lstStyle/>
+          <a:p>
+            <a:pPr algn="ctr"/>
+            <a:r>
+              <a:rPr lang="en-US" altLang="ja-JP" sz="1100" dirty="0" err="1"/>
+              <a:t>ScraperConfig</a:t>
+            </a:r>
+            <a:endParaRPr lang="en-US" altLang="ja-JP" sz="1100" dirty="0"/>
+          </a:p>
+        </p:txBody>
+      </p:sp>
+      <p:sp>
+        <p:nvSpPr>
+          <p:cNvPr id="25" name="四角形: 角を丸くする 24">
+            <a:extLst>
+              <a:ext uri="{FF2B5EF4-FFF2-40B4-BE49-F238E27FC236}">
+                <a16:creationId xmlns:a16="http://schemas.microsoft.com/office/drawing/2014/main" id="{4965910F-AB6D-E510-63DC-0A9DE77D897B}"/>
+              </a:ext>
+            </a:extLst>
+          </p:cNvPr>
+          <p:cNvSpPr/>
+          <p:nvPr/>
+        </p:nvSpPr>
+        <p:spPr>
+          <a:xfrm>
+            <a:off x="4170217" y="367415"/>
+            <a:ext cx="1319649" cy="429276"/>
+          </a:xfrm>
+          <a:prstGeom prst="roundRect">
+            <a:avLst/>
+          </a:prstGeom>
+          <a:solidFill>
+            <a:schemeClr val="accent6"/>
+          </a:solidFill>
+        </p:spPr>
+        <p:style>
+          <a:lnRef idx="2">
+            <a:schemeClr val="accent1">
+              <a:shade val="15000"/>
+            </a:schemeClr>
+          </a:lnRef>
+          <a:fillRef idx="1">
+            <a:schemeClr val="accent1"/>
+          </a:fillRef>
+          <a:effectRef idx="0">
+            <a:schemeClr val="accent1"/>
+          </a:effectRef>
+          <a:fontRef idx="minor">
+            <a:schemeClr val="lt1"/>
+          </a:fontRef>
+        </p:style>
+        <p:txBody>
+          <a:bodyPr rtlCol="0" anchor="ctr"/>
+          <a:lstStyle/>
+          <a:p>
+            <a:pPr algn="ctr"/>
+            <a:r>
+              <a:rPr lang="en-US" altLang="ja-JP" sz="1100" dirty="0" err="1"/>
+              <a:t>IScraperLogic</a:t>
+            </a:r>
+            <a:endParaRPr lang="en-US" altLang="ja-JP" sz="1100" dirty="0"/>
+          </a:p>
+        </p:txBody>
+      </p:sp>
+      <p:cxnSp>
+        <p:nvCxnSpPr>
+          <p:cNvPr id="27" name="直線矢印コネクタ 26">
+            <a:extLst>
+              <a:ext uri="{FF2B5EF4-FFF2-40B4-BE49-F238E27FC236}">
+                <a16:creationId xmlns:a16="http://schemas.microsoft.com/office/drawing/2014/main" id="{0346EB9B-86BD-DE6B-65AF-F4F7BE534AD4}"/>
+              </a:ext>
+            </a:extLst>
+          </p:cNvPr>
+          <p:cNvCxnSpPr>
+            <a:cxnSpLocks/>
+          </p:cNvCxnSpPr>
+          <p:nvPr/>
+        </p:nvCxnSpPr>
+        <p:spPr>
+          <a:xfrm>
+            <a:off x="4830041" y="922156"/>
+            <a:ext cx="0" cy="758862"/>
+          </a:xfrm>
+          <a:prstGeom prst="straightConnector1">
+            <a:avLst/>
+          </a:prstGeom>
+          <a:ln>
+            <a:tailEnd type="triangle"/>
+          </a:ln>
+        </p:spPr>
+        <p:style>
+          <a:lnRef idx="2">
+            <a:schemeClr val="accent1"/>
+          </a:lnRef>
+          <a:fillRef idx="0">
+            <a:schemeClr val="accent1"/>
+          </a:fillRef>
+          <a:effectRef idx="1">
+            <a:schemeClr val="accent1"/>
+          </a:effectRef>
+          <a:fontRef idx="minor">
+            <a:schemeClr val="tx1"/>
+          </a:fontRef>
+        </p:style>
+      </p:cxnSp>
+      <p:sp>
+        <p:nvSpPr>
+          <p:cNvPr id="31" name="テキスト ボックス 30">
+            <a:extLst>
+              <a:ext uri="{FF2B5EF4-FFF2-40B4-BE49-F238E27FC236}">
+                <a16:creationId xmlns:a16="http://schemas.microsoft.com/office/drawing/2014/main" id="{8A5045C9-57B3-8720-9A50-C27F12CB73EE}"/>
+              </a:ext>
+            </a:extLst>
+          </p:cNvPr>
+          <p:cNvSpPr txBox="1"/>
+          <p:nvPr/>
+        </p:nvSpPr>
+        <p:spPr>
+          <a:xfrm>
+            <a:off x="2026808" y="2475462"/>
+            <a:ext cx="554753" cy="276999"/>
+          </a:xfrm>
+          <a:prstGeom prst="rect">
+            <a:avLst/>
+          </a:prstGeom>
+          <a:noFill/>
+        </p:spPr>
+        <p:txBody>
+          <a:bodyPr wrap="square" rtlCol="0">
+            <a:spAutoFit/>
+          </a:bodyPr>
+          <a:lstStyle/>
+          <a:p>
+            <a:r>
+              <a:rPr kumimoji="1" lang="en-US" altLang="ja-JP" sz="1200" dirty="0"/>
+              <a:t>input</a:t>
+            </a:r>
+            <a:endParaRPr kumimoji="1" lang="ja-JP" altLang="en-US" sz="1200" dirty="0"/>
+          </a:p>
+        </p:txBody>
+      </p:sp>
+      <p:sp>
+        <p:nvSpPr>
+          <p:cNvPr id="32" name="四角形: 角を丸くする 31">
+            <a:extLst>
+              <a:ext uri="{FF2B5EF4-FFF2-40B4-BE49-F238E27FC236}">
+                <a16:creationId xmlns:a16="http://schemas.microsoft.com/office/drawing/2014/main" id="{41DAC219-43FB-E625-5F72-E77E8D5136A0}"/>
+              </a:ext>
+            </a:extLst>
+          </p:cNvPr>
+          <p:cNvSpPr/>
+          <p:nvPr/>
+        </p:nvSpPr>
+        <p:spPr>
+          <a:xfrm>
+            <a:off x="5118899" y="2415912"/>
+            <a:ext cx="1808374" cy="429276"/>
+          </a:xfrm>
+          <a:prstGeom prst="roundRect">
+            <a:avLst/>
+          </a:prstGeom>
+          <a:solidFill>
+            <a:schemeClr val="accent1">
+              <a:lumMod val="40000"/>
+              <a:lumOff val="60000"/>
+            </a:schemeClr>
+          </a:solidFill>
+        </p:spPr>
+        <p:style>
+          <a:lnRef idx="2">
+            <a:schemeClr val="accent1">
+              <a:shade val="15000"/>
+            </a:schemeClr>
+          </a:lnRef>
+          <a:fillRef idx="1">
+            <a:schemeClr val="accent1"/>
+          </a:fillRef>
+          <a:effectRef idx="0">
+            <a:schemeClr val="accent1"/>
+          </a:effectRef>
+          <a:fontRef idx="minor">
+            <a:schemeClr val="lt1"/>
+          </a:fontRef>
+        </p:style>
+        <p:txBody>
+          <a:bodyPr rtlCol="0" anchor="ctr"/>
+          <a:lstStyle/>
+          <a:p>
+            <a:pPr algn="ctr"/>
+            <a:r>
+              <a:rPr lang="en-US" altLang="ja-JP" sz="1100" dirty="0" err="1"/>
+              <a:t>AbstractScraperConfig</a:t>
+            </a:r>
+            <a:endParaRPr lang="en-US" altLang="ja-JP" sz="1100" dirty="0"/>
+          </a:p>
+        </p:txBody>
+      </p:sp>
+      <p:cxnSp>
+        <p:nvCxnSpPr>
+          <p:cNvPr id="33" name="直線矢印コネクタ 32">
+            <a:extLst>
+              <a:ext uri="{FF2B5EF4-FFF2-40B4-BE49-F238E27FC236}">
+                <a16:creationId xmlns:a16="http://schemas.microsoft.com/office/drawing/2014/main" id="{E1A66760-C5DC-257F-FC66-84CCC80EBB40}"/>
+              </a:ext>
+            </a:extLst>
+          </p:cNvPr>
+          <p:cNvCxnSpPr>
+            <a:cxnSpLocks/>
+            <a:stCxn id="32" idx="1"/>
+          </p:cNvCxnSpPr>
+          <p:nvPr/>
+        </p:nvCxnSpPr>
+        <p:spPr>
+          <a:xfrm flipH="1">
+            <a:off x="3917900" y="2630550"/>
+            <a:ext cx="1200999" cy="5512"/>
+          </a:xfrm>
+          <a:prstGeom prst="straightConnector1">
+            <a:avLst/>
+          </a:prstGeom>
+          <a:ln>
+            <a:tailEnd type="triangle"/>
+          </a:ln>
+        </p:spPr>
+        <p:style>
+          <a:lnRef idx="2">
+            <a:schemeClr val="accent1"/>
+          </a:lnRef>
+          <a:fillRef idx="0">
+            <a:schemeClr val="accent1"/>
+          </a:fillRef>
+          <a:effectRef idx="1">
+            <a:schemeClr val="accent1"/>
+          </a:effectRef>
+          <a:fontRef idx="minor">
+            <a:schemeClr val="tx1"/>
+          </a:fontRef>
+        </p:style>
+      </p:cxnSp>
+      <p:sp>
+        <p:nvSpPr>
+          <p:cNvPr id="35" name="テキスト ボックス 34">
+            <a:extLst>
+              <a:ext uri="{FF2B5EF4-FFF2-40B4-BE49-F238E27FC236}">
+                <a16:creationId xmlns:a16="http://schemas.microsoft.com/office/drawing/2014/main" id="{36AD343D-2B30-3AA8-D076-C4391F516AED}"/>
+              </a:ext>
+            </a:extLst>
+          </p:cNvPr>
+          <p:cNvSpPr txBox="1"/>
+          <p:nvPr/>
+        </p:nvSpPr>
+        <p:spPr>
+          <a:xfrm>
+            <a:off x="7130473" y="922156"/>
+            <a:ext cx="4100945" cy="523220"/>
+          </a:xfrm>
+          <a:prstGeom prst="rect">
+            <a:avLst/>
+          </a:prstGeom>
+          <a:noFill/>
+        </p:spPr>
+        <p:txBody>
+          <a:bodyPr wrap="square" rtlCol="0">
+            <a:spAutoFit/>
+          </a:bodyPr>
+          <a:lstStyle/>
+          <a:p>
+            <a:r>
+              <a:rPr kumimoji="1" lang="en-US" altLang="ja-JP" sz="1400" dirty="0"/>
+              <a:t>UI</a:t>
+            </a:r>
+            <a:r>
+              <a:rPr kumimoji="1" lang="ja-JP" altLang="en-US" sz="1400" dirty="0"/>
+              <a:t>が</a:t>
+            </a:r>
+            <a:r>
+              <a:rPr kumimoji="1" lang="en-US" altLang="ja-JP" sz="1400" dirty="0" err="1"/>
+              <a:t>ScraperConfig</a:t>
+            </a:r>
+            <a:r>
+              <a:rPr kumimoji="1" lang="ja-JP" altLang="en-US" sz="1400" dirty="0"/>
+              <a:t>を生成し、</a:t>
+            </a:r>
+            <a:r>
+              <a:rPr kumimoji="1" lang="en-US" altLang="ja-JP" sz="1400" dirty="0" err="1"/>
+              <a:t>ScraperOwner</a:t>
+            </a:r>
+            <a:r>
+              <a:rPr kumimoji="1" lang="ja-JP" altLang="en-US" sz="1400" dirty="0"/>
+              <a:t>に</a:t>
+            </a:r>
+            <a:r>
+              <a:rPr kumimoji="1" lang="en-US" altLang="ja-JP" sz="1400" dirty="0" err="1"/>
+              <a:t>ScraperConfig</a:t>
+            </a:r>
+            <a:r>
+              <a:rPr lang="ja-JP" altLang="en-US" sz="1400" dirty="0"/>
+              <a:t>を</a:t>
+            </a:r>
+            <a:r>
+              <a:rPr lang="en-US" altLang="ja-JP" sz="1400" dirty="0"/>
+              <a:t>input</a:t>
+            </a:r>
+            <a:r>
+              <a:rPr lang="ja-JP" altLang="en-US" sz="1400" dirty="0"/>
+              <a:t>しスクレイピングを実行</a:t>
+            </a:r>
+            <a:endParaRPr kumimoji="1" lang="ja-JP" altLang="en-US" sz="1400" dirty="0"/>
+          </a:p>
+        </p:txBody>
+      </p:sp>
+      <p:sp>
+        <p:nvSpPr>
+          <p:cNvPr id="36" name="テキスト ボックス 35">
+            <a:extLst>
+              <a:ext uri="{FF2B5EF4-FFF2-40B4-BE49-F238E27FC236}">
+                <a16:creationId xmlns:a16="http://schemas.microsoft.com/office/drawing/2014/main" id="{452001FD-C88D-757C-3D9E-9472699E9891}"/>
+              </a:ext>
+            </a:extLst>
+          </p:cNvPr>
+          <p:cNvSpPr txBox="1"/>
+          <p:nvPr/>
+        </p:nvSpPr>
+        <p:spPr>
+          <a:xfrm>
+            <a:off x="3698771" y="4071065"/>
+            <a:ext cx="3582189" cy="461665"/>
+          </a:xfrm>
+          <a:prstGeom prst="rect">
+            <a:avLst/>
+          </a:prstGeom>
+          <a:noFill/>
+        </p:spPr>
+        <p:txBody>
+          <a:bodyPr wrap="square" rtlCol="0">
+            <a:spAutoFit/>
+          </a:bodyPr>
+          <a:lstStyle/>
+          <a:p>
+            <a:r>
+              <a:rPr kumimoji="1" lang="ja-JP" altLang="en-US" sz="1200" dirty="0"/>
+              <a:t>ユーザの操作に応じて、</a:t>
+            </a:r>
+            <a:r>
+              <a:rPr kumimoji="1" lang="en-US" altLang="ja-JP" sz="1200" dirty="0" err="1"/>
+              <a:t>ScraperConfig</a:t>
+            </a:r>
+            <a:r>
+              <a:rPr kumimoji="1" lang="ja-JP" altLang="en-US" sz="1200" dirty="0"/>
+              <a:t>を生成。</a:t>
+            </a:r>
+            <a:br>
+              <a:rPr kumimoji="1" lang="en-US" altLang="ja-JP" sz="1200" dirty="0"/>
+            </a:br>
+            <a:r>
+              <a:rPr kumimoji="1" lang="en-US" altLang="ja-JP" sz="1200" dirty="0" err="1"/>
+              <a:t>ScraperOwner</a:t>
+            </a:r>
+            <a:r>
+              <a:rPr kumimoji="1" lang="ja-JP" altLang="en-US" sz="1200" dirty="0"/>
+              <a:t>に</a:t>
+            </a:r>
+            <a:r>
+              <a:rPr kumimoji="1" lang="en-US" altLang="ja-JP" sz="1200" dirty="0" err="1"/>
+              <a:t>ScraperConfig</a:t>
+            </a:r>
+            <a:r>
+              <a:rPr kumimoji="1" lang="ja-JP" altLang="en-US" sz="1200" dirty="0"/>
+              <a:t>を渡す。</a:t>
+            </a:r>
+          </a:p>
+        </p:txBody>
+      </p:sp>
+    </p:spTree>
+    <p:extLst>
+      <p:ext uri="{BB962C8B-B14F-4D97-AF65-F5344CB8AC3E}">
+        <p14:creationId xmlns:p14="http://schemas.microsoft.com/office/powerpoint/2010/main" val="3214317291"/>
+      </p:ext>
+    </p:extLst>
+  </p:cSld>
+  <p:clrMapOvr>
+    <a:masterClrMapping/>
+  </p:clrMapOvr>
+</p:sld>
+</file>
+
+<file path=ppt/slides/slide4.xml><?xml version="1.0" encoding="utf-8"?>
+<p:sld xmlns:a="http://schemas.openxmlformats.org/drawingml/2006/main" xmlns:r="http://schemas.openxmlformats.org/officeDocument/2006/relationships" xmlns:p="http://schemas.openxmlformats.org/presentationml/2006/main">
+  <p:cSld>
+    <p:spTree>
+      <p:nvGrpSpPr>
+        <p:cNvPr id="1" name=""/>
+        <p:cNvGrpSpPr/>
+        <p:nvPr/>
+      </p:nvGrpSpPr>
+      <p:grpSpPr>
+        <a:xfrm>
+          <a:off x="0" y="0"/>
+          <a:ext cx="0" cy="0"/>
+          <a:chOff x="0" y="0"/>
+          <a:chExt cx="0" cy="0"/>
+        </a:xfrm>
+      </p:grpSpPr>
+      <p:sp>
+        <p:nvSpPr>
+          <p:cNvPr id="4" name="四角形: 角を丸くする 3">
+            <a:extLst>
+              <a:ext uri="{FF2B5EF4-FFF2-40B4-BE49-F238E27FC236}">
+                <a16:creationId xmlns:a16="http://schemas.microsoft.com/office/drawing/2014/main" id="{3540B7E7-F392-A62A-5C50-1E2172A17FBF}"/>
+              </a:ext>
+            </a:extLst>
+          </p:cNvPr>
+          <p:cNvSpPr/>
+          <p:nvPr/>
+        </p:nvSpPr>
+        <p:spPr>
+          <a:xfrm>
+            <a:off x="1895148" y="1353730"/>
+            <a:ext cx="1319649" cy="429276"/>
+          </a:xfrm>
+          <a:prstGeom prst="roundRect">
+            <a:avLst/>
+          </a:prstGeom>
+        </p:spPr>
+        <p:style>
+          <a:lnRef idx="2">
+            <a:schemeClr val="accent1">
+              <a:shade val="15000"/>
+            </a:schemeClr>
+          </a:lnRef>
+          <a:fillRef idx="1">
+            <a:schemeClr val="accent1"/>
+          </a:fillRef>
+          <a:effectRef idx="0">
+            <a:schemeClr val="accent1"/>
+          </a:effectRef>
+          <a:fontRef idx="minor">
+            <a:schemeClr val="lt1"/>
+          </a:fontRef>
+        </p:style>
+        <p:txBody>
+          <a:bodyPr rtlCol="0" anchor="ctr"/>
+          <a:lstStyle/>
+          <a:p>
+            <a:pPr algn="ctr"/>
+            <a:r>
+              <a:rPr lang="en-US" altLang="ja-JP" sz="1100" dirty="0" err="1"/>
+              <a:t>ScraperConfig</a:t>
+            </a:r>
+            <a:endParaRPr lang="en-US" altLang="ja-JP" sz="1100" dirty="0"/>
+          </a:p>
+        </p:txBody>
+      </p:sp>
+      <p:sp>
+        <p:nvSpPr>
+          <p:cNvPr id="5" name="四角形: 角を丸くする 4">
+            <a:extLst>
+              <a:ext uri="{FF2B5EF4-FFF2-40B4-BE49-F238E27FC236}">
+                <a16:creationId xmlns:a16="http://schemas.microsoft.com/office/drawing/2014/main" id="{23F1DC69-E699-650D-B663-CA131535E2AC}"/>
+              </a:ext>
+            </a:extLst>
+          </p:cNvPr>
+          <p:cNvSpPr/>
+          <p:nvPr/>
+        </p:nvSpPr>
+        <p:spPr>
+          <a:xfrm>
+            <a:off x="7970982" y="1353730"/>
+            <a:ext cx="1930399" cy="429276"/>
+          </a:xfrm>
+          <a:prstGeom prst="roundRect">
+            <a:avLst/>
+          </a:prstGeom>
+          <a:solidFill>
+            <a:schemeClr val="accent1">
+              <a:lumMod val="40000"/>
+              <a:lumOff val="60000"/>
+            </a:schemeClr>
+          </a:solidFill>
+        </p:spPr>
+        <p:style>
+          <a:lnRef idx="2">
+            <a:schemeClr val="accent1">
+              <a:shade val="15000"/>
+            </a:schemeClr>
+          </a:lnRef>
+          <a:fillRef idx="1">
+            <a:schemeClr val="accent1"/>
+          </a:fillRef>
+          <a:effectRef idx="0">
+            <a:schemeClr val="accent1"/>
+          </a:effectRef>
+          <a:fontRef idx="minor">
+            <a:schemeClr val="lt1"/>
+          </a:fontRef>
+        </p:style>
+        <p:txBody>
+          <a:bodyPr rtlCol="0" anchor="ctr"/>
+          <a:lstStyle/>
+          <a:p>
+            <a:pPr algn="ctr"/>
+            <a:r>
+              <a:rPr lang="en-US" altLang="ja-JP" sz="1100" dirty="0" err="1"/>
+              <a:t>AbstractScraperConfig</a:t>
+            </a:r>
+            <a:endParaRPr lang="en-US" altLang="ja-JP" sz="1100" dirty="0"/>
+          </a:p>
+        </p:txBody>
+      </p:sp>
+      <p:cxnSp>
+        <p:nvCxnSpPr>
+          <p:cNvPr id="6" name="直線矢印コネクタ 5">
+            <a:extLst>
+              <a:ext uri="{FF2B5EF4-FFF2-40B4-BE49-F238E27FC236}">
+                <a16:creationId xmlns:a16="http://schemas.microsoft.com/office/drawing/2014/main" id="{29F0BFF2-B6C4-74EC-1F78-BAAC385CF66E}"/>
+              </a:ext>
+            </a:extLst>
+          </p:cNvPr>
+          <p:cNvCxnSpPr>
+            <a:cxnSpLocks/>
+            <a:stCxn id="5" idx="1"/>
+          </p:cNvCxnSpPr>
+          <p:nvPr/>
+        </p:nvCxnSpPr>
+        <p:spPr>
+          <a:xfrm flipH="1">
+            <a:off x="3990814" y="1568368"/>
+            <a:ext cx="3980168" cy="5512"/>
+          </a:xfrm>
+          <a:prstGeom prst="straightConnector1">
+            <a:avLst/>
+          </a:prstGeom>
+          <a:ln>
+            <a:tailEnd type="triangle"/>
+          </a:ln>
+        </p:spPr>
+        <p:style>
+          <a:lnRef idx="2">
+            <a:schemeClr val="accent1"/>
+          </a:lnRef>
+          <a:fillRef idx="0">
+            <a:schemeClr val="accent1"/>
+          </a:fillRef>
+          <a:effectRef idx="1">
+            <a:schemeClr val="accent1"/>
+          </a:effectRef>
+          <a:fontRef idx="minor">
+            <a:schemeClr val="tx1"/>
+          </a:fontRef>
+        </p:style>
+      </p:cxnSp>
+      <p:sp>
+        <p:nvSpPr>
+          <p:cNvPr id="9" name="テキスト ボックス 8">
+            <a:extLst>
+              <a:ext uri="{FF2B5EF4-FFF2-40B4-BE49-F238E27FC236}">
+                <a16:creationId xmlns:a16="http://schemas.microsoft.com/office/drawing/2014/main" id="{95FD0F78-DC24-DB92-3AD5-784C75DB2D3F}"/>
+              </a:ext>
+            </a:extLst>
+          </p:cNvPr>
+          <p:cNvSpPr txBox="1"/>
+          <p:nvPr/>
+        </p:nvSpPr>
+        <p:spPr>
+          <a:xfrm>
+            <a:off x="6724073" y="2096654"/>
+            <a:ext cx="4276435" cy="1569660"/>
+          </a:xfrm>
+          <a:prstGeom prst="rect">
+            <a:avLst/>
+          </a:prstGeom>
+          <a:noFill/>
+        </p:spPr>
+        <p:txBody>
+          <a:bodyPr wrap="square" rtlCol="0">
+            <a:spAutoFit/>
+          </a:bodyPr>
+          <a:lstStyle/>
+          <a:p>
+            <a:r>
+              <a:rPr lang="en-US" altLang="ja-JP" sz="1200" dirty="0"/>
+              <a:t>LIST_NODE</a:t>
+            </a:r>
+          </a:p>
+          <a:p>
+            <a:r>
+              <a:rPr lang="en-US" altLang="ja-JP" sz="1200" dirty="0"/>
+              <a:t>POST_NODE</a:t>
+            </a:r>
+            <a:r>
+              <a:rPr lang="ja-JP" altLang="en-US" sz="1200" dirty="0"/>
+              <a:t>（複数）</a:t>
+            </a:r>
+          </a:p>
+          <a:p>
+            <a:r>
+              <a:rPr lang="en-US" altLang="ja-JP" sz="1200" dirty="0"/>
+              <a:t>ID_KEY</a:t>
+            </a:r>
+            <a:r>
+              <a:rPr lang="ja-JP" altLang="en-US" sz="1200" dirty="0"/>
+              <a:t>（投稿</a:t>
+            </a:r>
+            <a:r>
+              <a:rPr lang="en-US" altLang="ja-JP" sz="1200" dirty="0"/>
+              <a:t>ID</a:t>
+            </a:r>
+            <a:r>
+              <a:rPr lang="ja-JP" altLang="en-US" sz="1200" dirty="0"/>
+              <a:t>）</a:t>
+            </a:r>
+          </a:p>
+          <a:p>
+            <a:r>
+              <a:rPr lang="en-US" altLang="ja-JP" sz="1200" dirty="0"/>
+              <a:t>USER_ID_KEY</a:t>
+            </a:r>
+            <a:r>
+              <a:rPr lang="ja-JP" altLang="en-US" sz="1200" dirty="0"/>
+              <a:t>（投稿者ユーザー</a:t>
+            </a:r>
+            <a:r>
+              <a:rPr lang="en-US" altLang="ja-JP" sz="1200" dirty="0"/>
+              <a:t>ID</a:t>
+            </a:r>
+            <a:r>
+              <a:rPr lang="ja-JP" altLang="en-US" sz="1200" dirty="0"/>
+              <a:t>）</a:t>
+            </a:r>
+          </a:p>
+          <a:p>
+            <a:r>
+              <a:rPr lang="en-US" altLang="ja-JP" sz="1200" dirty="0"/>
+              <a:t>TEXT_KEY</a:t>
+            </a:r>
+            <a:r>
+              <a:rPr lang="ja-JP" altLang="en-US" sz="1200" dirty="0"/>
+              <a:t>（投稿本文）</a:t>
+            </a:r>
+            <a:endParaRPr lang="en-US" altLang="ja-JP" sz="1200" dirty="0"/>
+          </a:p>
+          <a:p>
+            <a:r>
+              <a:rPr lang="en-US" altLang="ja-JP" sz="1200" dirty="0"/>
+              <a:t>DATE_KEY</a:t>
+            </a:r>
+            <a:r>
+              <a:rPr lang="ja-JP" altLang="en-US" sz="1200" dirty="0"/>
+              <a:t>（投稿日時）</a:t>
+            </a:r>
+          </a:p>
+          <a:p>
+            <a:r>
+              <a:rPr lang="en-US" altLang="ja-JP" sz="1200" dirty="0"/>
+              <a:t>REPLY_KEY</a:t>
+            </a:r>
+            <a:r>
+              <a:rPr lang="ja-JP" altLang="en-US" sz="1200" dirty="0"/>
+              <a:t>（返信情報）</a:t>
+            </a:r>
+          </a:p>
+          <a:p>
+            <a:r>
+              <a:rPr lang="en-US" altLang="ja-JP" sz="1200" dirty="0"/>
+              <a:t>IMAGE_URL_KEY</a:t>
+            </a:r>
+            <a:r>
+              <a:rPr lang="ja-JP" altLang="en-US" sz="1200" dirty="0"/>
+              <a:t>（画像</a:t>
+            </a:r>
+            <a:r>
+              <a:rPr lang="en-US" altLang="ja-JP" sz="1200" dirty="0"/>
+              <a:t>URL</a:t>
+            </a:r>
+            <a:r>
+              <a:rPr lang="ja-JP" altLang="en-US" sz="1200" dirty="0"/>
+              <a:t>）</a:t>
+            </a:r>
+            <a:endParaRPr kumimoji="1" lang="ja-JP" altLang="en-US" sz="1200" dirty="0"/>
+          </a:p>
+        </p:txBody>
+      </p:sp>
+      <p:sp>
+        <p:nvSpPr>
+          <p:cNvPr id="11" name="テキスト ボックス 10">
+            <a:extLst>
+              <a:ext uri="{FF2B5EF4-FFF2-40B4-BE49-F238E27FC236}">
+                <a16:creationId xmlns:a16="http://schemas.microsoft.com/office/drawing/2014/main" id="{1E812395-E1F5-47B4-B8AD-2B5C231E2F6F}"/>
+              </a:ext>
+            </a:extLst>
+          </p:cNvPr>
+          <p:cNvSpPr txBox="1"/>
+          <p:nvPr/>
+        </p:nvSpPr>
+        <p:spPr>
+          <a:xfrm>
+            <a:off x="1219199" y="2281382"/>
+            <a:ext cx="3482109" cy="830997"/>
+          </a:xfrm>
+          <a:prstGeom prst="rect">
+            <a:avLst/>
+          </a:prstGeom>
+          <a:noFill/>
+        </p:spPr>
+        <p:txBody>
+          <a:bodyPr wrap="square" rtlCol="0">
+            <a:spAutoFit/>
+          </a:bodyPr>
+          <a:lstStyle/>
+          <a:p>
+            <a:r>
+              <a:rPr kumimoji="1" lang="en-US" altLang="ja-JP" sz="1200" dirty="0" err="1"/>
+              <a:t>PostNode</a:t>
+            </a:r>
+            <a:r>
+              <a:rPr kumimoji="1" lang="ja-JP" altLang="en-US" sz="1200" dirty="0"/>
+              <a:t>とテキストなどがある</a:t>
+            </a:r>
+            <a:r>
+              <a:rPr kumimoji="1" lang="en-US" altLang="ja-JP" sz="1200" dirty="0"/>
+              <a:t>node</a:t>
+            </a:r>
+            <a:r>
+              <a:rPr kumimoji="1" lang="ja-JP" altLang="en-US" sz="1200" dirty="0"/>
+              <a:t>が違う</a:t>
+            </a:r>
+            <a:r>
+              <a:rPr kumimoji="1" lang="en-US" altLang="ja-JP" sz="1200" dirty="0"/>
+              <a:t>(</a:t>
+            </a:r>
+            <a:r>
+              <a:rPr kumimoji="1" lang="en-US" altLang="ja-JP" sz="1200" dirty="0" err="1"/>
+              <a:t>PostNode</a:t>
+            </a:r>
+            <a:r>
+              <a:rPr kumimoji="1" lang="ja-JP" altLang="en-US" sz="1200" dirty="0"/>
+              <a:t>のさらに深い階層にあるなど）場合は、それ用の</a:t>
+            </a:r>
+            <a:r>
+              <a:rPr kumimoji="1" lang="en-US" altLang="ja-JP" sz="1200" dirty="0"/>
+              <a:t>Node</a:t>
+            </a:r>
+            <a:r>
+              <a:rPr kumimoji="1" lang="ja-JP" altLang="en-US" sz="1200" dirty="0"/>
+              <a:t>を保持するフィールドを作成</a:t>
+            </a:r>
+            <a:r>
+              <a:rPr lang="en-US" altLang="ja-JP" sz="1200" dirty="0"/>
+              <a:t>(</a:t>
+            </a:r>
+            <a:r>
+              <a:rPr lang="ja-JP" altLang="en-US" sz="1200" dirty="0"/>
+              <a:t>例</a:t>
+            </a:r>
+            <a:r>
+              <a:rPr lang="en-US" altLang="ja-JP" sz="1200" dirty="0"/>
+              <a:t>)TEXT_NODE</a:t>
+            </a:r>
+            <a:endParaRPr kumimoji="1" lang="ja-JP" altLang="en-US" sz="1200" dirty="0"/>
+          </a:p>
+        </p:txBody>
+      </p:sp>
+    </p:spTree>
+    <p:extLst>
+      <p:ext uri="{BB962C8B-B14F-4D97-AF65-F5344CB8AC3E}">
+        <p14:creationId xmlns:p14="http://schemas.microsoft.com/office/powerpoint/2010/main" val="3008477458"/>
+      </p:ext>
+    </p:extLst>
+  </p:cSld>
+  <p:clrMapOvr>
+    <a:masterClrMapping/>
+  </p:clrMapOvr>
+</p:sld>
+</file>
+
+<file path=ppt/slides/slide5.xml><?xml version="1.0" encoding="utf-8"?>
+<p:sld xmlns:a="http://schemas.openxmlformats.org/drawingml/2006/main" xmlns:r="http://schemas.openxmlformats.org/officeDocument/2006/relationships" xmlns:p="http://schemas.openxmlformats.org/presentationml/2006/main">
+  <p:cSld>
+    <p:spTree>
+      <p:nvGrpSpPr>
+        <p:cNvPr id="1" name=""/>
+        <p:cNvGrpSpPr/>
+        <p:nvPr/>
+      </p:nvGrpSpPr>
+      <p:grpSpPr>
+        <a:xfrm>
+          <a:off x="0" y="0"/>
+          <a:ext cx="0" cy="0"/>
+          <a:chOff x="0" y="0"/>
+          <a:chExt cx="0" cy="0"/>
+        </a:xfrm>
+      </p:grpSpPr>
+      <p:sp>
+        <p:nvSpPr>
+          <p:cNvPr id="4" name="正方形/長方形 3">
+            <a:extLst>
+              <a:ext uri="{FF2B5EF4-FFF2-40B4-BE49-F238E27FC236}">
+                <a16:creationId xmlns:a16="http://schemas.microsoft.com/office/drawing/2014/main" id="{CA72657F-F82D-BF03-44DA-3FF4F7DD1D20}"/>
+              </a:ext>
+            </a:extLst>
+          </p:cNvPr>
+          <p:cNvSpPr/>
+          <p:nvPr/>
+        </p:nvSpPr>
+        <p:spPr>
+          <a:xfrm>
+            <a:off x="1796471" y="1297973"/>
+            <a:ext cx="2456873" cy="591127"/>
+          </a:xfrm>
+          <a:prstGeom prst="rect">
+            <a:avLst/>
+          </a:prstGeom>
+        </p:spPr>
+        <p:style>
+          <a:lnRef idx="2">
+            <a:schemeClr val="accent1">
+              <a:shade val="15000"/>
+            </a:schemeClr>
+          </a:lnRef>
+          <a:fillRef idx="1">
+            <a:schemeClr val="accent1"/>
+          </a:fillRef>
+          <a:effectRef idx="0">
+            <a:schemeClr val="accent1"/>
+          </a:effectRef>
+          <a:fontRef idx="minor">
+            <a:schemeClr val="lt1"/>
+          </a:fontRef>
+        </p:style>
+        <p:txBody>
+          <a:bodyPr rtlCol="0" anchor="ctr"/>
+          <a:lstStyle/>
+          <a:p>
+            <a:pPr algn="ctr"/>
+            <a:r>
+              <a:rPr lang="en-US" altLang="ja-JP" dirty="0" err="1"/>
+              <a:t>S</a:t>
+            </a:r>
+            <a:r>
+              <a:rPr kumimoji="1" lang="en-US" altLang="ja-JP" dirty="0" err="1"/>
+              <a:t>craperOwner</a:t>
+            </a:r>
+            <a:endParaRPr kumimoji="1" lang="ja-JP" altLang="en-US" dirty="0"/>
+          </a:p>
+        </p:txBody>
+      </p:sp>
+      <p:sp>
+        <p:nvSpPr>
+          <p:cNvPr id="5" name="正方形/長方形 4">
+            <a:extLst>
+              <a:ext uri="{FF2B5EF4-FFF2-40B4-BE49-F238E27FC236}">
+                <a16:creationId xmlns:a16="http://schemas.microsoft.com/office/drawing/2014/main" id="{FA3687B7-7A03-435A-6B41-C772A0F5BBD0}"/>
+              </a:ext>
+            </a:extLst>
+          </p:cNvPr>
+          <p:cNvSpPr/>
+          <p:nvPr/>
+        </p:nvSpPr>
+        <p:spPr>
+          <a:xfrm>
+            <a:off x="8603673" y="1220039"/>
+            <a:ext cx="2456873" cy="373497"/>
+          </a:xfrm>
+          <a:prstGeom prst="rect">
+            <a:avLst/>
+          </a:prstGeom>
+        </p:spPr>
+        <p:style>
+          <a:lnRef idx="2">
+            <a:schemeClr val="accent1">
+              <a:shade val="15000"/>
+            </a:schemeClr>
+          </a:lnRef>
+          <a:fillRef idx="1">
+            <a:schemeClr val="accent1"/>
+          </a:fillRef>
+          <a:effectRef idx="0">
+            <a:schemeClr val="accent1"/>
+          </a:effectRef>
+          <a:fontRef idx="minor">
+            <a:schemeClr val="lt1"/>
+          </a:fontRef>
+        </p:style>
+        <p:txBody>
+          <a:bodyPr rtlCol="0" anchor="ctr"/>
+          <a:lstStyle/>
+          <a:p>
+            <a:pPr algn="ctr"/>
+            <a:r>
+              <a:rPr kumimoji="1" lang="en-US" altLang="ja-JP" dirty="0" err="1"/>
+              <a:t>IscraperOwner</a:t>
+            </a:r>
+            <a:endParaRPr kumimoji="1" lang="en-US" altLang="ja-JP" dirty="0"/>
+          </a:p>
+        </p:txBody>
+      </p:sp>
+      <p:sp>
+        <p:nvSpPr>
+          <p:cNvPr id="6" name="正方形/長方形 5">
+            <a:extLst>
+              <a:ext uri="{FF2B5EF4-FFF2-40B4-BE49-F238E27FC236}">
+                <a16:creationId xmlns:a16="http://schemas.microsoft.com/office/drawing/2014/main" id="{966F8D80-69C9-36E9-179C-41295E2CE930}"/>
+              </a:ext>
+            </a:extLst>
+          </p:cNvPr>
+          <p:cNvSpPr/>
+          <p:nvPr/>
+        </p:nvSpPr>
+        <p:spPr>
+          <a:xfrm>
+            <a:off x="1796471" y="3373245"/>
+            <a:ext cx="2456873" cy="535709"/>
+          </a:xfrm>
+          <a:prstGeom prst="rect">
+            <a:avLst/>
+          </a:prstGeom>
+        </p:spPr>
+        <p:style>
+          <a:lnRef idx="2">
+            <a:schemeClr val="accent1">
+              <a:shade val="15000"/>
+            </a:schemeClr>
+          </a:lnRef>
+          <a:fillRef idx="1">
+            <a:schemeClr val="accent1"/>
+          </a:fillRef>
+          <a:effectRef idx="0">
+            <a:schemeClr val="accent1"/>
+          </a:effectRef>
+          <a:fontRef idx="minor">
+            <a:schemeClr val="lt1"/>
+          </a:fontRef>
+        </p:style>
+        <p:txBody>
+          <a:bodyPr rtlCol="0" anchor="ctr"/>
+          <a:lstStyle/>
+          <a:p>
+            <a:pPr algn="ctr"/>
+            <a:r>
+              <a:rPr kumimoji="1" lang="en-US" altLang="ja-JP" dirty="0" err="1"/>
+              <a:t>scraperLogic</a:t>
+            </a:r>
+            <a:endParaRPr kumimoji="1" lang="ja-JP" altLang="en-US" dirty="0"/>
+          </a:p>
+        </p:txBody>
+      </p:sp>
+      <p:sp>
+        <p:nvSpPr>
+          <p:cNvPr id="7" name="テキスト ボックス 6">
+            <a:extLst>
+              <a:ext uri="{FF2B5EF4-FFF2-40B4-BE49-F238E27FC236}">
+                <a16:creationId xmlns:a16="http://schemas.microsoft.com/office/drawing/2014/main" id="{A7F3CE06-A9E0-0006-D117-000158C865DA}"/>
+              </a:ext>
+            </a:extLst>
+          </p:cNvPr>
+          <p:cNvSpPr txBox="1"/>
+          <p:nvPr/>
+        </p:nvSpPr>
+        <p:spPr>
+          <a:xfrm>
+            <a:off x="380996" y="1967013"/>
+            <a:ext cx="6213767" cy="1015663"/>
+          </a:xfrm>
+          <a:prstGeom prst="rect">
+            <a:avLst/>
+          </a:prstGeom>
+          <a:noFill/>
+        </p:spPr>
+        <p:txBody>
+          <a:bodyPr wrap="square" rtlCol="0">
+            <a:spAutoFit/>
+          </a:bodyPr>
+          <a:lstStyle/>
+          <a:p>
+            <a:r>
+              <a:rPr lang="ja-JP" altLang="en-US" sz="1200" dirty="0"/>
+              <a:t>スクレイピングの処理が呼ばれたら実行し、</a:t>
+            </a:r>
+            <a:r>
+              <a:rPr lang="en-US" altLang="ja-JP" sz="1200" dirty="0"/>
+              <a:t>post</a:t>
+            </a:r>
+            <a:r>
+              <a:rPr lang="ja-JP" altLang="en-US" sz="1200" dirty="0"/>
+              <a:t>構造体のリストを返す</a:t>
+            </a:r>
+            <a:endParaRPr lang="en-US" altLang="ja-JP" sz="1200" dirty="0"/>
+          </a:p>
+          <a:p>
+            <a:r>
+              <a:rPr lang="ja-JP" altLang="en-US" sz="1200" dirty="0"/>
+              <a:t>・</a:t>
+            </a:r>
+            <a:r>
+              <a:rPr lang="en-US" altLang="ja-JP" sz="1200" b="1" dirty="0"/>
+              <a:t>public </a:t>
+            </a:r>
+            <a:r>
+              <a:rPr lang="en-US" altLang="ja-JP" sz="1200" b="1" dirty="0" err="1"/>
+              <a:t>GetPosts</a:t>
+            </a:r>
+            <a:r>
+              <a:rPr lang="en-US" altLang="ja-JP" sz="1200" b="1" dirty="0"/>
+              <a:t> </a:t>
+            </a:r>
+            <a:r>
+              <a:rPr lang="en-US" altLang="ja-JP" sz="1200" dirty="0"/>
+              <a:t>return post</a:t>
+            </a:r>
+            <a:r>
+              <a:rPr lang="ja-JP" altLang="en-US" sz="1200" dirty="0"/>
+              <a:t>のリスト</a:t>
+            </a:r>
+            <a:endParaRPr lang="en-US" altLang="ja-JP" sz="1200" dirty="0"/>
+          </a:p>
+          <a:p>
+            <a:r>
+              <a:rPr lang="ja-JP" altLang="en-US" sz="1200" dirty="0"/>
+              <a:t>・</a:t>
+            </a:r>
+            <a:r>
+              <a:rPr lang="en-US" altLang="ja-JP" sz="1200" b="1" dirty="0"/>
+              <a:t>private </a:t>
+            </a:r>
+            <a:r>
+              <a:rPr lang="en-US" altLang="ja-JP" sz="1200" b="1" dirty="0" err="1"/>
+              <a:t>GetHtml</a:t>
+            </a:r>
+            <a:r>
+              <a:rPr lang="en-US" altLang="ja-JP" sz="1200" b="1" dirty="0"/>
+              <a:t> </a:t>
+            </a:r>
+            <a:r>
+              <a:rPr lang="en-US" altLang="ja-JP" sz="1200" dirty="0"/>
+              <a:t>html</a:t>
+            </a:r>
+            <a:r>
+              <a:rPr lang="ja-JP" altLang="en-US" sz="1200" dirty="0"/>
+              <a:t>の取得</a:t>
+            </a:r>
+            <a:r>
+              <a:rPr lang="en-US" altLang="ja-JP" sz="1200" dirty="0"/>
+              <a:t>(selenium)</a:t>
+            </a:r>
+          </a:p>
+          <a:p>
+            <a:r>
+              <a:rPr lang="ja-JP" altLang="en-US" sz="1200" dirty="0"/>
+              <a:t>・</a:t>
+            </a:r>
+            <a:r>
+              <a:rPr lang="en-US" altLang="ja-JP" sz="1200" b="1" dirty="0"/>
+              <a:t>private </a:t>
+            </a:r>
+            <a:r>
+              <a:rPr lang="en-US" altLang="ja-JP" sz="1200" b="1" dirty="0" err="1"/>
+              <a:t>DocParsePosts</a:t>
+            </a:r>
+            <a:r>
+              <a:rPr lang="en-US" altLang="ja-JP" sz="1200" dirty="0"/>
+              <a:t> </a:t>
+            </a:r>
+            <a:r>
+              <a:rPr lang="en-US" altLang="ja-JP" sz="1200" dirty="0" err="1"/>
+              <a:t>HtmlDocument</a:t>
+            </a:r>
+            <a:r>
+              <a:rPr lang="ja-JP" altLang="en-US" sz="1200" dirty="0"/>
+              <a:t>から</a:t>
+            </a:r>
+            <a:r>
+              <a:rPr lang="en-US" altLang="ja-JP" sz="1200" dirty="0"/>
+              <a:t>Post</a:t>
+            </a:r>
+            <a:r>
+              <a:rPr lang="ja-JP" altLang="en-US" sz="1200" dirty="0"/>
+              <a:t>構造体のリストへデータ抽出＆変換</a:t>
+            </a:r>
+            <a:endParaRPr lang="en-US" altLang="ja-JP" sz="1200" dirty="0"/>
+          </a:p>
+          <a:p>
+            <a:endParaRPr kumimoji="1" lang="ja-JP" altLang="en-US" sz="1200" dirty="0"/>
+          </a:p>
+        </p:txBody>
+      </p:sp>
+      <p:sp>
+        <p:nvSpPr>
+          <p:cNvPr id="8" name="テキスト ボックス 7">
+            <a:extLst>
+              <a:ext uri="{FF2B5EF4-FFF2-40B4-BE49-F238E27FC236}">
+                <a16:creationId xmlns:a16="http://schemas.microsoft.com/office/drawing/2014/main" id="{DB8BB748-AC57-3B69-2657-FE1E53A7D7B5}"/>
+              </a:ext>
+            </a:extLst>
+          </p:cNvPr>
+          <p:cNvSpPr txBox="1"/>
+          <p:nvPr/>
+        </p:nvSpPr>
+        <p:spPr>
+          <a:xfrm>
+            <a:off x="8081818" y="3962372"/>
+            <a:ext cx="4110182" cy="1015663"/>
+          </a:xfrm>
+          <a:prstGeom prst="rect">
+            <a:avLst/>
+          </a:prstGeom>
+          <a:noFill/>
+        </p:spPr>
+        <p:txBody>
+          <a:bodyPr wrap="square" rtlCol="0">
+            <a:spAutoFit/>
+          </a:bodyPr>
+          <a:lstStyle/>
+          <a:p>
+            <a:r>
+              <a:rPr lang="ja-JP" altLang="en-US" sz="1200" dirty="0"/>
+              <a:t>・</a:t>
+            </a:r>
+            <a:r>
+              <a:rPr lang="en-US" altLang="ja-JP" sz="1200" dirty="0"/>
+              <a:t>public </a:t>
+            </a:r>
+            <a:r>
+              <a:rPr lang="en-US" altLang="ja-JP" sz="1200" dirty="0" err="1"/>
+              <a:t>GetPostsNode</a:t>
+            </a:r>
+            <a:r>
+              <a:rPr lang="en-US" altLang="ja-JP" sz="1200" dirty="0"/>
+              <a:t>(</a:t>
+            </a:r>
+            <a:r>
+              <a:rPr lang="en-US" altLang="ja-JP" sz="1200" dirty="0" err="1"/>
+              <a:t>HtmlDocument</a:t>
+            </a:r>
+            <a:r>
+              <a:rPr lang="en-US" altLang="ja-JP" sz="1200" dirty="0"/>
+              <a:t> doc)</a:t>
+            </a:r>
+          </a:p>
+          <a:p>
+            <a:r>
+              <a:rPr lang="ja-JP" altLang="en-US" sz="1200" dirty="0"/>
+              <a:t>・</a:t>
+            </a:r>
+            <a:r>
+              <a:rPr lang="en-US" altLang="ja-JP" sz="1200" dirty="0"/>
+              <a:t>public </a:t>
+            </a:r>
+            <a:r>
+              <a:rPr lang="en-US" altLang="ja-JP" sz="1200" dirty="0" err="1"/>
+              <a:t>GetPostNode</a:t>
+            </a:r>
+            <a:r>
+              <a:rPr lang="en-US" altLang="ja-JP" sz="1200" dirty="0"/>
+              <a:t>(</a:t>
+            </a:r>
+            <a:r>
+              <a:rPr lang="en-US" altLang="ja-JP" sz="1200" dirty="0" err="1"/>
+              <a:t>HtmlNode</a:t>
+            </a:r>
+            <a:r>
+              <a:rPr lang="en-US" altLang="ja-JP" sz="1200" dirty="0"/>
+              <a:t> </a:t>
+            </a:r>
+            <a:r>
+              <a:rPr lang="en-US" altLang="ja-JP" sz="1200" dirty="0" err="1"/>
+              <a:t>postsNode</a:t>
+            </a:r>
+            <a:r>
+              <a:rPr lang="en-US" altLang="ja-JP" sz="1200" dirty="0"/>
+              <a:t>)</a:t>
+            </a:r>
+          </a:p>
+          <a:p>
+            <a:r>
+              <a:rPr lang="ja-JP" altLang="en-US" sz="1200" dirty="0"/>
+              <a:t>・</a:t>
+            </a:r>
+            <a:r>
+              <a:rPr lang="en-US" altLang="ja-JP" sz="1200" dirty="0"/>
+              <a:t>public </a:t>
+            </a:r>
+            <a:r>
+              <a:rPr lang="en-US" altLang="ja-JP" sz="1200" dirty="0" err="1"/>
+              <a:t>GetText</a:t>
+            </a:r>
+            <a:r>
+              <a:rPr lang="en-US" altLang="ja-JP" sz="1200" dirty="0"/>
+              <a:t>(</a:t>
+            </a:r>
+            <a:r>
+              <a:rPr lang="en-US" altLang="ja-JP" sz="1200" dirty="0" err="1"/>
+              <a:t>HtmlNode</a:t>
+            </a:r>
+            <a:r>
+              <a:rPr lang="en-US" altLang="ja-JP" sz="1200" dirty="0"/>
+              <a:t> </a:t>
+            </a:r>
+            <a:r>
+              <a:rPr lang="en-US" altLang="ja-JP" sz="1200" dirty="0" err="1"/>
+              <a:t>TextNode</a:t>
+            </a:r>
+            <a:r>
+              <a:rPr lang="en-US" altLang="ja-JP" sz="1200" dirty="0"/>
+              <a:t>)</a:t>
+            </a:r>
+          </a:p>
+          <a:p>
+            <a:r>
+              <a:rPr lang="ja-JP" altLang="en-US" sz="1200" dirty="0"/>
+              <a:t>・</a:t>
+            </a:r>
+            <a:r>
+              <a:rPr lang="en-US" altLang="ja-JP" sz="1200" dirty="0"/>
+              <a:t>public </a:t>
+            </a:r>
+            <a:r>
+              <a:rPr lang="en-US" altLang="ja-JP" sz="1200" dirty="0" err="1"/>
+              <a:t>GetDate</a:t>
+            </a:r>
+            <a:r>
+              <a:rPr lang="en-US" altLang="ja-JP" sz="1200" dirty="0"/>
+              <a:t>(</a:t>
+            </a:r>
+            <a:r>
+              <a:rPr lang="en-US" altLang="ja-JP" sz="1200" dirty="0" err="1"/>
+              <a:t>HtmlNode</a:t>
+            </a:r>
+            <a:r>
+              <a:rPr lang="en-US" altLang="ja-JP" sz="1200" dirty="0"/>
+              <a:t> </a:t>
+            </a:r>
+            <a:r>
+              <a:rPr lang="en-US" altLang="ja-JP" sz="1200" dirty="0" err="1"/>
+              <a:t>DateNode</a:t>
+            </a:r>
+            <a:r>
+              <a:rPr lang="en-US" altLang="ja-JP" sz="1200" dirty="0"/>
+              <a:t>)</a:t>
+            </a:r>
+          </a:p>
+          <a:p>
+            <a:r>
+              <a:rPr lang="ja-JP" altLang="en-US" sz="1200" dirty="0"/>
+              <a:t>・</a:t>
+            </a:r>
+            <a:r>
+              <a:rPr lang="en-US" altLang="ja-JP" sz="1200" dirty="0"/>
+              <a:t>public </a:t>
+            </a:r>
+            <a:r>
+              <a:rPr lang="en-US" altLang="ja-JP" sz="1200" dirty="0" err="1"/>
+              <a:t>GetUserId</a:t>
+            </a:r>
+            <a:r>
+              <a:rPr lang="en-US" altLang="ja-JP" sz="1200" dirty="0"/>
+              <a:t>(</a:t>
+            </a:r>
+            <a:r>
+              <a:rPr lang="en-US" altLang="ja-JP" sz="1200" dirty="0" err="1"/>
+              <a:t>HtmlNode</a:t>
+            </a:r>
+            <a:r>
+              <a:rPr lang="en-US" altLang="ja-JP" sz="1200" dirty="0"/>
+              <a:t> </a:t>
+            </a:r>
+            <a:r>
+              <a:rPr lang="en-US" altLang="ja-JP" sz="1200" dirty="0" err="1"/>
+              <a:t>UserIdNode</a:t>
+            </a:r>
+            <a:r>
+              <a:rPr lang="en-US" altLang="ja-JP" sz="1200" dirty="0"/>
+              <a:t>)</a:t>
+            </a:r>
+          </a:p>
+        </p:txBody>
+      </p:sp>
+      <p:sp>
+        <p:nvSpPr>
+          <p:cNvPr id="10" name="テキスト ボックス 9">
+            <a:extLst>
+              <a:ext uri="{FF2B5EF4-FFF2-40B4-BE49-F238E27FC236}">
+                <a16:creationId xmlns:a16="http://schemas.microsoft.com/office/drawing/2014/main" id="{E0D925A3-218A-2664-4C15-076F39B80C26}"/>
+              </a:ext>
+            </a:extLst>
+          </p:cNvPr>
+          <p:cNvSpPr txBox="1"/>
+          <p:nvPr/>
+        </p:nvSpPr>
+        <p:spPr>
+          <a:xfrm>
+            <a:off x="600363" y="4064779"/>
+            <a:ext cx="6213767" cy="2292935"/>
+          </a:xfrm>
+          <a:prstGeom prst="rect">
+            <a:avLst/>
+          </a:prstGeom>
+          <a:noFill/>
+        </p:spPr>
+        <p:txBody>
+          <a:bodyPr wrap="square" rtlCol="0">
+            <a:spAutoFit/>
+          </a:bodyPr>
+          <a:lstStyle/>
+          <a:p>
+            <a:r>
+              <a:rPr lang="en-US" altLang="ja-JP" sz="1100" dirty="0" err="1"/>
+              <a:t>HtmlDocument</a:t>
+            </a:r>
+            <a:r>
+              <a:rPr lang="ja-JP" altLang="en-US" sz="1100" dirty="0"/>
+              <a:t>から</a:t>
+            </a:r>
+            <a:r>
+              <a:rPr lang="en-US" altLang="ja-JP" sz="1100" dirty="0"/>
+              <a:t>post</a:t>
+            </a:r>
+            <a:r>
+              <a:rPr lang="ja-JP" altLang="en-US" sz="1100" dirty="0"/>
+              <a:t>データを探索する処理を抽象化し、</a:t>
+            </a:r>
+            <a:r>
+              <a:rPr lang="en-US" altLang="ja-JP" sz="1100" dirty="0" err="1"/>
+              <a:t>scraperOwner</a:t>
+            </a:r>
+            <a:r>
+              <a:rPr lang="ja-JP" altLang="en-US" sz="1100" dirty="0"/>
+              <a:t>へ提供</a:t>
+            </a:r>
+            <a:endParaRPr lang="en-US" altLang="ja-JP" sz="1100" dirty="0"/>
+          </a:p>
+          <a:p>
+            <a:r>
+              <a:rPr lang="en-US" altLang="ja-JP" sz="1100" dirty="0" err="1"/>
+              <a:t>DoCParsePosts</a:t>
+            </a:r>
+            <a:r>
+              <a:rPr lang="ja-JP" altLang="en-US" sz="1100" dirty="0"/>
+              <a:t>の中で、</a:t>
+            </a:r>
+            <a:r>
+              <a:rPr lang="en-US" altLang="ja-JP" sz="1100" dirty="0" err="1"/>
+              <a:t>ScraperLogic</a:t>
+            </a:r>
+            <a:r>
+              <a:rPr lang="ja-JP" altLang="en-US" sz="1100" dirty="0"/>
+              <a:t>クラスの</a:t>
+            </a:r>
+            <a:r>
+              <a:rPr lang="en-US" altLang="ja-JP" sz="1100" dirty="0"/>
+              <a:t>public</a:t>
+            </a:r>
+            <a:r>
+              <a:rPr lang="ja-JP" altLang="en-US" sz="1100" dirty="0"/>
+              <a:t>メソッドを実行し、</a:t>
+            </a:r>
+            <a:r>
+              <a:rPr lang="en-US" altLang="ja-JP" sz="1100" dirty="0"/>
+              <a:t>Post</a:t>
+            </a:r>
+            <a:r>
+              <a:rPr lang="ja-JP" altLang="en-US" sz="1100" dirty="0"/>
+              <a:t>構造体を生成。</a:t>
+            </a:r>
+            <a:endParaRPr lang="en-US" altLang="ja-JP" sz="1100" dirty="0"/>
+          </a:p>
+          <a:p>
+            <a:r>
+              <a:rPr lang="en-US" altLang="ja-JP" sz="1100" dirty="0"/>
+              <a:t>Post</a:t>
+            </a:r>
+            <a:r>
+              <a:rPr lang="ja-JP" altLang="en-US" sz="1100" dirty="0"/>
+              <a:t>がある</a:t>
+            </a:r>
+            <a:r>
+              <a:rPr lang="en-US" altLang="ja-JP" sz="1100" dirty="0"/>
+              <a:t>node</a:t>
+            </a:r>
+            <a:r>
+              <a:rPr lang="ja-JP" altLang="en-US" sz="1100" dirty="0"/>
+              <a:t>を探索 </a:t>
+            </a:r>
+            <a:r>
+              <a:rPr lang="en-US" altLang="ja-JP" sz="1100" dirty="0"/>
+              <a:t>-&gt; Post</a:t>
+            </a:r>
+            <a:r>
+              <a:rPr lang="ja-JP" altLang="en-US" sz="1100" dirty="0"/>
+              <a:t>ひとつひとつの</a:t>
+            </a:r>
+            <a:r>
+              <a:rPr lang="en-US" altLang="ja-JP" sz="1100" dirty="0"/>
+              <a:t>Node</a:t>
+            </a:r>
+            <a:r>
+              <a:rPr lang="ja-JP" altLang="en-US" sz="1100" dirty="0"/>
+              <a:t>をリストで取得</a:t>
+            </a:r>
+            <a:r>
+              <a:rPr lang="en-US" altLang="ja-JP" sz="1100" dirty="0"/>
+              <a:t>-&gt;Post</a:t>
+            </a:r>
+            <a:r>
+              <a:rPr lang="ja-JP" altLang="en-US" sz="1100" dirty="0"/>
+              <a:t>の中のデータを抽出</a:t>
+            </a:r>
+            <a:br>
+              <a:rPr lang="en-US" altLang="ja-JP" sz="1100" dirty="0"/>
+            </a:br>
+            <a:r>
+              <a:rPr lang="ja-JP" altLang="en-US" sz="1100" dirty="0"/>
+              <a:t>各</a:t>
+            </a:r>
+            <a:r>
+              <a:rPr lang="en-US" altLang="ja-JP" sz="1100" dirty="0"/>
+              <a:t>Post</a:t>
+            </a:r>
+            <a:r>
+              <a:rPr lang="ja-JP" altLang="en-US" sz="1100" dirty="0"/>
+              <a:t>の</a:t>
+            </a:r>
+            <a:r>
+              <a:rPr lang="en-US" altLang="ja-JP" sz="1100" dirty="0"/>
+              <a:t>Node</a:t>
+            </a:r>
+            <a:r>
+              <a:rPr lang="ja-JP" altLang="en-US" sz="1100" dirty="0"/>
+              <a:t>から更に</a:t>
+            </a:r>
+            <a:r>
+              <a:rPr lang="en-US" altLang="ja-JP" sz="1100" dirty="0"/>
+              <a:t>Node</a:t>
+            </a:r>
+            <a:r>
+              <a:rPr lang="ja-JP" altLang="en-US" sz="1100" dirty="0"/>
+              <a:t>を深く掘る場合は、</a:t>
+            </a:r>
+            <a:r>
+              <a:rPr lang="en-US" altLang="ja-JP" sz="1100" dirty="0"/>
+              <a:t>Interface</a:t>
+            </a:r>
+            <a:r>
+              <a:rPr lang="ja-JP" altLang="en-US" sz="1100" dirty="0"/>
+              <a:t>とは別にメソッドを定義</a:t>
+            </a:r>
+            <a:r>
+              <a:rPr lang="en-US" altLang="ja-JP" sz="1100" dirty="0"/>
+              <a:t>(</a:t>
+            </a:r>
+            <a:r>
+              <a:rPr lang="en-US" altLang="ja-JP" sz="1100" dirty="0" err="1"/>
+              <a:t>GetTextNode</a:t>
+            </a:r>
+            <a:r>
+              <a:rPr lang="ja-JP" altLang="en-US" sz="1100" dirty="0"/>
+              <a:t>など</a:t>
+            </a:r>
+            <a:r>
+              <a:rPr lang="en-US" altLang="ja-JP" sz="1100" dirty="0"/>
+              <a:t>)</a:t>
+            </a:r>
+          </a:p>
+          <a:p>
+            <a:r>
+              <a:rPr lang="ja-JP" altLang="en-US" sz="1100" dirty="0"/>
+              <a:t>・</a:t>
+            </a:r>
+            <a:r>
+              <a:rPr lang="en-US" altLang="ja-JP" sz="1100" dirty="0"/>
+              <a:t>public </a:t>
+            </a:r>
+            <a:r>
+              <a:rPr lang="en-US" altLang="ja-JP" sz="1100" dirty="0" err="1"/>
+              <a:t>GetPostsNode</a:t>
+            </a:r>
+            <a:r>
+              <a:rPr lang="en-US" altLang="ja-JP" sz="1100" dirty="0"/>
+              <a:t>(</a:t>
+            </a:r>
+            <a:r>
+              <a:rPr lang="en-US" altLang="ja-JP" sz="1100" dirty="0" err="1"/>
+              <a:t>HtmlDocument</a:t>
+            </a:r>
+            <a:r>
+              <a:rPr lang="en-US" altLang="ja-JP" sz="1100" dirty="0"/>
+              <a:t> doc)</a:t>
+            </a:r>
+          </a:p>
+          <a:p>
+            <a:r>
+              <a:rPr lang="ja-JP" altLang="en-US" sz="1100" dirty="0"/>
+              <a:t>・</a:t>
+            </a:r>
+            <a:r>
+              <a:rPr lang="en-US" altLang="ja-JP" sz="1100" dirty="0"/>
+              <a:t>public </a:t>
+            </a:r>
+            <a:r>
+              <a:rPr lang="en-US" altLang="ja-JP" sz="1100" dirty="0" err="1"/>
+              <a:t>GetPostNode</a:t>
+            </a:r>
+            <a:r>
+              <a:rPr lang="en-US" altLang="ja-JP" sz="1100" dirty="0"/>
+              <a:t>(</a:t>
+            </a:r>
+            <a:r>
+              <a:rPr lang="en-US" altLang="ja-JP" sz="1100" dirty="0" err="1"/>
+              <a:t>HtmlNode</a:t>
+            </a:r>
+            <a:r>
+              <a:rPr lang="en-US" altLang="ja-JP" sz="1100" dirty="0"/>
+              <a:t> </a:t>
+            </a:r>
+            <a:r>
+              <a:rPr lang="en-US" altLang="ja-JP" sz="1100" dirty="0" err="1"/>
+              <a:t>postsNode</a:t>
+            </a:r>
+            <a:r>
+              <a:rPr lang="en-US" altLang="ja-JP" sz="1100" dirty="0"/>
+              <a:t>)</a:t>
+            </a:r>
+          </a:p>
+          <a:p>
+            <a:r>
+              <a:rPr lang="ja-JP" altLang="en-US" sz="1100" dirty="0"/>
+              <a:t>・</a:t>
+            </a:r>
+            <a:r>
+              <a:rPr lang="en-US" altLang="ja-JP" sz="1100" dirty="0"/>
+              <a:t>public </a:t>
+            </a:r>
+            <a:r>
+              <a:rPr lang="en-US" altLang="ja-JP" sz="1100" dirty="0" err="1"/>
+              <a:t>GetTextNode</a:t>
+            </a:r>
+            <a:r>
+              <a:rPr lang="en-US" altLang="ja-JP" sz="1100" dirty="0"/>
+              <a:t>(</a:t>
+            </a:r>
+            <a:r>
+              <a:rPr lang="en-US" altLang="ja-JP" sz="1100" dirty="0" err="1"/>
+              <a:t>HtmlNode</a:t>
+            </a:r>
+            <a:r>
+              <a:rPr lang="en-US" altLang="ja-JP" sz="1100" dirty="0"/>
+              <a:t> </a:t>
+            </a:r>
+            <a:r>
+              <a:rPr lang="en-US" altLang="ja-JP" sz="1100" dirty="0" err="1"/>
+              <a:t>postNode</a:t>
+            </a:r>
+            <a:r>
+              <a:rPr lang="en-US" altLang="ja-JP" sz="1100" dirty="0"/>
+              <a:t>)</a:t>
+            </a:r>
+          </a:p>
+          <a:p>
+            <a:r>
+              <a:rPr lang="ja-JP" altLang="en-US" sz="1100" dirty="0"/>
+              <a:t>・</a:t>
+            </a:r>
+            <a:r>
+              <a:rPr lang="en-US" altLang="ja-JP" sz="1100" dirty="0"/>
+              <a:t>public </a:t>
+            </a:r>
+            <a:r>
+              <a:rPr lang="en-US" altLang="ja-JP" sz="1100" dirty="0" err="1"/>
+              <a:t>GetText</a:t>
+            </a:r>
+            <a:r>
+              <a:rPr lang="en-US" altLang="ja-JP" sz="1100" dirty="0"/>
+              <a:t>(</a:t>
+            </a:r>
+            <a:r>
+              <a:rPr lang="en-US" altLang="ja-JP" sz="1100" dirty="0" err="1"/>
+              <a:t>HtmlNode</a:t>
+            </a:r>
+            <a:r>
+              <a:rPr lang="en-US" altLang="ja-JP" sz="1100" dirty="0"/>
+              <a:t> </a:t>
+            </a:r>
+            <a:r>
+              <a:rPr lang="en-US" altLang="ja-JP" sz="1100" dirty="0" err="1"/>
+              <a:t>TextNode</a:t>
+            </a:r>
+            <a:r>
+              <a:rPr lang="en-US" altLang="ja-JP" sz="1100" dirty="0"/>
+              <a:t>)</a:t>
+            </a:r>
+          </a:p>
+          <a:p>
+            <a:r>
+              <a:rPr lang="ja-JP" altLang="en-US" sz="1100" dirty="0"/>
+              <a:t>・</a:t>
+            </a:r>
+            <a:r>
+              <a:rPr lang="en-US" altLang="ja-JP" sz="1100" dirty="0"/>
+              <a:t>public </a:t>
+            </a:r>
+            <a:r>
+              <a:rPr lang="en-US" altLang="ja-JP" sz="1100" dirty="0" err="1"/>
+              <a:t>GetDateNode</a:t>
+            </a:r>
+            <a:r>
+              <a:rPr lang="en-US" altLang="ja-JP" sz="1100" dirty="0"/>
+              <a:t>(</a:t>
+            </a:r>
+            <a:r>
+              <a:rPr lang="en-US" altLang="ja-JP" sz="1100" dirty="0" err="1"/>
+              <a:t>HtmlNode</a:t>
+            </a:r>
+            <a:r>
+              <a:rPr lang="en-US" altLang="ja-JP" sz="1100" dirty="0"/>
+              <a:t> </a:t>
+            </a:r>
+            <a:r>
+              <a:rPr lang="en-US" altLang="ja-JP" sz="1100" dirty="0" err="1"/>
+              <a:t>postNode</a:t>
+            </a:r>
+            <a:r>
+              <a:rPr lang="en-US" altLang="ja-JP" sz="1100" dirty="0"/>
+              <a:t>)</a:t>
+            </a:r>
+          </a:p>
+          <a:p>
+            <a:r>
+              <a:rPr lang="ja-JP" altLang="en-US" sz="1100" dirty="0"/>
+              <a:t>・</a:t>
+            </a:r>
+            <a:r>
+              <a:rPr lang="en-US" altLang="ja-JP" sz="1100" dirty="0"/>
+              <a:t>public </a:t>
+            </a:r>
+            <a:r>
+              <a:rPr lang="en-US" altLang="ja-JP" sz="1100" dirty="0" err="1"/>
+              <a:t>GetDate</a:t>
+            </a:r>
+            <a:r>
+              <a:rPr lang="en-US" altLang="ja-JP" sz="1100" dirty="0"/>
+              <a:t>(</a:t>
+            </a:r>
+            <a:r>
+              <a:rPr lang="en-US" altLang="ja-JP" sz="1100" dirty="0" err="1"/>
+              <a:t>HtmlNode</a:t>
+            </a:r>
+            <a:r>
+              <a:rPr lang="en-US" altLang="ja-JP" sz="1100" dirty="0"/>
+              <a:t> </a:t>
+            </a:r>
+            <a:r>
+              <a:rPr lang="en-US" altLang="ja-JP" sz="1100" dirty="0" err="1"/>
+              <a:t>DateNode</a:t>
+            </a:r>
+            <a:r>
+              <a:rPr lang="en-US" altLang="ja-JP" sz="1100" dirty="0"/>
+              <a:t>)</a:t>
+            </a:r>
+          </a:p>
+          <a:p>
+            <a:r>
+              <a:rPr lang="ja-JP" altLang="en-US" sz="1100" dirty="0"/>
+              <a:t>・</a:t>
+            </a:r>
+            <a:r>
+              <a:rPr lang="en-US" altLang="ja-JP" sz="1100" dirty="0"/>
+              <a:t>public </a:t>
+            </a:r>
+            <a:r>
+              <a:rPr lang="en-US" altLang="ja-JP" sz="1100" dirty="0" err="1"/>
+              <a:t>GetUserIdNode</a:t>
+            </a:r>
+            <a:r>
+              <a:rPr lang="en-US" altLang="ja-JP" sz="1100" dirty="0"/>
+              <a:t>(</a:t>
+            </a:r>
+            <a:r>
+              <a:rPr lang="en-US" altLang="ja-JP" sz="1100" dirty="0" err="1"/>
+              <a:t>HtmlNode</a:t>
+            </a:r>
+            <a:r>
+              <a:rPr lang="en-US" altLang="ja-JP" sz="1100" dirty="0"/>
+              <a:t> </a:t>
+            </a:r>
+            <a:r>
+              <a:rPr lang="en-US" altLang="ja-JP" sz="1100" dirty="0" err="1"/>
+              <a:t>postNode</a:t>
+            </a:r>
+            <a:r>
+              <a:rPr lang="en-US" altLang="ja-JP" sz="1100" dirty="0"/>
+              <a:t>)</a:t>
+            </a:r>
+          </a:p>
+          <a:p>
+            <a:r>
+              <a:rPr lang="ja-JP" altLang="en-US" sz="1100" dirty="0"/>
+              <a:t>・</a:t>
+            </a:r>
+            <a:r>
+              <a:rPr lang="en-US" altLang="ja-JP" sz="1100" dirty="0"/>
+              <a:t>public </a:t>
+            </a:r>
+            <a:r>
+              <a:rPr lang="en-US" altLang="ja-JP" sz="1100" dirty="0" err="1"/>
+              <a:t>GetUserId</a:t>
+            </a:r>
+            <a:r>
+              <a:rPr lang="en-US" altLang="ja-JP" sz="1100" dirty="0"/>
+              <a:t>(</a:t>
+            </a:r>
+            <a:r>
+              <a:rPr lang="en-US" altLang="ja-JP" sz="1100" dirty="0" err="1"/>
+              <a:t>HtmlNode</a:t>
+            </a:r>
+            <a:r>
+              <a:rPr lang="en-US" altLang="ja-JP" sz="1100" dirty="0"/>
+              <a:t> </a:t>
+            </a:r>
+            <a:r>
+              <a:rPr lang="en-US" altLang="ja-JP" sz="1100" dirty="0" err="1"/>
+              <a:t>UserIdNode</a:t>
+            </a:r>
+            <a:r>
+              <a:rPr lang="en-US" altLang="ja-JP" sz="1100" dirty="0"/>
+              <a:t>)</a:t>
+            </a:r>
+          </a:p>
+        </p:txBody>
+      </p:sp>
+      <p:sp>
+        <p:nvSpPr>
+          <p:cNvPr id="12" name="正方形/長方形 11">
+            <a:extLst>
+              <a:ext uri="{FF2B5EF4-FFF2-40B4-BE49-F238E27FC236}">
+                <a16:creationId xmlns:a16="http://schemas.microsoft.com/office/drawing/2014/main" id="{76C38A58-811E-EBB0-6496-0A416BB3EEAD}"/>
+              </a:ext>
+            </a:extLst>
+          </p:cNvPr>
+          <p:cNvSpPr/>
+          <p:nvPr/>
+        </p:nvSpPr>
+        <p:spPr>
+          <a:xfrm>
+            <a:off x="8603672" y="3444874"/>
+            <a:ext cx="2456873" cy="373497"/>
+          </a:xfrm>
+          <a:prstGeom prst="rect">
+            <a:avLst/>
+          </a:prstGeom>
+        </p:spPr>
+        <p:style>
+          <a:lnRef idx="2">
+            <a:schemeClr val="accent1">
+              <a:shade val="15000"/>
+            </a:schemeClr>
+          </a:lnRef>
+          <a:fillRef idx="1">
+            <a:schemeClr val="accent1"/>
+          </a:fillRef>
+          <a:effectRef idx="0">
+            <a:schemeClr val="accent1"/>
+          </a:effectRef>
+          <a:fontRef idx="minor">
+            <a:schemeClr val="lt1"/>
+          </a:fontRef>
+        </p:style>
+        <p:txBody>
+          <a:bodyPr rtlCol="0" anchor="ctr"/>
+          <a:lstStyle/>
+          <a:p>
+            <a:pPr algn="ctr"/>
+            <a:r>
+              <a:rPr kumimoji="1" lang="en-US" altLang="ja-JP" dirty="0" err="1"/>
+              <a:t>IscraperLogic</a:t>
+            </a:r>
+            <a:endParaRPr kumimoji="1" lang="ja-JP" altLang="en-US" dirty="0"/>
+          </a:p>
+        </p:txBody>
+      </p:sp>
+      <p:sp>
+        <p:nvSpPr>
+          <p:cNvPr id="13" name="テキスト ボックス 12">
+            <a:extLst>
+              <a:ext uri="{FF2B5EF4-FFF2-40B4-BE49-F238E27FC236}">
+                <a16:creationId xmlns:a16="http://schemas.microsoft.com/office/drawing/2014/main" id="{5BCDE297-3115-E0E3-878B-CAF88AFDA553}"/>
+              </a:ext>
+            </a:extLst>
+          </p:cNvPr>
+          <p:cNvSpPr txBox="1"/>
+          <p:nvPr/>
+        </p:nvSpPr>
+        <p:spPr>
+          <a:xfrm>
+            <a:off x="8767621" y="1694896"/>
+            <a:ext cx="3043383" cy="276999"/>
+          </a:xfrm>
+          <a:prstGeom prst="rect">
+            <a:avLst/>
+          </a:prstGeom>
+          <a:noFill/>
+        </p:spPr>
+        <p:txBody>
+          <a:bodyPr wrap="square" rtlCol="0">
+            <a:spAutoFit/>
+          </a:bodyPr>
+          <a:lstStyle/>
+          <a:p>
+            <a:r>
+              <a:rPr lang="ja-JP" altLang="en-US" sz="1200" dirty="0"/>
+              <a:t>・</a:t>
+            </a:r>
+            <a:r>
+              <a:rPr lang="en-US" altLang="ja-JP" sz="1200" dirty="0"/>
+              <a:t>public </a:t>
+            </a:r>
+            <a:r>
+              <a:rPr lang="en-US" altLang="ja-JP" sz="1200" dirty="0" err="1"/>
+              <a:t>GetPosts</a:t>
+            </a:r>
+            <a:r>
+              <a:rPr lang="en-US" altLang="ja-JP" sz="1200" dirty="0"/>
+              <a:t>()</a:t>
+            </a:r>
+            <a:endParaRPr kumimoji="1" lang="ja-JP" altLang="en-US" sz="1200" dirty="0"/>
+          </a:p>
+        </p:txBody>
+      </p:sp>
+      <p:sp>
+        <p:nvSpPr>
+          <p:cNvPr id="14" name="テキスト ボックス 13">
+            <a:extLst>
+              <a:ext uri="{FF2B5EF4-FFF2-40B4-BE49-F238E27FC236}">
+                <a16:creationId xmlns:a16="http://schemas.microsoft.com/office/drawing/2014/main" id="{D6E3DE33-A554-FD11-CC99-3CB841505A77}"/>
+              </a:ext>
+            </a:extLst>
+          </p:cNvPr>
+          <p:cNvSpPr txBox="1"/>
+          <p:nvPr/>
+        </p:nvSpPr>
+        <p:spPr>
+          <a:xfrm>
+            <a:off x="380995" y="576516"/>
+            <a:ext cx="8386625" cy="523220"/>
+          </a:xfrm>
+          <a:prstGeom prst="rect">
+            <a:avLst/>
+          </a:prstGeom>
+          <a:noFill/>
+        </p:spPr>
+        <p:txBody>
+          <a:bodyPr wrap="square" rtlCol="0">
+            <a:spAutoFit/>
+          </a:bodyPr>
+          <a:lstStyle/>
+          <a:p>
+            <a:r>
+              <a:rPr lang="en-US" altLang="ja-JP" sz="1400" b="1" dirty="0" err="1"/>
+              <a:t>ScraperOwner</a:t>
+            </a:r>
+            <a:r>
+              <a:rPr lang="ja-JP" altLang="en-US" sz="1400" b="1" dirty="0"/>
+              <a:t>は</a:t>
+            </a:r>
+            <a:r>
+              <a:rPr lang="en-US" altLang="ja-JP" sz="1400" b="1" dirty="0"/>
+              <a:t>1</a:t>
+            </a:r>
+            <a:r>
+              <a:rPr lang="ja-JP" altLang="en-US" sz="1400" b="1" dirty="0"/>
+              <a:t>つ</a:t>
+            </a:r>
+            <a:endParaRPr lang="en-US" altLang="ja-JP" sz="1400" b="1" dirty="0"/>
+          </a:p>
+          <a:p>
+            <a:r>
+              <a:rPr kumimoji="1" lang="ja-JP" altLang="en-US" sz="1400" b="1" dirty="0"/>
+              <a:t>サイト毎の処理は</a:t>
+            </a:r>
+            <a:r>
+              <a:rPr kumimoji="1" lang="en-US" altLang="ja-JP" sz="1400" b="1" dirty="0" err="1"/>
+              <a:t>ScraperLogic</a:t>
+            </a:r>
+            <a:r>
+              <a:rPr kumimoji="1" lang="ja-JP" altLang="en-US" sz="1400" b="1" dirty="0"/>
+              <a:t>で実装し</a:t>
+            </a:r>
+            <a:r>
+              <a:rPr kumimoji="1" lang="en-US" altLang="ja-JP" sz="1400" b="1" dirty="0"/>
+              <a:t>(</a:t>
+            </a:r>
+            <a:r>
+              <a:rPr kumimoji="1" lang="ja-JP" altLang="en-US" sz="1400" b="1" dirty="0"/>
+              <a:t>サイト</a:t>
+            </a:r>
+            <a:r>
+              <a:rPr kumimoji="1" lang="en-US" altLang="ja-JP" sz="1400" b="1" dirty="0"/>
+              <a:t>1 </a:t>
+            </a:r>
+            <a:r>
+              <a:rPr lang="en-US" altLang="ja-JP" sz="1400" b="1" dirty="0"/>
+              <a:t>: </a:t>
+            </a:r>
+            <a:r>
+              <a:rPr kumimoji="1" lang="en-US" altLang="ja-JP" sz="1400" b="1" dirty="0"/>
+              <a:t>ScraperLogic1)</a:t>
+            </a:r>
+            <a:r>
+              <a:rPr kumimoji="1" lang="ja-JP" altLang="en-US" sz="1400" b="1" dirty="0"/>
+              <a:t>、</a:t>
+            </a:r>
+            <a:r>
+              <a:rPr kumimoji="1" lang="en-US" altLang="ja-JP" sz="1400" b="1" dirty="0" err="1"/>
+              <a:t>ScraperOwner</a:t>
+            </a:r>
+            <a:r>
+              <a:rPr kumimoji="1" lang="ja-JP" altLang="en-US" sz="1400" b="1" dirty="0"/>
+              <a:t>に提供する</a:t>
+            </a:r>
+          </a:p>
+        </p:txBody>
+      </p:sp>
+      <p:sp>
+        <p:nvSpPr>
+          <p:cNvPr id="16" name="テキスト ボックス 15">
+            <a:extLst>
+              <a:ext uri="{FF2B5EF4-FFF2-40B4-BE49-F238E27FC236}">
+                <a16:creationId xmlns:a16="http://schemas.microsoft.com/office/drawing/2014/main" id="{D67DADA6-49BB-714D-F72F-831ACF370ACD}"/>
+              </a:ext>
+            </a:extLst>
+          </p:cNvPr>
+          <p:cNvSpPr txBox="1"/>
+          <p:nvPr/>
+        </p:nvSpPr>
+        <p:spPr>
+          <a:xfrm>
+            <a:off x="2466109" y="138545"/>
+            <a:ext cx="2309091" cy="369332"/>
+          </a:xfrm>
+          <a:prstGeom prst="rect">
+            <a:avLst/>
+          </a:prstGeom>
+          <a:noFill/>
+        </p:spPr>
+        <p:txBody>
+          <a:bodyPr wrap="square" rtlCol="0">
+            <a:spAutoFit/>
+          </a:bodyPr>
+          <a:lstStyle/>
+          <a:p>
+            <a:r>
+              <a:rPr kumimoji="1" lang="en-US" altLang="ja-JP" dirty="0"/>
+              <a:t>Scraper</a:t>
+            </a:r>
+            <a:r>
+              <a:rPr kumimoji="1" lang="ja-JP" altLang="en-US" dirty="0"/>
+              <a:t>設計</a:t>
+            </a:r>
+          </a:p>
+        </p:txBody>
+      </p:sp>
+      <p:cxnSp>
+        <p:nvCxnSpPr>
+          <p:cNvPr id="18" name="直線矢印コネクタ 17">
+            <a:extLst>
+              <a:ext uri="{FF2B5EF4-FFF2-40B4-BE49-F238E27FC236}">
+                <a16:creationId xmlns:a16="http://schemas.microsoft.com/office/drawing/2014/main" id="{30C21D28-345C-CB17-E6CA-567007C00A06}"/>
+              </a:ext>
+            </a:extLst>
+          </p:cNvPr>
+          <p:cNvCxnSpPr/>
+          <p:nvPr/>
+        </p:nvCxnSpPr>
+        <p:spPr>
+          <a:xfrm flipH="1">
+            <a:off x="4775200" y="1403927"/>
+            <a:ext cx="3445164" cy="0"/>
+          </a:xfrm>
+          <a:prstGeom prst="straightConnector1">
+            <a:avLst/>
+          </a:prstGeom>
+          <a:ln>
+            <a:tailEnd type="triangle"/>
+          </a:ln>
+        </p:spPr>
+        <p:style>
+          <a:lnRef idx="2">
+            <a:schemeClr val="accent1"/>
+          </a:lnRef>
+          <a:fillRef idx="0">
+            <a:schemeClr val="accent1"/>
+          </a:fillRef>
+          <a:effectRef idx="1">
+            <a:schemeClr val="accent1"/>
+          </a:effectRef>
+          <a:fontRef idx="minor">
+            <a:schemeClr val="tx1"/>
+          </a:fontRef>
+        </p:style>
+      </p:cxnSp>
+      <p:cxnSp>
+        <p:nvCxnSpPr>
+          <p:cNvPr id="19" name="直線矢印コネクタ 18">
+            <a:extLst>
+              <a:ext uri="{FF2B5EF4-FFF2-40B4-BE49-F238E27FC236}">
+                <a16:creationId xmlns:a16="http://schemas.microsoft.com/office/drawing/2014/main" id="{57141325-AFC9-0753-A6E6-9C74DD8F6C04}"/>
+              </a:ext>
+            </a:extLst>
+          </p:cNvPr>
+          <p:cNvCxnSpPr/>
+          <p:nvPr/>
+        </p:nvCxnSpPr>
+        <p:spPr>
+          <a:xfrm flipH="1">
+            <a:off x="4775200" y="3634509"/>
+            <a:ext cx="3445164" cy="0"/>
+          </a:xfrm>
+          <a:prstGeom prst="straightConnector1">
+            <a:avLst/>
+          </a:prstGeom>
+          <a:ln>
+            <a:tailEnd type="triangle"/>
+          </a:ln>
+        </p:spPr>
+        <p:style>
+          <a:lnRef idx="2">
+            <a:schemeClr val="accent1"/>
+          </a:lnRef>
+          <a:fillRef idx="0">
+            <a:schemeClr val="accent1"/>
+          </a:fillRef>
+          <a:effectRef idx="1">
+            <a:schemeClr val="accent1"/>
+          </a:effectRef>
+          <a:fontRef idx="minor">
+            <a:schemeClr val="tx1"/>
+          </a:fontRef>
+        </p:style>
+      </p:cxnSp>
+      <p:sp>
+        <p:nvSpPr>
+          <p:cNvPr id="20" name="テキスト ボックス 19">
+            <a:extLst>
+              <a:ext uri="{FF2B5EF4-FFF2-40B4-BE49-F238E27FC236}">
+                <a16:creationId xmlns:a16="http://schemas.microsoft.com/office/drawing/2014/main" id="{10CDF77C-71BF-C552-BC55-F13D960A138E}"/>
+              </a:ext>
+            </a:extLst>
+          </p:cNvPr>
+          <p:cNvSpPr txBox="1"/>
+          <p:nvPr/>
+        </p:nvSpPr>
+        <p:spPr>
+          <a:xfrm>
+            <a:off x="5063837" y="1403927"/>
+            <a:ext cx="1260763" cy="307777"/>
+          </a:xfrm>
+          <a:prstGeom prst="rect">
+            <a:avLst/>
+          </a:prstGeom>
+          <a:noFill/>
+        </p:spPr>
+        <p:txBody>
+          <a:bodyPr wrap="square" rtlCol="0">
+            <a:spAutoFit/>
+          </a:bodyPr>
+          <a:lstStyle/>
+          <a:p>
+            <a:r>
+              <a:rPr kumimoji="1" lang="ja-JP" altLang="en-US" sz="1400" dirty="0"/>
+              <a:t>実装</a:t>
+            </a:r>
+          </a:p>
+        </p:txBody>
+      </p:sp>
+      <p:sp>
+        <p:nvSpPr>
+          <p:cNvPr id="21" name="テキスト ボックス 20">
+            <a:extLst>
+              <a:ext uri="{FF2B5EF4-FFF2-40B4-BE49-F238E27FC236}">
+                <a16:creationId xmlns:a16="http://schemas.microsoft.com/office/drawing/2014/main" id="{6CB25E7C-9360-23B0-F40A-29E246B63AC3}"/>
+              </a:ext>
+            </a:extLst>
+          </p:cNvPr>
+          <p:cNvSpPr txBox="1"/>
+          <p:nvPr/>
+        </p:nvSpPr>
+        <p:spPr>
+          <a:xfrm>
+            <a:off x="4920674" y="3627267"/>
+            <a:ext cx="1260763" cy="307777"/>
+          </a:xfrm>
+          <a:prstGeom prst="rect">
+            <a:avLst/>
+          </a:prstGeom>
+          <a:noFill/>
+        </p:spPr>
+        <p:txBody>
+          <a:bodyPr wrap="square" rtlCol="0">
+            <a:spAutoFit/>
+          </a:bodyPr>
+          <a:lstStyle/>
+          <a:p>
+            <a:r>
+              <a:rPr kumimoji="1" lang="ja-JP" altLang="en-US" sz="1400" dirty="0"/>
+              <a:t>実装</a:t>
+            </a:r>
+          </a:p>
+        </p:txBody>
+      </p:sp>
+    </p:spTree>
+    <p:extLst>
+      <p:ext uri="{BB962C8B-B14F-4D97-AF65-F5344CB8AC3E}">
+        <p14:creationId xmlns:p14="http://schemas.microsoft.com/office/powerpoint/2010/main" val="471335971"/>
+      </p:ext>
+    </p:extLst>
+  </p:cSld>
+  <p:clrMapOvr>
+    <a:masterClrMapping/>
+  </p:clrMapOvr>
+</p:sld>
+</file>
+
+<file path=ppt/slides/slide6.xml><?xml version="1.0" encoding="utf-8"?>
+<p:sld xmlns:a="http://schemas.openxmlformats.org/drawingml/2006/main" xmlns:r="http://schemas.openxmlformats.org/officeDocument/2006/relationships" xmlns:p="http://schemas.openxmlformats.org/presentationml/2006/main">
+  <p:cSld>
+    <p:spTree>
+      <p:nvGrpSpPr>
+        <p:cNvPr id="1" name=""/>
+        <p:cNvGrpSpPr/>
+        <p:nvPr/>
+      </p:nvGrpSpPr>
+      <p:grpSpPr>
+        <a:xfrm>
+          <a:off x="0" y="0"/>
+          <a:ext cx="0" cy="0"/>
+          <a:chOff x="0" y="0"/>
+          <a:chExt cx="0" cy="0"/>
+        </a:xfrm>
+      </p:grpSpPr>
+      <p:pic>
+        <p:nvPicPr>
+          <p:cNvPr id="12" name="グラフィックス 11" descr="ブラウザー ウィンドウ 枠線">
+            <a:extLst>
+              <a:ext uri="{FF2B5EF4-FFF2-40B4-BE49-F238E27FC236}">
+                <a16:creationId xmlns:a16="http://schemas.microsoft.com/office/drawing/2014/main" id="{465DDB9D-67C7-CF66-E2F9-AE85AAF08F90}"/>
+              </a:ext>
+            </a:extLst>
+          </p:cNvPr>
+          <p:cNvPicPr>
+            <a:picLocks noChangeAspect="1"/>
+          </p:cNvPicPr>
+          <p:nvPr/>
+        </p:nvPicPr>
+        <p:blipFill>
+          <a:blip r:embed="rId2">
+            <a:extLst>
+              <a:ext uri="{96DAC541-7B7A-43D3-8B79-37D633B846F1}">
+                <asvg:svgBlip xmlns:asvg="http://schemas.microsoft.com/office/drawing/2016/SVG/main" r:embed="rId3"/>
+              </a:ext>
+            </a:extLst>
+          </a:blip>
+          <a:stretch>
+            <a:fillRect/>
+          </a:stretch>
+        </p:blipFill>
+        <p:spPr>
+          <a:xfrm>
+            <a:off x="315787" y="1693716"/>
+            <a:ext cx="1140691" cy="914400"/>
+          </a:xfrm>
+          <a:prstGeom prst="rect">
+            <a:avLst/>
+          </a:prstGeom>
+        </p:spPr>
+      </p:pic>
+      <p:sp>
+        <p:nvSpPr>
+          <p:cNvPr id="15" name="四角形: 角を丸くする 14">
+            <a:extLst>
+              <a:ext uri="{FF2B5EF4-FFF2-40B4-BE49-F238E27FC236}">
+                <a16:creationId xmlns:a16="http://schemas.microsoft.com/office/drawing/2014/main" id="{73DA935B-B506-38E3-FDEA-4E4F05D6EBB9}"/>
+              </a:ext>
+            </a:extLst>
+          </p:cNvPr>
+          <p:cNvSpPr/>
+          <p:nvPr/>
+        </p:nvSpPr>
+        <p:spPr>
+          <a:xfrm>
+            <a:off x="3139423" y="1936278"/>
+            <a:ext cx="1319649" cy="429276"/>
+          </a:xfrm>
+          <a:prstGeom prst="roundRect">
+            <a:avLst/>
+          </a:prstGeom>
+        </p:spPr>
+        <p:style>
+          <a:lnRef idx="2">
+            <a:schemeClr val="accent1">
+              <a:shade val="15000"/>
+            </a:schemeClr>
+          </a:lnRef>
+          <a:fillRef idx="1">
+            <a:schemeClr val="accent1"/>
+          </a:fillRef>
+          <a:effectRef idx="0">
+            <a:schemeClr val="accent1"/>
+          </a:effectRef>
+          <a:fontRef idx="minor">
+            <a:schemeClr val="lt1"/>
+          </a:fontRef>
+        </p:style>
+        <p:txBody>
+          <a:bodyPr rtlCol="0" anchor="ctr"/>
+          <a:lstStyle/>
+          <a:p>
+            <a:pPr algn="ctr"/>
+            <a:r>
+              <a:rPr lang="ja-JP" altLang="en-US" sz="1100" dirty="0"/>
+              <a:t>スクレイパー</a:t>
+            </a:r>
+            <a:br>
+              <a:rPr lang="en-US" altLang="ja-JP" sz="1100" dirty="0"/>
+            </a:br>
+            <a:r>
+              <a:rPr lang="en-US" altLang="ja-JP" sz="1100" dirty="0"/>
+              <a:t>Interface</a:t>
+            </a:r>
+          </a:p>
+        </p:txBody>
+      </p:sp>
+      <p:sp>
+        <p:nvSpPr>
+          <p:cNvPr id="16" name="四角形: 角を丸くする 15">
+            <a:extLst>
+              <a:ext uri="{FF2B5EF4-FFF2-40B4-BE49-F238E27FC236}">
+                <a16:creationId xmlns:a16="http://schemas.microsoft.com/office/drawing/2014/main" id="{DDB01894-7608-0F99-D88D-7CA8CF2A629C}"/>
+              </a:ext>
+            </a:extLst>
+          </p:cNvPr>
+          <p:cNvSpPr/>
+          <p:nvPr/>
+        </p:nvSpPr>
+        <p:spPr>
+          <a:xfrm>
+            <a:off x="1564415" y="1998805"/>
+            <a:ext cx="924785" cy="249543"/>
+          </a:xfrm>
+          <a:prstGeom prst="roundRect">
+            <a:avLst/>
+          </a:prstGeom>
+        </p:spPr>
+        <p:style>
+          <a:lnRef idx="2">
+            <a:schemeClr val="accent1">
+              <a:shade val="15000"/>
+            </a:schemeClr>
+          </a:lnRef>
+          <a:fillRef idx="1">
+            <a:schemeClr val="accent1"/>
+          </a:fillRef>
+          <a:effectRef idx="0">
+            <a:schemeClr val="accent1"/>
+          </a:effectRef>
+          <a:fontRef idx="minor">
+            <a:schemeClr val="lt1"/>
+          </a:fontRef>
+        </p:style>
+        <p:txBody>
+          <a:bodyPr rtlCol="0" anchor="ctr"/>
+          <a:lstStyle/>
+          <a:p>
+            <a:pPr algn="ctr"/>
+            <a:r>
+              <a:rPr lang="ja-JP" altLang="en-US" sz="900" dirty="0"/>
+              <a:t>スクレイパー</a:t>
+            </a:r>
+            <a:endParaRPr lang="en-US" altLang="ja-JP" sz="900" dirty="0"/>
+          </a:p>
+        </p:txBody>
+      </p:sp>
+      <p:sp>
+        <p:nvSpPr>
+          <p:cNvPr id="57" name="四角形: 角を丸くする 56">
+            <a:extLst>
+              <a:ext uri="{FF2B5EF4-FFF2-40B4-BE49-F238E27FC236}">
+                <a16:creationId xmlns:a16="http://schemas.microsoft.com/office/drawing/2014/main" id="{D62F9A93-58F9-6E17-CC63-6836F6573395}"/>
+              </a:ext>
+            </a:extLst>
+          </p:cNvPr>
+          <p:cNvSpPr/>
+          <p:nvPr/>
+        </p:nvSpPr>
+        <p:spPr>
+          <a:xfrm>
+            <a:off x="4640634" y="3404298"/>
+            <a:ext cx="1211242" cy="574834"/>
+          </a:xfrm>
+          <a:prstGeom prst="roundRect">
+            <a:avLst/>
+          </a:prstGeom>
+        </p:spPr>
+        <p:style>
+          <a:lnRef idx="2">
+            <a:schemeClr val="accent1">
+              <a:shade val="15000"/>
+            </a:schemeClr>
+          </a:lnRef>
+          <a:fillRef idx="1">
+            <a:schemeClr val="accent1"/>
+          </a:fillRef>
+          <a:effectRef idx="0">
+            <a:schemeClr val="accent1"/>
+          </a:effectRef>
+          <a:fontRef idx="minor">
+            <a:schemeClr val="lt1"/>
+          </a:fontRef>
+        </p:style>
+        <p:txBody>
+          <a:bodyPr rtlCol="0" anchor="ctr"/>
+          <a:lstStyle/>
+          <a:p>
+            <a:pPr algn="ctr"/>
+            <a:r>
+              <a:rPr lang="en-US" altLang="ja-JP" dirty="0"/>
+              <a:t>UI</a:t>
+            </a:r>
+          </a:p>
+        </p:txBody>
+      </p:sp>
+      <p:sp>
+        <p:nvSpPr>
+          <p:cNvPr id="58" name="四角形: 角を丸くする 57">
+            <a:extLst>
+              <a:ext uri="{FF2B5EF4-FFF2-40B4-BE49-F238E27FC236}">
+                <a16:creationId xmlns:a16="http://schemas.microsoft.com/office/drawing/2014/main" id="{8D28EBA5-7EB1-B73B-98C8-05CED8660590}"/>
+              </a:ext>
+            </a:extLst>
+          </p:cNvPr>
+          <p:cNvSpPr/>
+          <p:nvPr/>
+        </p:nvSpPr>
+        <p:spPr>
+          <a:xfrm>
+            <a:off x="4640634" y="4107981"/>
+            <a:ext cx="1223818" cy="362419"/>
+          </a:xfrm>
+          <a:prstGeom prst="roundRect">
+            <a:avLst/>
+          </a:prstGeom>
+        </p:spPr>
+        <p:style>
+          <a:lnRef idx="2">
+            <a:schemeClr val="accent1"/>
+          </a:lnRef>
+          <a:fillRef idx="1">
+            <a:schemeClr val="lt1"/>
+          </a:fillRef>
+          <a:effectRef idx="0">
+            <a:schemeClr val="accent1"/>
+          </a:effectRef>
+          <a:fontRef idx="minor">
+            <a:schemeClr val="dk1"/>
+          </a:fontRef>
+        </p:style>
+        <p:txBody>
+          <a:bodyPr rtlCol="0" anchor="ctr"/>
+          <a:lstStyle/>
+          <a:p>
+            <a:pPr algn="ctr"/>
+            <a:r>
+              <a:rPr kumimoji="1" lang="ja-JP" altLang="en-US" sz="1200" dirty="0"/>
+              <a:t>レスの表示</a:t>
+            </a:r>
+            <a:endParaRPr kumimoji="1" lang="en-US" altLang="ja-JP" sz="1200" dirty="0"/>
+          </a:p>
+        </p:txBody>
+      </p:sp>
+      <p:cxnSp>
+        <p:nvCxnSpPr>
+          <p:cNvPr id="5" name="直線矢印コネクタ 4">
+            <a:extLst>
+              <a:ext uri="{FF2B5EF4-FFF2-40B4-BE49-F238E27FC236}">
+                <a16:creationId xmlns:a16="http://schemas.microsoft.com/office/drawing/2014/main" id="{75DA2B0F-05E9-FB74-49E6-77FC04BD0196}"/>
+              </a:ext>
+            </a:extLst>
+          </p:cNvPr>
+          <p:cNvCxnSpPr>
+            <a:cxnSpLocks/>
+          </p:cNvCxnSpPr>
+          <p:nvPr/>
+        </p:nvCxnSpPr>
+        <p:spPr>
+          <a:xfrm flipH="1">
+            <a:off x="2580774" y="2150916"/>
+            <a:ext cx="467075" cy="0"/>
+          </a:xfrm>
+          <a:prstGeom prst="straightConnector1">
+            <a:avLst/>
+          </a:prstGeom>
+          <a:ln>
+            <a:tailEnd type="triangle"/>
+          </a:ln>
+        </p:spPr>
+        <p:style>
+          <a:lnRef idx="2">
+            <a:schemeClr val="accent1"/>
+          </a:lnRef>
+          <a:fillRef idx="0">
+            <a:schemeClr val="accent1"/>
+          </a:fillRef>
+          <a:effectRef idx="1">
+            <a:schemeClr val="accent1"/>
+          </a:effectRef>
+          <a:fontRef idx="minor">
+            <a:schemeClr val="tx1"/>
+          </a:fontRef>
+        </p:style>
+      </p:cxnSp>
+      <p:sp>
+        <p:nvSpPr>
+          <p:cNvPr id="9" name="テキスト ボックス 8">
+            <a:extLst>
+              <a:ext uri="{FF2B5EF4-FFF2-40B4-BE49-F238E27FC236}">
+                <a16:creationId xmlns:a16="http://schemas.microsoft.com/office/drawing/2014/main" id="{FE99CAE1-007C-CE6D-7FA0-600840FBA169}"/>
+              </a:ext>
+            </a:extLst>
+          </p:cNvPr>
+          <p:cNvSpPr txBox="1"/>
+          <p:nvPr/>
+        </p:nvSpPr>
+        <p:spPr>
+          <a:xfrm>
+            <a:off x="364279" y="234493"/>
+            <a:ext cx="1043709" cy="369332"/>
+          </a:xfrm>
+          <a:prstGeom prst="rect">
+            <a:avLst/>
+          </a:prstGeom>
+          <a:noFill/>
+        </p:spPr>
+        <p:txBody>
+          <a:bodyPr wrap="square" rtlCol="0">
+            <a:spAutoFit/>
+          </a:bodyPr>
+          <a:lstStyle/>
+          <a:p>
+            <a:r>
+              <a:rPr kumimoji="1" lang="en-US" altLang="ja-JP" b="1" dirty="0"/>
+              <a:t>Phase1</a:t>
+            </a:r>
+            <a:endParaRPr kumimoji="1" lang="ja-JP" altLang="en-US" b="1" dirty="0"/>
+          </a:p>
+        </p:txBody>
+      </p:sp>
+      <p:cxnSp>
+        <p:nvCxnSpPr>
+          <p:cNvPr id="22" name="コネクタ: カギ線 21">
+            <a:extLst>
+              <a:ext uri="{FF2B5EF4-FFF2-40B4-BE49-F238E27FC236}">
+                <a16:creationId xmlns:a16="http://schemas.microsoft.com/office/drawing/2014/main" id="{32C6FF31-58C3-DA59-878B-5F3F29EE85B4}"/>
+              </a:ext>
+            </a:extLst>
+          </p:cNvPr>
+          <p:cNvCxnSpPr>
+            <a:cxnSpLocks/>
+          </p:cNvCxnSpPr>
+          <p:nvPr/>
+        </p:nvCxnSpPr>
+        <p:spPr>
+          <a:xfrm rot="10800000">
+            <a:off x="2026808" y="2365555"/>
+            <a:ext cx="2432265" cy="1326159"/>
+          </a:xfrm>
+          <a:prstGeom prst="bentConnector3">
+            <a:avLst>
+              <a:gd name="adj1" fmla="val 100126"/>
+            </a:avLst>
+          </a:prstGeom>
+          <a:ln>
+            <a:tailEnd type="triangle"/>
+          </a:ln>
+        </p:spPr>
+        <p:style>
+          <a:lnRef idx="2">
+            <a:schemeClr val="accent1"/>
+          </a:lnRef>
+          <a:fillRef idx="0">
+            <a:schemeClr val="accent1"/>
+          </a:fillRef>
+          <a:effectRef idx="1">
+            <a:schemeClr val="accent1"/>
+          </a:effectRef>
+          <a:fontRef idx="minor">
+            <a:schemeClr val="tx1"/>
+          </a:fontRef>
+        </p:style>
+      </p:cxnSp>
+    </p:spTree>
+    <p:extLst>
+      <p:ext uri="{BB962C8B-B14F-4D97-AF65-F5344CB8AC3E}">
+        <p14:creationId xmlns:p14="http://schemas.microsoft.com/office/powerpoint/2010/main" val="2342794979"/>
+      </p:ext>
+    </p:extLst>
+  </p:cSld>
+  <p:clrMapOvr>
+    <a:masterClrMapping/>
+  </p:clrMapOvr>
+</p:sld>
+</file>
+
+<file path=ppt/slides/slide7.xml><?xml version="1.0" encoding="utf-8"?>
+<p:sld xmlns:a="http://schemas.openxmlformats.org/drawingml/2006/main" xmlns:r="http://schemas.openxmlformats.org/officeDocument/2006/relationships" xmlns:p="http://schemas.openxmlformats.org/presentationml/2006/main">
+  <p:cSld>
+    <p:spTree>
+      <p:nvGrpSpPr>
+        <p:cNvPr id="1" name="">
+          <a:extLst>
+            <a:ext uri="{FF2B5EF4-FFF2-40B4-BE49-F238E27FC236}">
+              <a16:creationId xmlns:a16="http://schemas.microsoft.com/office/drawing/2014/main" id="{0E01A0FD-6600-4447-5329-EAC98EF17E1F}"/>
+            </a:ext>
+          </a:extLst>
+        </p:cNvPr>
+        <p:cNvGrpSpPr/>
+        <p:nvPr/>
+      </p:nvGrpSpPr>
+      <p:grpSpPr>
+        <a:xfrm>
+          <a:off x="0" y="0"/>
+          <a:ext cx="0" cy="0"/>
+          <a:chOff x="0" y="0"/>
+          <a:chExt cx="0" cy="0"/>
+        </a:xfrm>
+      </p:grpSpPr>
+      <p:pic>
+        <p:nvPicPr>
+          <p:cNvPr id="12" name="グラフィックス 11" descr="ブラウザー ウィンドウ 枠線">
+            <a:extLst>
+              <a:ext uri="{FF2B5EF4-FFF2-40B4-BE49-F238E27FC236}">
+                <a16:creationId xmlns:a16="http://schemas.microsoft.com/office/drawing/2014/main" id="{B1F820D3-3948-F535-EF84-D9719D8B3728}"/>
+              </a:ext>
+            </a:extLst>
+          </p:cNvPr>
+          <p:cNvPicPr>
+            <a:picLocks noChangeAspect="1"/>
+          </p:cNvPicPr>
+          <p:nvPr/>
+        </p:nvPicPr>
+        <p:blipFill>
+          <a:blip r:embed="rId2">
+            <a:extLst>
+              <a:ext uri="{96DAC541-7B7A-43D3-8B79-37D633B846F1}">
+                <asvg:svgBlip xmlns:asvg="http://schemas.microsoft.com/office/drawing/2016/SVG/main" r:embed="rId3"/>
+              </a:ext>
+            </a:extLst>
+          </a:blip>
+          <a:stretch>
+            <a:fillRect/>
+          </a:stretch>
+        </p:blipFill>
+        <p:spPr>
+          <a:xfrm>
+            <a:off x="315787" y="1693716"/>
+            <a:ext cx="1140691" cy="914400"/>
+          </a:xfrm>
+          <a:prstGeom prst="rect">
+            <a:avLst/>
+          </a:prstGeom>
+        </p:spPr>
+      </p:pic>
+      <p:sp>
+        <p:nvSpPr>
+          <p:cNvPr id="15" name="四角形: 角を丸くする 14">
+            <a:extLst>
+              <a:ext uri="{FF2B5EF4-FFF2-40B4-BE49-F238E27FC236}">
+                <a16:creationId xmlns:a16="http://schemas.microsoft.com/office/drawing/2014/main" id="{86870227-20A5-BC17-9651-D4BFE7BB003B}"/>
+              </a:ext>
+            </a:extLst>
+          </p:cNvPr>
+          <p:cNvSpPr/>
+          <p:nvPr/>
+        </p:nvSpPr>
+        <p:spPr>
+          <a:xfrm>
+            <a:off x="3139423" y="1936278"/>
+            <a:ext cx="1319649" cy="429276"/>
+          </a:xfrm>
+          <a:prstGeom prst="roundRect">
+            <a:avLst/>
+          </a:prstGeom>
+        </p:spPr>
+        <p:style>
+          <a:lnRef idx="2">
+            <a:schemeClr val="accent1">
+              <a:shade val="15000"/>
+            </a:schemeClr>
+          </a:lnRef>
+          <a:fillRef idx="1">
+            <a:schemeClr val="accent1"/>
+          </a:fillRef>
+          <a:effectRef idx="0">
+            <a:schemeClr val="accent1"/>
+          </a:effectRef>
+          <a:fontRef idx="minor">
+            <a:schemeClr val="lt1"/>
+          </a:fontRef>
+        </p:style>
+        <p:txBody>
+          <a:bodyPr rtlCol="0" anchor="ctr"/>
+          <a:lstStyle/>
+          <a:p>
+            <a:pPr algn="ctr"/>
+            <a:r>
+              <a:rPr lang="ja-JP" altLang="en-US" sz="1100" dirty="0"/>
+              <a:t>スクレイパー</a:t>
+            </a:r>
+            <a:br>
+              <a:rPr lang="en-US" altLang="ja-JP" sz="1100" dirty="0"/>
+            </a:br>
+            <a:r>
+              <a:rPr lang="en-US" altLang="ja-JP" sz="1100" dirty="0"/>
+              <a:t>Interface</a:t>
+            </a:r>
+          </a:p>
+        </p:txBody>
+      </p:sp>
+      <p:sp>
+        <p:nvSpPr>
+          <p:cNvPr id="16" name="四角形: 角を丸くする 15">
+            <a:extLst>
+              <a:ext uri="{FF2B5EF4-FFF2-40B4-BE49-F238E27FC236}">
+                <a16:creationId xmlns:a16="http://schemas.microsoft.com/office/drawing/2014/main" id="{5A93CFA8-AC36-E4A1-B8C3-7A6A50CFCD44}"/>
+              </a:ext>
+            </a:extLst>
+          </p:cNvPr>
+          <p:cNvSpPr/>
+          <p:nvPr/>
+        </p:nvSpPr>
+        <p:spPr>
+          <a:xfrm>
+            <a:off x="1564415" y="1998805"/>
+            <a:ext cx="924785" cy="249543"/>
+          </a:xfrm>
+          <a:prstGeom prst="roundRect">
+            <a:avLst/>
+          </a:prstGeom>
+        </p:spPr>
+        <p:style>
+          <a:lnRef idx="2">
+            <a:schemeClr val="accent1">
+              <a:shade val="15000"/>
+            </a:schemeClr>
+          </a:lnRef>
+          <a:fillRef idx="1">
+            <a:schemeClr val="accent1"/>
+          </a:fillRef>
+          <a:effectRef idx="0">
+            <a:schemeClr val="accent1"/>
+          </a:effectRef>
+          <a:fontRef idx="minor">
+            <a:schemeClr val="lt1"/>
+          </a:fontRef>
+        </p:style>
+        <p:txBody>
+          <a:bodyPr rtlCol="0" anchor="ctr"/>
+          <a:lstStyle/>
+          <a:p>
+            <a:pPr algn="ctr"/>
+            <a:r>
+              <a:rPr lang="ja-JP" altLang="en-US" sz="900" dirty="0"/>
+              <a:t>スクレイパー</a:t>
+            </a:r>
+            <a:endParaRPr lang="en-US" altLang="ja-JP" sz="900" dirty="0"/>
+          </a:p>
+        </p:txBody>
+      </p:sp>
+      <p:sp>
+        <p:nvSpPr>
+          <p:cNvPr id="57" name="四角形: 角を丸くする 56">
+            <a:extLst>
+              <a:ext uri="{FF2B5EF4-FFF2-40B4-BE49-F238E27FC236}">
+                <a16:creationId xmlns:a16="http://schemas.microsoft.com/office/drawing/2014/main" id="{06024BC9-9394-AC5A-31A7-DB78F1729DFF}"/>
+              </a:ext>
+            </a:extLst>
+          </p:cNvPr>
+          <p:cNvSpPr/>
+          <p:nvPr/>
+        </p:nvSpPr>
+        <p:spPr>
+          <a:xfrm>
+            <a:off x="4640634" y="3404298"/>
+            <a:ext cx="1211242" cy="574834"/>
+          </a:xfrm>
+          <a:prstGeom prst="roundRect">
+            <a:avLst/>
+          </a:prstGeom>
+        </p:spPr>
+        <p:style>
+          <a:lnRef idx="2">
+            <a:schemeClr val="accent1">
+              <a:shade val="15000"/>
+            </a:schemeClr>
+          </a:lnRef>
+          <a:fillRef idx="1">
+            <a:schemeClr val="accent1"/>
+          </a:fillRef>
+          <a:effectRef idx="0">
+            <a:schemeClr val="accent1"/>
+          </a:effectRef>
+          <a:fontRef idx="minor">
+            <a:schemeClr val="lt1"/>
+          </a:fontRef>
+        </p:style>
+        <p:txBody>
+          <a:bodyPr rtlCol="0" anchor="ctr"/>
+          <a:lstStyle/>
+          <a:p>
+            <a:pPr algn="ctr"/>
+            <a:r>
+              <a:rPr lang="en-US" altLang="ja-JP" dirty="0"/>
+              <a:t>UI</a:t>
+            </a:r>
+          </a:p>
+        </p:txBody>
+      </p:sp>
+      <p:cxnSp>
+        <p:nvCxnSpPr>
+          <p:cNvPr id="5" name="直線矢印コネクタ 4">
+            <a:extLst>
+              <a:ext uri="{FF2B5EF4-FFF2-40B4-BE49-F238E27FC236}">
+                <a16:creationId xmlns:a16="http://schemas.microsoft.com/office/drawing/2014/main" id="{AD4D67EC-25B0-8B42-6FEE-EC60BBA6A9D0}"/>
+              </a:ext>
+            </a:extLst>
+          </p:cNvPr>
+          <p:cNvCxnSpPr>
+            <a:cxnSpLocks/>
+          </p:cNvCxnSpPr>
+          <p:nvPr/>
+        </p:nvCxnSpPr>
+        <p:spPr>
+          <a:xfrm flipH="1">
+            <a:off x="2580774" y="2150916"/>
+            <a:ext cx="467075" cy="0"/>
+          </a:xfrm>
+          <a:prstGeom prst="straightConnector1">
+            <a:avLst/>
+          </a:prstGeom>
+          <a:ln>
+            <a:tailEnd type="triangle"/>
+          </a:ln>
+        </p:spPr>
+        <p:style>
+          <a:lnRef idx="2">
+            <a:schemeClr val="accent1"/>
+          </a:lnRef>
+          <a:fillRef idx="0">
+            <a:schemeClr val="accent1"/>
+          </a:fillRef>
+          <a:effectRef idx="1">
+            <a:schemeClr val="accent1"/>
+          </a:effectRef>
+          <a:fontRef idx="minor">
+            <a:schemeClr val="tx1"/>
+          </a:fontRef>
+        </p:style>
+      </p:cxnSp>
+      <p:sp>
+        <p:nvSpPr>
+          <p:cNvPr id="9" name="テキスト ボックス 8">
+            <a:extLst>
+              <a:ext uri="{FF2B5EF4-FFF2-40B4-BE49-F238E27FC236}">
+                <a16:creationId xmlns:a16="http://schemas.microsoft.com/office/drawing/2014/main" id="{FEB5F75A-D509-65A3-78E6-0083D6207EAA}"/>
+              </a:ext>
+            </a:extLst>
+          </p:cNvPr>
+          <p:cNvSpPr txBox="1"/>
+          <p:nvPr/>
+        </p:nvSpPr>
+        <p:spPr>
+          <a:xfrm>
+            <a:off x="364279" y="234493"/>
+            <a:ext cx="1043709" cy="369332"/>
+          </a:xfrm>
+          <a:prstGeom prst="rect">
+            <a:avLst/>
+          </a:prstGeom>
+          <a:noFill/>
+        </p:spPr>
+        <p:txBody>
+          <a:bodyPr wrap="square" rtlCol="0">
+            <a:spAutoFit/>
+          </a:bodyPr>
+          <a:lstStyle/>
+          <a:p>
+            <a:r>
+              <a:rPr kumimoji="1" lang="en-US" altLang="ja-JP" b="1" dirty="0"/>
+              <a:t>Phase2</a:t>
+            </a:r>
+            <a:endParaRPr kumimoji="1" lang="ja-JP" altLang="en-US" b="1" dirty="0"/>
+          </a:p>
+        </p:txBody>
+      </p:sp>
+      <p:cxnSp>
+        <p:nvCxnSpPr>
+          <p:cNvPr id="22" name="コネクタ: カギ線 21">
+            <a:extLst>
+              <a:ext uri="{FF2B5EF4-FFF2-40B4-BE49-F238E27FC236}">
+                <a16:creationId xmlns:a16="http://schemas.microsoft.com/office/drawing/2014/main" id="{337F688F-1764-399E-4947-49A1B27A386D}"/>
+              </a:ext>
+            </a:extLst>
+          </p:cNvPr>
+          <p:cNvCxnSpPr>
+            <a:cxnSpLocks/>
+          </p:cNvCxnSpPr>
+          <p:nvPr/>
+        </p:nvCxnSpPr>
+        <p:spPr>
+          <a:xfrm rot="10800000">
+            <a:off x="2026808" y="2365555"/>
+            <a:ext cx="2432265" cy="1326159"/>
+          </a:xfrm>
+          <a:prstGeom prst="bentConnector3">
+            <a:avLst>
+              <a:gd name="adj1" fmla="val 100126"/>
+            </a:avLst>
+          </a:prstGeom>
+          <a:ln>
+            <a:tailEnd type="triangle"/>
+          </a:ln>
+        </p:spPr>
+        <p:style>
+          <a:lnRef idx="2">
+            <a:schemeClr val="accent1"/>
+          </a:lnRef>
+          <a:fillRef idx="0">
+            <a:schemeClr val="accent1"/>
+          </a:fillRef>
+          <a:effectRef idx="1">
+            <a:schemeClr val="accent1"/>
+          </a:effectRef>
+          <a:fontRef idx="minor">
+            <a:schemeClr val="tx1"/>
+          </a:fontRef>
+        </p:style>
+      </p:cxnSp>
+      <p:sp>
+        <p:nvSpPr>
+          <p:cNvPr id="2" name="四角形: 角を丸くする 1">
+            <a:extLst>
+              <a:ext uri="{FF2B5EF4-FFF2-40B4-BE49-F238E27FC236}">
+                <a16:creationId xmlns:a16="http://schemas.microsoft.com/office/drawing/2014/main" id="{8EB12361-9661-26F7-5F05-1260253EE602}"/>
+              </a:ext>
+            </a:extLst>
+          </p:cNvPr>
+          <p:cNvSpPr/>
+          <p:nvPr/>
+        </p:nvSpPr>
+        <p:spPr>
+          <a:xfrm>
+            <a:off x="3431309" y="4181872"/>
+            <a:ext cx="3994727" cy="851947"/>
+          </a:xfrm>
+          <a:prstGeom prst="roundRect">
+            <a:avLst/>
+          </a:prstGeom>
+        </p:spPr>
+        <p:style>
+          <a:lnRef idx="2">
+            <a:schemeClr val="accent1"/>
+          </a:lnRef>
+          <a:fillRef idx="1">
+            <a:schemeClr val="lt1"/>
+          </a:fillRef>
+          <a:effectRef idx="0">
+            <a:schemeClr val="accent1"/>
+          </a:effectRef>
+          <a:fontRef idx="minor">
+            <a:schemeClr val="dk1"/>
+          </a:fontRef>
+        </p:style>
+        <p:txBody>
+          <a:bodyPr rtlCol="0" anchor="ctr"/>
+          <a:lstStyle/>
+          <a:p>
+            <a:pPr algn="ctr"/>
+            <a:r>
+              <a:rPr kumimoji="1" lang="ja-JP" altLang="en-US" sz="1200" dirty="0"/>
+              <a:t>スレッド</a:t>
+            </a:r>
+            <a:r>
+              <a:rPr lang="ja-JP" altLang="en-US" sz="1200" dirty="0"/>
+              <a:t>の人気の可視化</a:t>
+            </a:r>
+            <a:endParaRPr lang="en-US" altLang="ja-JP" sz="1200" dirty="0"/>
+          </a:p>
+          <a:p>
+            <a:pPr algn="ctr"/>
+            <a:r>
+              <a:rPr lang="ja-JP" altLang="en-US" sz="1200" dirty="0"/>
+              <a:t>人気レスの可視化</a:t>
+            </a:r>
+            <a:br>
+              <a:rPr lang="en-US" altLang="ja-JP" sz="1200" dirty="0"/>
+            </a:br>
+            <a:r>
+              <a:rPr lang="ja-JP" altLang="en-US" sz="1200" dirty="0"/>
+              <a:t>勢いの時系列の可視化</a:t>
+            </a:r>
+            <a:endParaRPr kumimoji="1" lang="en-US" altLang="ja-JP" sz="1200" dirty="0"/>
+          </a:p>
+        </p:txBody>
+      </p:sp>
+    </p:spTree>
+    <p:extLst>
+      <p:ext uri="{BB962C8B-B14F-4D97-AF65-F5344CB8AC3E}">
+        <p14:creationId xmlns:p14="http://schemas.microsoft.com/office/powerpoint/2010/main" val="3898769509"/>
+      </p:ext>
+    </p:extLst>
+  </p:cSld>
+  <p:clrMapOvr>
+    <a:masterClrMapping/>
+  </p:clrMapOvr>
+</p:sld>
+</file>
+
+<file path=ppt/slides/slide8.xml><?xml version="1.0" encoding="utf-8"?>
+<p:sld xmlns:a="http://schemas.openxmlformats.org/drawingml/2006/main" xmlns:r="http://schemas.openxmlformats.org/officeDocument/2006/relationships" xmlns:p="http://schemas.openxmlformats.org/presentationml/2006/main">
+  <p:cSld>
+    <p:spTree>
+      <p:nvGrpSpPr>
+        <p:cNvPr id="1" name="">
+          <a:extLst>
+            <a:ext uri="{FF2B5EF4-FFF2-40B4-BE49-F238E27FC236}">
+              <a16:creationId xmlns:a16="http://schemas.microsoft.com/office/drawing/2014/main" id="{429BA197-AA76-268C-184B-C2C26D50E9AE}"/>
+            </a:ext>
+          </a:extLst>
+        </p:cNvPr>
+        <p:cNvGrpSpPr/>
+        <p:nvPr/>
+      </p:nvGrpSpPr>
+      <p:grpSpPr>
+        <a:xfrm>
+          <a:off x="0" y="0"/>
+          <a:ext cx="0" cy="0"/>
+          <a:chOff x="0" y="0"/>
+          <a:chExt cx="0" cy="0"/>
+        </a:xfrm>
+      </p:grpSpPr>
+      <p:pic>
+        <p:nvPicPr>
+          <p:cNvPr id="12" name="グラフィックス 11" descr="ブラウザー ウィンドウ 枠線">
+            <a:extLst>
+              <a:ext uri="{FF2B5EF4-FFF2-40B4-BE49-F238E27FC236}">
+                <a16:creationId xmlns:a16="http://schemas.microsoft.com/office/drawing/2014/main" id="{7190C997-65E6-65D3-40A7-FCEC06C41440}"/>
+              </a:ext>
+            </a:extLst>
+          </p:cNvPr>
+          <p:cNvPicPr>
+            <a:picLocks noChangeAspect="1"/>
+          </p:cNvPicPr>
+          <p:nvPr/>
+        </p:nvPicPr>
+        <p:blipFill>
+          <a:blip r:embed="rId2">
+            <a:extLst>
+              <a:ext uri="{96DAC541-7B7A-43D3-8B79-37D633B846F1}">
+                <asvg:svgBlip xmlns:asvg="http://schemas.microsoft.com/office/drawing/2016/SVG/main" r:embed="rId3"/>
+              </a:ext>
+            </a:extLst>
+          </a:blip>
+          <a:stretch>
+            <a:fillRect/>
+          </a:stretch>
+        </p:blipFill>
+        <p:spPr>
+          <a:xfrm>
+            <a:off x="315787" y="1693716"/>
+            <a:ext cx="1140691" cy="914400"/>
+          </a:xfrm>
+          <a:prstGeom prst="rect">
+            <a:avLst/>
+          </a:prstGeom>
+        </p:spPr>
+      </p:pic>
+      <p:sp>
+        <p:nvSpPr>
+          <p:cNvPr id="15" name="四角形: 角を丸くする 14">
+            <a:extLst>
+              <a:ext uri="{FF2B5EF4-FFF2-40B4-BE49-F238E27FC236}">
+                <a16:creationId xmlns:a16="http://schemas.microsoft.com/office/drawing/2014/main" id="{61F24035-F751-BB6E-2B38-2BBB5C74D06A}"/>
+              </a:ext>
+            </a:extLst>
+          </p:cNvPr>
+          <p:cNvSpPr/>
+          <p:nvPr/>
+        </p:nvSpPr>
+        <p:spPr>
+          <a:xfrm>
+            <a:off x="3139423" y="1936278"/>
+            <a:ext cx="1319649" cy="429276"/>
+          </a:xfrm>
+          <a:prstGeom prst="roundRect">
+            <a:avLst/>
+          </a:prstGeom>
+        </p:spPr>
+        <p:style>
+          <a:lnRef idx="2">
+            <a:schemeClr val="accent1">
+              <a:shade val="15000"/>
+            </a:schemeClr>
+          </a:lnRef>
+          <a:fillRef idx="1">
+            <a:schemeClr val="accent1"/>
+          </a:fillRef>
+          <a:effectRef idx="0">
+            <a:schemeClr val="accent1"/>
+          </a:effectRef>
+          <a:fontRef idx="minor">
+            <a:schemeClr val="lt1"/>
+          </a:fontRef>
+        </p:style>
+        <p:txBody>
+          <a:bodyPr rtlCol="0" anchor="ctr"/>
+          <a:lstStyle/>
+          <a:p>
+            <a:pPr algn="ctr"/>
+            <a:r>
+              <a:rPr lang="ja-JP" altLang="en-US" sz="1100" dirty="0"/>
+              <a:t>スクレイパー</a:t>
+            </a:r>
+            <a:br>
+              <a:rPr lang="en-US" altLang="ja-JP" sz="1100" dirty="0"/>
+            </a:br>
+            <a:r>
+              <a:rPr lang="en-US" altLang="ja-JP" sz="1100" dirty="0"/>
+              <a:t>Interface</a:t>
+            </a:r>
+          </a:p>
+        </p:txBody>
+      </p:sp>
+      <p:sp>
+        <p:nvSpPr>
+          <p:cNvPr id="16" name="四角形: 角を丸くする 15">
+            <a:extLst>
+              <a:ext uri="{FF2B5EF4-FFF2-40B4-BE49-F238E27FC236}">
+                <a16:creationId xmlns:a16="http://schemas.microsoft.com/office/drawing/2014/main" id="{7CB5D5F4-5C0A-AD17-5AA7-E8F9ABF85953}"/>
+              </a:ext>
+            </a:extLst>
+          </p:cNvPr>
+          <p:cNvSpPr/>
+          <p:nvPr/>
+        </p:nvSpPr>
+        <p:spPr>
+          <a:xfrm>
+            <a:off x="1564415" y="1998805"/>
+            <a:ext cx="924785" cy="249543"/>
+          </a:xfrm>
+          <a:prstGeom prst="roundRect">
+            <a:avLst/>
+          </a:prstGeom>
+        </p:spPr>
+        <p:style>
+          <a:lnRef idx="2">
+            <a:schemeClr val="accent1">
+              <a:shade val="15000"/>
+            </a:schemeClr>
+          </a:lnRef>
+          <a:fillRef idx="1">
+            <a:schemeClr val="accent1"/>
+          </a:fillRef>
+          <a:effectRef idx="0">
+            <a:schemeClr val="accent1"/>
+          </a:effectRef>
+          <a:fontRef idx="minor">
+            <a:schemeClr val="lt1"/>
+          </a:fontRef>
+        </p:style>
+        <p:txBody>
+          <a:bodyPr rtlCol="0" anchor="ctr"/>
+          <a:lstStyle/>
+          <a:p>
+            <a:pPr algn="ctr"/>
+            <a:r>
+              <a:rPr lang="ja-JP" altLang="en-US" sz="900" dirty="0"/>
+              <a:t>スクレイパー</a:t>
+            </a:r>
+            <a:endParaRPr lang="en-US" altLang="ja-JP" sz="900" dirty="0"/>
+          </a:p>
+        </p:txBody>
+      </p:sp>
+      <p:sp>
+        <p:nvSpPr>
+          <p:cNvPr id="57" name="四角形: 角を丸くする 56">
+            <a:extLst>
+              <a:ext uri="{FF2B5EF4-FFF2-40B4-BE49-F238E27FC236}">
+                <a16:creationId xmlns:a16="http://schemas.microsoft.com/office/drawing/2014/main" id="{0D2E5903-DD2E-13BE-3D6D-BC3815EAA2EE}"/>
+              </a:ext>
+            </a:extLst>
+          </p:cNvPr>
+          <p:cNvSpPr/>
+          <p:nvPr/>
+        </p:nvSpPr>
+        <p:spPr>
+          <a:xfrm>
+            <a:off x="4640634" y="3404298"/>
+            <a:ext cx="1211242" cy="574834"/>
+          </a:xfrm>
+          <a:prstGeom prst="roundRect">
+            <a:avLst/>
+          </a:prstGeom>
+        </p:spPr>
+        <p:style>
+          <a:lnRef idx="2">
+            <a:schemeClr val="accent1">
+              <a:shade val="15000"/>
+            </a:schemeClr>
+          </a:lnRef>
+          <a:fillRef idx="1">
+            <a:schemeClr val="accent1"/>
+          </a:fillRef>
+          <a:effectRef idx="0">
+            <a:schemeClr val="accent1"/>
+          </a:effectRef>
+          <a:fontRef idx="minor">
+            <a:schemeClr val="lt1"/>
+          </a:fontRef>
+        </p:style>
+        <p:txBody>
+          <a:bodyPr rtlCol="0" anchor="ctr"/>
+          <a:lstStyle/>
+          <a:p>
+            <a:pPr algn="ctr"/>
+            <a:r>
+              <a:rPr lang="en-US" altLang="ja-JP" dirty="0"/>
+              <a:t>UI</a:t>
+            </a:r>
+          </a:p>
+        </p:txBody>
+      </p:sp>
+      <p:cxnSp>
+        <p:nvCxnSpPr>
+          <p:cNvPr id="5" name="直線矢印コネクタ 4">
+            <a:extLst>
+              <a:ext uri="{FF2B5EF4-FFF2-40B4-BE49-F238E27FC236}">
+                <a16:creationId xmlns:a16="http://schemas.microsoft.com/office/drawing/2014/main" id="{2825F283-692F-5385-A1A8-09FD5DF1F5AE}"/>
+              </a:ext>
+            </a:extLst>
+          </p:cNvPr>
+          <p:cNvCxnSpPr>
+            <a:cxnSpLocks/>
+          </p:cNvCxnSpPr>
+          <p:nvPr/>
+        </p:nvCxnSpPr>
+        <p:spPr>
+          <a:xfrm flipH="1">
+            <a:off x="2580774" y="2150916"/>
+            <a:ext cx="467075" cy="0"/>
+          </a:xfrm>
+          <a:prstGeom prst="straightConnector1">
+            <a:avLst/>
+          </a:prstGeom>
+          <a:ln>
+            <a:tailEnd type="triangle"/>
+          </a:ln>
+        </p:spPr>
+        <p:style>
+          <a:lnRef idx="2">
+            <a:schemeClr val="accent1"/>
+          </a:lnRef>
+          <a:fillRef idx="0">
+            <a:schemeClr val="accent1"/>
+          </a:fillRef>
+          <a:effectRef idx="1">
+            <a:schemeClr val="accent1"/>
+          </a:effectRef>
+          <a:fontRef idx="minor">
+            <a:schemeClr val="tx1"/>
+          </a:fontRef>
+        </p:style>
+      </p:cxnSp>
+      <p:sp>
+        <p:nvSpPr>
+          <p:cNvPr id="9" name="テキスト ボックス 8">
+            <a:extLst>
+              <a:ext uri="{FF2B5EF4-FFF2-40B4-BE49-F238E27FC236}">
+                <a16:creationId xmlns:a16="http://schemas.microsoft.com/office/drawing/2014/main" id="{660557D2-50AF-5415-B90F-EE9D800CEBB6}"/>
+              </a:ext>
+            </a:extLst>
+          </p:cNvPr>
+          <p:cNvSpPr txBox="1"/>
+          <p:nvPr/>
+        </p:nvSpPr>
+        <p:spPr>
+          <a:xfrm>
+            <a:off x="364279" y="234493"/>
+            <a:ext cx="1043709" cy="369332"/>
+          </a:xfrm>
+          <a:prstGeom prst="rect">
+            <a:avLst/>
+          </a:prstGeom>
+          <a:noFill/>
+        </p:spPr>
+        <p:txBody>
+          <a:bodyPr wrap="square" rtlCol="0">
+            <a:spAutoFit/>
+          </a:bodyPr>
+          <a:lstStyle/>
+          <a:p>
+            <a:r>
+              <a:rPr kumimoji="1" lang="en-US" altLang="ja-JP" b="1" dirty="0"/>
+              <a:t>Phase2</a:t>
+            </a:r>
+            <a:endParaRPr kumimoji="1" lang="ja-JP" altLang="en-US" b="1" dirty="0"/>
+          </a:p>
+        </p:txBody>
+      </p:sp>
+      <p:cxnSp>
+        <p:nvCxnSpPr>
+          <p:cNvPr id="22" name="コネクタ: カギ線 21">
+            <a:extLst>
+              <a:ext uri="{FF2B5EF4-FFF2-40B4-BE49-F238E27FC236}">
+                <a16:creationId xmlns:a16="http://schemas.microsoft.com/office/drawing/2014/main" id="{66FF23D5-3D42-8C06-F429-96DE8C7D5E70}"/>
+              </a:ext>
+            </a:extLst>
+          </p:cNvPr>
+          <p:cNvCxnSpPr>
+            <a:cxnSpLocks/>
+          </p:cNvCxnSpPr>
+          <p:nvPr/>
+        </p:nvCxnSpPr>
+        <p:spPr>
+          <a:xfrm rot="10800000">
+            <a:off x="2026808" y="2365555"/>
+            <a:ext cx="2432265" cy="1326159"/>
+          </a:xfrm>
+          <a:prstGeom prst="bentConnector3">
+            <a:avLst>
+              <a:gd name="adj1" fmla="val 100126"/>
+            </a:avLst>
+          </a:prstGeom>
+          <a:ln>
+            <a:tailEnd type="triangle"/>
+          </a:ln>
+        </p:spPr>
+        <p:style>
+          <a:lnRef idx="2">
+            <a:schemeClr val="accent1"/>
+          </a:lnRef>
+          <a:fillRef idx="0">
+            <a:schemeClr val="accent1"/>
+          </a:fillRef>
+          <a:effectRef idx="1">
+            <a:schemeClr val="accent1"/>
+          </a:effectRef>
+          <a:fontRef idx="minor">
+            <a:schemeClr val="tx1"/>
+          </a:fontRef>
+        </p:style>
+      </p:cxnSp>
+      <p:sp>
+        <p:nvSpPr>
+          <p:cNvPr id="2" name="四角形: 角を丸くする 1">
+            <a:extLst>
+              <a:ext uri="{FF2B5EF4-FFF2-40B4-BE49-F238E27FC236}">
+                <a16:creationId xmlns:a16="http://schemas.microsoft.com/office/drawing/2014/main" id="{0B4065C8-15F6-8ECC-C28B-49FD0E6A4919}"/>
+              </a:ext>
+            </a:extLst>
+          </p:cNvPr>
+          <p:cNvSpPr/>
+          <p:nvPr/>
+        </p:nvSpPr>
+        <p:spPr>
+          <a:xfrm>
+            <a:off x="3431309" y="4181872"/>
+            <a:ext cx="3994727" cy="851947"/>
+          </a:xfrm>
+          <a:prstGeom prst="roundRect">
+            <a:avLst/>
+          </a:prstGeom>
+        </p:spPr>
+        <p:style>
+          <a:lnRef idx="2">
+            <a:schemeClr val="accent1"/>
+          </a:lnRef>
+          <a:fillRef idx="1">
+            <a:schemeClr val="lt1"/>
+          </a:fillRef>
+          <a:effectRef idx="0">
+            <a:schemeClr val="accent1"/>
+          </a:effectRef>
+          <a:fontRef idx="minor">
+            <a:schemeClr val="dk1"/>
+          </a:fontRef>
+        </p:style>
+        <p:txBody>
+          <a:bodyPr rtlCol="0" anchor="ctr"/>
+          <a:lstStyle/>
+          <a:p>
+            <a:pPr algn="ctr"/>
+            <a:r>
+              <a:rPr kumimoji="1" lang="ja-JP" altLang="en-US" sz="1200" dirty="0"/>
+              <a:t>スレッド</a:t>
+            </a:r>
+            <a:r>
+              <a:rPr lang="ja-JP" altLang="en-US" sz="1200" dirty="0"/>
+              <a:t>の人気の可視化</a:t>
+            </a:r>
+            <a:endParaRPr lang="en-US" altLang="ja-JP" sz="1200" dirty="0"/>
+          </a:p>
+          <a:p>
+            <a:pPr algn="ctr"/>
+            <a:r>
+              <a:rPr lang="ja-JP" altLang="en-US" sz="1200" dirty="0"/>
+              <a:t>人気レスの可視化</a:t>
+            </a:r>
+            <a:br>
+              <a:rPr lang="en-US" altLang="ja-JP" sz="1200" dirty="0"/>
+            </a:br>
+            <a:r>
+              <a:rPr lang="ja-JP" altLang="en-US" sz="1200" dirty="0"/>
+              <a:t>勢いの時系列の可視化</a:t>
+            </a:r>
+            <a:endParaRPr kumimoji="1" lang="en-US" altLang="ja-JP" sz="1200" dirty="0"/>
+          </a:p>
+        </p:txBody>
+      </p:sp>
+      <p:cxnSp>
+        <p:nvCxnSpPr>
+          <p:cNvPr id="3" name="直線矢印コネクタ 2">
+            <a:extLst>
+              <a:ext uri="{FF2B5EF4-FFF2-40B4-BE49-F238E27FC236}">
+                <a16:creationId xmlns:a16="http://schemas.microsoft.com/office/drawing/2014/main" id="{9E39CB05-2EAF-230C-1A8E-870028015DBD}"/>
+              </a:ext>
+            </a:extLst>
+          </p:cNvPr>
+          <p:cNvCxnSpPr>
+            <a:cxnSpLocks/>
+          </p:cNvCxnSpPr>
+          <p:nvPr/>
+        </p:nvCxnSpPr>
+        <p:spPr>
+          <a:xfrm>
+            <a:off x="5985164" y="3691715"/>
+            <a:ext cx="1440872" cy="0"/>
+          </a:xfrm>
+          <a:prstGeom prst="straightConnector1">
+            <a:avLst/>
+          </a:prstGeom>
+          <a:ln>
+            <a:tailEnd type="triangle"/>
+          </a:ln>
+        </p:spPr>
+        <p:style>
+          <a:lnRef idx="2">
+            <a:schemeClr val="accent1"/>
+          </a:lnRef>
+          <a:fillRef idx="0">
+            <a:schemeClr val="accent1"/>
+          </a:fillRef>
+          <a:effectRef idx="1">
+            <a:schemeClr val="accent1"/>
+          </a:effectRef>
+          <a:fontRef idx="minor">
+            <a:schemeClr val="tx1"/>
+          </a:fontRef>
+        </p:style>
+      </p:cxnSp>
+      <p:sp>
+        <p:nvSpPr>
+          <p:cNvPr id="7" name="テキスト ボックス 6">
+            <a:extLst>
+              <a:ext uri="{FF2B5EF4-FFF2-40B4-BE49-F238E27FC236}">
+                <a16:creationId xmlns:a16="http://schemas.microsoft.com/office/drawing/2014/main" id="{7AD3F0BD-DD42-22B2-3312-1B42FD111353}"/>
+              </a:ext>
+            </a:extLst>
+          </p:cNvPr>
+          <p:cNvSpPr txBox="1"/>
+          <p:nvPr/>
+        </p:nvSpPr>
+        <p:spPr>
+          <a:xfrm>
+            <a:off x="6853381" y="3404298"/>
+            <a:ext cx="498763" cy="276999"/>
+          </a:xfrm>
+          <a:prstGeom prst="rect">
+            <a:avLst/>
+          </a:prstGeom>
+          <a:noFill/>
+        </p:spPr>
+        <p:txBody>
+          <a:bodyPr wrap="square" rtlCol="0">
+            <a:spAutoFit/>
+          </a:bodyPr>
+          <a:lstStyle/>
+          <a:p>
+            <a:r>
+              <a:rPr kumimoji="1" lang="en-US" altLang="ja-JP" sz="1200" dirty="0" err="1"/>
+              <a:t>json</a:t>
+            </a:r>
+            <a:endParaRPr kumimoji="1" lang="ja-JP" altLang="en-US" sz="1200" dirty="0"/>
+          </a:p>
+        </p:txBody>
+      </p:sp>
+    </p:spTree>
+    <p:extLst>
+      <p:ext uri="{BB962C8B-B14F-4D97-AF65-F5344CB8AC3E}">
+        <p14:creationId xmlns:p14="http://schemas.microsoft.com/office/powerpoint/2010/main" val="2865440876"/>
+      </p:ext>
+    </p:extLst>
+  </p:cSld>
+  <p:clrMapOvr>
+    <a:masterClrMapping/>
+  </p:clrMapOvr>
+</p:sld>
+</file>
+
+<file path=ppt/slides/slide9.xml><?xml version="1.0" encoding="utf-8"?>
+<p:sld xmlns:a="http://schemas.openxmlformats.org/drawingml/2006/main" xmlns:r="http://schemas.openxmlformats.org/officeDocument/2006/relationships" xmlns:p="http://schemas.openxmlformats.org/presentationml/2006/main">
+  <p:cSld>
+    <p:spTree>
+      <p:nvGrpSpPr>
+        <p:cNvPr id="1" name="">
+          <a:extLst>
+            <a:ext uri="{FF2B5EF4-FFF2-40B4-BE49-F238E27FC236}">
+              <a16:creationId xmlns:a16="http://schemas.microsoft.com/office/drawing/2014/main" id="{084894A4-6960-5FC2-0AD0-51F22DD32585}"/>
+            </a:ext>
+          </a:extLst>
+        </p:cNvPr>
+        <p:cNvGrpSpPr/>
+        <p:nvPr/>
+      </p:nvGrpSpPr>
+      <p:grpSpPr>
+        <a:xfrm>
+          <a:off x="0" y="0"/>
+          <a:ext cx="0" cy="0"/>
+          <a:chOff x="0" y="0"/>
+          <a:chExt cx="0" cy="0"/>
+        </a:xfrm>
+      </p:grpSpPr>
+      <p:sp>
+        <p:nvSpPr>
+          <p:cNvPr id="6" name="フローチャート: 磁気ディスク 5">
+            <a:extLst>
+              <a:ext uri="{FF2B5EF4-FFF2-40B4-BE49-F238E27FC236}">
+                <a16:creationId xmlns:a16="http://schemas.microsoft.com/office/drawing/2014/main" id="{1CFCB434-4580-BAB9-2D3A-A7004795558D}"/>
+              </a:ext>
+            </a:extLst>
+          </p:cNvPr>
+          <p:cNvSpPr/>
+          <p:nvPr/>
+        </p:nvSpPr>
+        <p:spPr>
+          <a:xfrm>
+            <a:off x="7331925" y="2870631"/>
+            <a:ext cx="1293091" cy="657225"/>
+          </a:xfrm>
+          <a:prstGeom prst="flowChartMagneticDisk">
+            <a:avLst/>
+          </a:prstGeom>
+        </p:spPr>
+        <p:style>
+          <a:lnRef idx="2">
+            <a:schemeClr val="accent1">
+              <a:shade val="15000"/>
+            </a:schemeClr>
+          </a:lnRef>
+          <a:fillRef idx="1">
+            <a:schemeClr val="accent1"/>
+          </a:fillRef>
+          <a:effectRef idx="0">
+            <a:schemeClr val="accent1"/>
+          </a:effectRef>
+          <a:fontRef idx="minor">
+            <a:schemeClr val="lt1"/>
+          </a:fontRef>
+        </p:style>
+        <p:txBody>
+          <a:bodyPr rtlCol="0" anchor="ctr"/>
+          <a:lstStyle/>
+          <a:p>
+            <a:pPr algn="ctr"/>
+            <a:r>
+              <a:rPr kumimoji="1" lang="en-US" altLang="ja-JP" dirty="0"/>
+              <a:t>DB</a:t>
+            </a:r>
+            <a:endParaRPr kumimoji="1" lang="ja-JP" altLang="en-US" dirty="0"/>
+          </a:p>
+        </p:txBody>
+      </p:sp>
+      <p:pic>
+        <p:nvPicPr>
+          <p:cNvPr id="10" name="グラフィックス 9" descr="ブラウザー ウィンドウ 枠線">
+            <a:extLst>
+              <a:ext uri="{FF2B5EF4-FFF2-40B4-BE49-F238E27FC236}">
+                <a16:creationId xmlns:a16="http://schemas.microsoft.com/office/drawing/2014/main" id="{17231240-F208-29C7-8E84-820179B1290B}"/>
+              </a:ext>
+            </a:extLst>
+          </p:cNvPr>
+          <p:cNvPicPr>
+            <a:picLocks noChangeAspect="1"/>
+          </p:cNvPicPr>
+          <p:nvPr/>
+        </p:nvPicPr>
+        <p:blipFill>
+          <a:blip r:embed="rId2">
+            <a:extLst>
+              <a:ext uri="{96DAC541-7B7A-43D3-8B79-37D633B846F1}">
+                <asvg:svgBlip xmlns:asvg="http://schemas.microsoft.com/office/drawing/2016/SVG/main" r:embed="rId3"/>
+              </a:ext>
+            </a:extLst>
+          </a:blip>
+          <a:stretch>
+            <a:fillRect/>
+          </a:stretch>
+        </p:blipFill>
+        <p:spPr>
+          <a:xfrm>
+            <a:off x="718126" y="1608714"/>
+            <a:ext cx="1140691" cy="914400"/>
+          </a:xfrm>
+          <a:prstGeom prst="rect">
+            <a:avLst/>
+          </a:prstGeom>
+        </p:spPr>
+      </p:pic>
+      <p:pic>
+        <p:nvPicPr>
+          <p:cNvPr id="12" name="グラフィックス 11" descr="ブラウザー ウィンドウ 枠線">
+            <a:extLst>
+              <a:ext uri="{FF2B5EF4-FFF2-40B4-BE49-F238E27FC236}">
+                <a16:creationId xmlns:a16="http://schemas.microsoft.com/office/drawing/2014/main" id="{AE323670-C30C-B114-89E0-A0FD67699CDF}"/>
+              </a:ext>
+            </a:extLst>
+          </p:cNvPr>
+          <p:cNvPicPr>
+            <a:picLocks noChangeAspect="1"/>
+          </p:cNvPicPr>
+          <p:nvPr/>
+        </p:nvPicPr>
+        <p:blipFill>
+          <a:blip r:embed="rId2">
+            <a:extLst>
+              <a:ext uri="{96DAC541-7B7A-43D3-8B79-37D633B846F1}">
+                <asvg:svgBlip xmlns:asvg="http://schemas.microsoft.com/office/drawing/2016/SVG/main" r:embed="rId3"/>
+              </a:ext>
+            </a:extLst>
+          </a:blip>
+          <a:stretch>
+            <a:fillRect/>
+          </a:stretch>
+        </p:blipFill>
+        <p:spPr>
+          <a:xfrm>
+            <a:off x="718126" y="146627"/>
+            <a:ext cx="1140691" cy="914400"/>
+          </a:xfrm>
+          <a:prstGeom prst="rect">
+            <a:avLst/>
+          </a:prstGeom>
+        </p:spPr>
+      </p:pic>
+      <p:pic>
+        <p:nvPicPr>
+          <p:cNvPr id="13" name="グラフィックス 12" descr="ブラウザー ウィンドウ 枠線">
+            <a:extLst>
+              <a:ext uri="{FF2B5EF4-FFF2-40B4-BE49-F238E27FC236}">
+                <a16:creationId xmlns:a16="http://schemas.microsoft.com/office/drawing/2014/main" id="{5782AA7A-F0ED-6177-903C-C59D7FE3E4CE}"/>
+              </a:ext>
+            </a:extLst>
+          </p:cNvPr>
+          <p:cNvPicPr>
+            <a:picLocks noChangeAspect="1"/>
+          </p:cNvPicPr>
+          <p:nvPr/>
+        </p:nvPicPr>
+        <p:blipFill>
+          <a:blip r:embed="rId2">
+            <a:extLst>
+              <a:ext uri="{96DAC541-7B7A-43D3-8B79-37D633B846F1}">
+                <asvg:svgBlip xmlns:asvg="http://schemas.microsoft.com/office/drawing/2016/SVG/main" r:embed="rId3"/>
+              </a:ext>
+            </a:extLst>
+          </a:blip>
+          <a:stretch>
+            <a:fillRect/>
+          </a:stretch>
+        </p:blipFill>
+        <p:spPr>
+          <a:xfrm>
+            <a:off x="718126" y="846713"/>
+            <a:ext cx="1140691" cy="914400"/>
+          </a:xfrm>
+          <a:prstGeom prst="rect">
+            <a:avLst/>
+          </a:prstGeom>
+        </p:spPr>
+      </p:pic>
+      <p:sp>
+        <p:nvSpPr>
+          <p:cNvPr id="14" name="四角形: 角を丸くする 13">
+            <a:extLst>
+              <a:ext uri="{FF2B5EF4-FFF2-40B4-BE49-F238E27FC236}">
+                <a16:creationId xmlns:a16="http://schemas.microsoft.com/office/drawing/2014/main" id="{0E0E86C4-2F46-3D6D-C0F7-DF285A537F7E}"/>
+              </a:ext>
+            </a:extLst>
+          </p:cNvPr>
+          <p:cNvSpPr/>
+          <p:nvPr/>
+        </p:nvSpPr>
+        <p:spPr>
+          <a:xfrm>
+            <a:off x="7978471" y="1158457"/>
+            <a:ext cx="1608873" cy="657225"/>
+          </a:xfrm>
+          <a:prstGeom prst="roundRect">
+            <a:avLst/>
+          </a:prstGeom>
+        </p:spPr>
+        <p:style>
+          <a:lnRef idx="2">
+            <a:schemeClr val="accent1">
+              <a:shade val="15000"/>
+            </a:schemeClr>
+          </a:lnRef>
+          <a:fillRef idx="1">
+            <a:schemeClr val="accent1"/>
+          </a:fillRef>
+          <a:effectRef idx="0">
+            <a:schemeClr val="accent1"/>
+          </a:effectRef>
+          <a:fontRef idx="minor">
+            <a:schemeClr val="lt1"/>
+          </a:fontRef>
+        </p:style>
+        <p:txBody>
+          <a:bodyPr rtlCol="0" anchor="ctr"/>
+          <a:lstStyle/>
+          <a:p>
+            <a:pPr algn="ctr"/>
+            <a:r>
+              <a:rPr lang="en-US" altLang="ja-JP" dirty="0"/>
+              <a:t>DB Accessor</a:t>
+            </a:r>
+          </a:p>
+        </p:txBody>
+      </p:sp>
+      <p:sp>
+        <p:nvSpPr>
+          <p:cNvPr id="15" name="四角形: 角を丸くする 14">
+            <a:extLst>
+              <a:ext uri="{FF2B5EF4-FFF2-40B4-BE49-F238E27FC236}">
+                <a16:creationId xmlns:a16="http://schemas.microsoft.com/office/drawing/2014/main" id="{EBDFF95C-A2DC-8E45-676E-158C8F3D5A38}"/>
+              </a:ext>
+            </a:extLst>
+          </p:cNvPr>
+          <p:cNvSpPr/>
+          <p:nvPr/>
+        </p:nvSpPr>
+        <p:spPr>
+          <a:xfrm>
+            <a:off x="3390330" y="1132101"/>
+            <a:ext cx="1319649" cy="429276"/>
+          </a:xfrm>
+          <a:prstGeom prst="roundRect">
+            <a:avLst/>
+          </a:prstGeom>
+        </p:spPr>
+        <p:style>
+          <a:lnRef idx="2">
+            <a:schemeClr val="accent1">
+              <a:shade val="15000"/>
+            </a:schemeClr>
+          </a:lnRef>
+          <a:fillRef idx="1">
+            <a:schemeClr val="accent1"/>
+          </a:fillRef>
+          <a:effectRef idx="0">
+            <a:schemeClr val="accent1"/>
+          </a:effectRef>
+          <a:fontRef idx="minor">
+            <a:schemeClr val="lt1"/>
+          </a:fontRef>
+        </p:style>
+        <p:txBody>
+          <a:bodyPr rtlCol="0" anchor="ctr"/>
+          <a:lstStyle/>
+          <a:p>
+            <a:pPr algn="ctr"/>
+            <a:r>
+              <a:rPr lang="ja-JP" altLang="en-US" sz="1100" dirty="0"/>
+              <a:t>スクレイパー</a:t>
+            </a:r>
+            <a:br>
+              <a:rPr lang="en-US" altLang="ja-JP" sz="1100" dirty="0"/>
+            </a:br>
+            <a:r>
+              <a:rPr lang="en-US" altLang="ja-JP" sz="1100" dirty="0"/>
+              <a:t>Interface</a:t>
+            </a:r>
+          </a:p>
+        </p:txBody>
+      </p:sp>
+      <p:sp>
+        <p:nvSpPr>
+          <p:cNvPr id="16" name="四角形: 角を丸くする 15">
+            <a:extLst>
+              <a:ext uri="{FF2B5EF4-FFF2-40B4-BE49-F238E27FC236}">
+                <a16:creationId xmlns:a16="http://schemas.microsoft.com/office/drawing/2014/main" id="{6F3AD7F3-AD07-8642-0C3A-77D522E6F52F}"/>
+              </a:ext>
+            </a:extLst>
+          </p:cNvPr>
+          <p:cNvSpPr/>
+          <p:nvPr/>
+        </p:nvSpPr>
+        <p:spPr>
+          <a:xfrm>
+            <a:off x="2012379" y="479055"/>
+            <a:ext cx="924785" cy="249543"/>
+          </a:xfrm>
+          <a:prstGeom prst="roundRect">
+            <a:avLst/>
+          </a:prstGeom>
+        </p:spPr>
+        <p:style>
+          <a:lnRef idx="2">
+            <a:schemeClr val="accent1">
+              <a:shade val="15000"/>
+            </a:schemeClr>
+          </a:lnRef>
+          <a:fillRef idx="1">
+            <a:schemeClr val="accent1"/>
+          </a:fillRef>
+          <a:effectRef idx="0">
+            <a:schemeClr val="accent1"/>
+          </a:effectRef>
+          <a:fontRef idx="minor">
+            <a:schemeClr val="lt1"/>
+          </a:fontRef>
+        </p:style>
+        <p:txBody>
+          <a:bodyPr rtlCol="0" anchor="ctr"/>
+          <a:lstStyle/>
+          <a:p>
+            <a:pPr algn="ctr"/>
+            <a:r>
+              <a:rPr lang="ja-JP" altLang="en-US" sz="900" dirty="0"/>
+              <a:t>スクレイパー</a:t>
+            </a:r>
+            <a:endParaRPr lang="en-US" altLang="ja-JP" sz="900" dirty="0"/>
+          </a:p>
+        </p:txBody>
+      </p:sp>
+      <p:sp>
+        <p:nvSpPr>
+          <p:cNvPr id="19" name="四角形: 角を丸くする 18">
+            <a:extLst>
+              <a:ext uri="{FF2B5EF4-FFF2-40B4-BE49-F238E27FC236}">
+                <a16:creationId xmlns:a16="http://schemas.microsoft.com/office/drawing/2014/main" id="{5C434032-0C6B-51D0-9D7A-BB998C323257}"/>
+              </a:ext>
+            </a:extLst>
+          </p:cNvPr>
+          <p:cNvSpPr/>
+          <p:nvPr/>
+        </p:nvSpPr>
+        <p:spPr>
+          <a:xfrm>
+            <a:off x="2012379" y="1237527"/>
+            <a:ext cx="924785" cy="249543"/>
+          </a:xfrm>
+          <a:prstGeom prst="roundRect">
+            <a:avLst/>
+          </a:prstGeom>
+        </p:spPr>
+        <p:style>
+          <a:lnRef idx="2">
+            <a:schemeClr val="accent1">
+              <a:shade val="15000"/>
+            </a:schemeClr>
+          </a:lnRef>
+          <a:fillRef idx="1">
+            <a:schemeClr val="accent1"/>
+          </a:fillRef>
+          <a:effectRef idx="0">
+            <a:schemeClr val="accent1"/>
+          </a:effectRef>
+          <a:fontRef idx="minor">
+            <a:schemeClr val="lt1"/>
+          </a:fontRef>
+        </p:style>
+        <p:txBody>
+          <a:bodyPr rtlCol="0" anchor="ctr"/>
+          <a:lstStyle/>
+          <a:p>
+            <a:pPr algn="ctr"/>
+            <a:r>
+              <a:rPr lang="ja-JP" altLang="en-US" sz="900" dirty="0"/>
+              <a:t>スクレイパー</a:t>
+            </a:r>
+            <a:endParaRPr lang="en-US" altLang="ja-JP" sz="900" dirty="0"/>
+          </a:p>
+        </p:txBody>
+      </p:sp>
+      <p:sp>
+        <p:nvSpPr>
+          <p:cNvPr id="20" name="四角形: 角を丸くする 19">
+            <a:extLst>
+              <a:ext uri="{FF2B5EF4-FFF2-40B4-BE49-F238E27FC236}">
+                <a16:creationId xmlns:a16="http://schemas.microsoft.com/office/drawing/2014/main" id="{BB842376-EF41-CABA-C43B-4D4930CBD3D7}"/>
+              </a:ext>
+            </a:extLst>
+          </p:cNvPr>
+          <p:cNvSpPr/>
+          <p:nvPr/>
+        </p:nvSpPr>
+        <p:spPr>
+          <a:xfrm>
+            <a:off x="2012378" y="1941142"/>
+            <a:ext cx="924785" cy="249543"/>
+          </a:xfrm>
+          <a:prstGeom prst="roundRect">
+            <a:avLst/>
+          </a:prstGeom>
+        </p:spPr>
+        <p:style>
+          <a:lnRef idx="2">
+            <a:schemeClr val="accent1">
+              <a:shade val="15000"/>
+            </a:schemeClr>
+          </a:lnRef>
+          <a:fillRef idx="1">
+            <a:schemeClr val="accent1"/>
+          </a:fillRef>
+          <a:effectRef idx="0">
+            <a:schemeClr val="accent1"/>
+          </a:effectRef>
+          <a:fontRef idx="minor">
+            <a:schemeClr val="lt1"/>
+          </a:fontRef>
+        </p:style>
+        <p:txBody>
+          <a:bodyPr rtlCol="0" anchor="ctr"/>
+          <a:lstStyle/>
+          <a:p>
+            <a:pPr algn="ctr"/>
+            <a:r>
+              <a:rPr lang="ja-JP" altLang="en-US" sz="900" dirty="0"/>
+              <a:t>スクレイパー</a:t>
+            </a:r>
+            <a:endParaRPr lang="en-US" altLang="ja-JP" sz="900" dirty="0"/>
+          </a:p>
+        </p:txBody>
+      </p:sp>
+      <p:sp>
+        <p:nvSpPr>
+          <p:cNvPr id="24" name="テキスト ボックス 23">
+            <a:extLst>
+              <a:ext uri="{FF2B5EF4-FFF2-40B4-BE49-F238E27FC236}">
+                <a16:creationId xmlns:a16="http://schemas.microsoft.com/office/drawing/2014/main" id="{079AFA72-226E-D0F7-CFEB-E1D5AF93C656}"/>
+              </a:ext>
+            </a:extLst>
+          </p:cNvPr>
+          <p:cNvSpPr txBox="1">
+            <a:spLocks/>
+          </p:cNvSpPr>
+          <p:nvPr/>
+        </p:nvSpPr>
+        <p:spPr>
+          <a:xfrm>
+            <a:off x="8549375" y="2165306"/>
+            <a:ext cx="493575" cy="246221"/>
+          </a:xfrm>
+          <a:prstGeom prst="rect">
+            <a:avLst/>
+          </a:prstGeom>
+          <a:noFill/>
+        </p:spPr>
+        <p:txBody>
+          <a:bodyPr wrap="square" rtlCol="0">
+            <a:spAutoFit/>
+          </a:bodyPr>
+          <a:lstStyle/>
+          <a:p>
+            <a:r>
+              <a:rPr kumimoji="1" lang="en-US" altLang="ja-JP" sz="1000" dirty="0"/>
+              <a:t>Json</a:t>
+            </a:r>
+          </a:p>
+        </p:txBody>
+      </p:sp>
+      <p:sp>
+        <p:nvSpPr>
+          <p:cNvPr id="25" name="四角形: 角を丸くする 24">
+            <a:extLst>
+              <a:ext uri="{FF2B5EF4-FFF2-40B4-BE49-F238E27FC236}">
+                <a16:creationId xmlns:a16="http://schemas.microsoft.com/office/drawing/2014/main" id="{A75B2501-D072-FCDC-14F1-6CEA6EA9C18B}"/>
+              </a:ext>
+            </a:extLst>
+          </p:cNvPr>
+          <p:cNvSpPr/>
+          <p:nvPr/>
+        </p:nvSpPr>
+        <p:spPr>
+          <a:xfrm>
+            <a:off x="5375252" y="1976047"/>
+            <a:ext cx="720748" cy="429276"/>
+          </a:xfrm>
+          <a:prstGeom prst="roundRect">
+            <a:avLst/>
+          </a:prstGeom>
+        </p:spPr>
+        <p:style>
+          <a:lnRef idx="2">
+            <a:schemeClr val="accent1">
+              <a:shade val="15000"/>
+            </a:schemeClr>
+          </a:lnRef>
+          <a:fillRef idx="1">
+            <a:schemeClr val="accent1"/>
+          </a:fillRef>
+          <a:effectRef idx="0">
+            <a:schemeClr val="accent1"/>
+          </a:effectRef>
+          <a:fontRef idx="minor">
+            <a:schemeClr val="lt1"/>
+          </a:fontRef>
+        </p:style>
+        <p:txBody>
+          <a:bodyPr rtlCol="0" anchor="ctr"/>
+          <a:lstStyle/>
+          <a:p>
+            <a:pPr algn="ctr"/>
+            <a:r>
+              <a:rPr lang="ja-JP" altLang="en-US" sz="1100" dirty="0"/>
+              <a:t>加工</a:t>
+            </a:r>
+            <a:endParaRPr lang="en-US" altLang="ja-JP" sz="1100" dirty="0"/>
+          </a:p>
+        </p:txBody>
+      </p:sp>
+      <p:cxnSp>
+        <p:nvCxnSpPr>
+          <p:cNvPr id="27" name="コネクタ: カギ線 26">
+            <a:extLst>
+              <a:ext uri="{FF2B5EF4-FFF2-40B4-BE49-F238E27FC236}">
+                <a16:creationId xmlns:a16="http://schemas.microsoft.com/office/drawing/2014/main" id="{0BE75A60-18CC-30EA-565F-DB17C669FB8D}"/>
+              </a:ext>
+            </a:extLst>
+          </p:cNvPr>
+          <p:cNvCxnSpPr/>
+          <p:nvPr/>
+        </p:nvCxnSpPr>
+        <p:spPr>
+          <a:xfrm>
+            <a:off x="4257964" y="1634363"/>
+            <a:ext cx="988291" cy="556322"/>
+          </a:xfrm>
+          <a:prstGeom prst="bentConnector3">
+            <a:avLst>
+              <a:gd name="adj1" fmla="val -467"/>
+            </a:avLst>
+          </a:prstGeom>
+          <a:ln>
+            <a:tailEnd type="triangle"/>
+          </a:ln>
+        </p:spPr>
+        <p:style>
+          <a:lnRef idx="2">
+            <a:schemeClr val="accent1"/>
+          </a:lnRef>
+          <a:fillRef idx="0">
+            <a:schemeClr val="accent1"/>
+          </a:fillRef>
+          <a:effectRef idx="1">
+            <a:schemeClr val="accent1"/>
+          </a:effectRef>
+          <a:fontRef idx="minor">
+            <a:schemeClr val="tx1"/>
+          </a:fontRef>
+        </p:style>
+      </p:cxnSp>
+      <p:cxnSp>
+        <p:nvCxnSpPr>
+          <p:cNvPr id="29" name="コネクタ: カギ線 28">
+            <a:extLst>
+              <a:ext uri="{FF2B5EF4-FFF2-40B4-BE49-F238E27FC236}">
+                <a16:creationId xmlns:a16="http://schemas.microsoft.com/office/drawing/2014/main" id="{91DDCD0A-3C5F-9F75-B5A9-0B5B7F573C91}"/>
+              </a:ext>
+            </a:extLst>
+          </p:cNvPr>
+          <p:cNvCxnSpPr>
+            <a:cxnSpLocks/>
+          </p:cNvCxnSpPr>
+          <p:nvPr/>
+        </p:nvCxnSpPr>
+        <p:spPr>
+          <a:xfrm flipV="1">
+            <a:off x="6366718" y="1912524"/>
+            <a:ext cx="2592555" cy="278161"/>
+          </a:xfrm>
+          <a:prstGeom prst="bentConnector3">
+            <a:avLst>
+              <a:gd name="adj1" fmla="val 99877"/>
+            </a:avLst>
+          </a:prstGeom>
+          <a:ln>
+            <a:tailEnd type="triangle"/>
+          </a:ln>
+        </p:spPr>
+        <p:style>
+          <a:lnRef idx="2">
+            <a:schemeClr val="accent1"/>
+          </a:lnRef>
+          <a:fillRef idx="0">
+            <a:schemeClr val="accent1"/>
+          </a:fillRef>
+          <a:effectRef idx="1">
+            <a:schemeClr val="accent1"/>
+          </a:effectRef>
+          <a:fontRef idx="minor">
+            <a:schemeClr val="tx1"/>
+          </a:fontRef>
+        </p:style>
+      </p:cxnSp>
+      <p:cxnSp>
+        <p:nvCxnSpPr>
+          <p:cNvPr id="33" name="コネクタ: カギ線 32">
+            <a:extLst>
+              <a:ext uri="{FF2B5EF4-FFF2-40B4-BE49-F238E27FC236}">
+                <a16:creationId xmlns:a16="http://schemas.microsoft.com/office/drawing/2014/main" id="{839CD22B-EDD9-5922-D855-E772DA789A11}"/>
+              </a:ext>
+            </a:extLst>
+          </p:cNvPr>
+          <p:cNvCxnSpPr>
+            <a:cxnSpLocks/>
+          </p:cNvCxnSpPr>
+          <p:nvPr/>
+        </p:nvCxnSpPr>
+        <p:spPr>
+          <a:xfrm rot="5400000">
+            <a:off x="8508575" y="2272303"/>
+            <a:ext cx="1223197" cy="630686"/>
+          </a:xfrm>
+          <a:prstGeom prst="bentConnector3">
+            <a:avLst>
+              <a:gd name="adj1" fmla="val 100592"/>
+            </a:avLst>
+          </a:prstGeom>
+          <a:ln>
+            <a:tailEnd type="triangle"/>
+          </a:ln>
+        </p:spPr>
+        <p:style>
+          <a:lnRef idx="2">
+            <a:schemeClr val="accent1"/>
+          </a:lnRef>
+          <a:fillRef idx="0">
+            <a:schemeClr val="accent1"/>
+          </a:fillRef>
+          <a:effectRef idx="1">
+            <a:schemeClr val="accent1"/>
+          </a:effectRef>
+          <a:fontRef idx="minor">
+            <a:schemeClr val="tx1"/>
+          </a:fontRef>
+        </p:style>
+      </p:cxnSp>
+      <p:cxnSp>
+        <p:nvCxnSpPr>
+          <p:cNvPr id="38" name="コネクタ: カギ線 37">
+            <a:extLst>
+              <a:ext uri="{FF2B5EF4-FFF2-40B4-BE49-F238E27FC236}">
+                <a16:creationId xmlns:a16="http://schemas.microsoft.com/office/drawing/2014/main" id="{8F156888-78AF-8101-6D52-7B83AE7CC61B}"/>
+              </a:ext>
+            </a:extLst>
+          </p:cNvPr>
+          <p:cNvCxnSpPr>
+            <a:cxnSpLocks/>
+          </p:cNvCxnSpPr>
+          <p:nvPr/>
+        </p:nvCxnSpPr>
+        <p:spPr>
+          <a:xfrm flipV="1">
+            <a:off x="3179618" y="1634363"/>
+            <a:ext cx="635000" cy="431550"/>
+          </a:xfrm>
+          <a:prstGeom prst="bentConnector3">
+            <a:avLst>
+              <a:gd name="adj1" fmla="val 98000"/>
+            </a:avLst>
+          </a:prstGeom>
+          <a:ln>
+            <a:tailEnd type="triangle"/>
+          </a:ln>
+        </p:spPr>
+        <p:style>
+          <a:lnRef idx="2">
+            <a:schemeClr val="accent1"/>
+          </a:lnRef>
+          <a:fillRef idx="0">
+            <a:schemeClr val="accent1"/>
+          </a:fillRef>
+          <a:effectRef idx="1">
+            <a:schemeClr val="accent1"/>
+          </a:effectRef>
+          <a:fontRef idx="minor">
+            <a:schemeClr val="tx1"/>
+          </a:fontRef>
+        </p:style>
+      </p:cxnSp>
+      <p:cxnSp>
+        <p:nvCxnSpPr>
+          <p:cNvPr id="42" name="コネクタ: カギ線 41">
+            <a:extLst>
+              <a:ext uri="{FF2B5EF4-FFF2-40B4-BE49-F238E27FC236}">
+                <a16:creationId xmlns:a16="http://schemas.microsoft.com/office/drawing/2014/main" id="{AA32BEC2-841D-4BB6-7F77-2220D6691524}"/>
+              </a:ext>
+            </a:extLst>
+          </p:cNvPr>
+          <p:cNvCxnSpPr>
+            <a:cxnSpLocks/>
+          </p:cNvCxnSpPr>
+          <p:nvPr/>
+        </p:nvCxnSpPr>
+        <p:spPr>
+          <a:xfrm>
+            <a:off x="3090726" y="603825"/>
+            <a:ext cx="788547" cy="328613"/>
+          </a:xfrm>
+          <a:prstGeom prst="bentConnector3">
+            <a:avLst>
+              <a:gd name="adj1" fmla="val 99195"/>
+            </a:avLst>
+          </a:prstGeom>
+          <a:ln>
+            <a:tailEnd type="triangle"/>
+          </a:ln>
+        </p:spPr>
+        <p:style>
+          <a:lnRef idx="2">
+            <a:schemeClr val="accent1"/>
+          </a:lnRef>
+          <a:fillRef idx="0">
+            <a:schemeClr val="accent1"/>
+          </a:fillRef>
+          <a:effectRef idx="1">
+            <a:schemeClr val="accent1"/>
+          </a:effectRef>
+          <a:fontRef idx="minor">
+            <a:schemeClr val="tx1"/>
+          </a:fontRef>
+        </p:style>
+      </p:cxnSp>
+      <p:cxnSp>
+        <p:nvCxnSpPr>
+          <p:cNvPr id="46" name="コネクタ: カギ線 45">
+            <a:extLst>
+              <a:ext uri="{FF2B5EF4-FFF2-40B4-BE49-F238E27FC236}">
+                <a16:creationId xmlns:a16="http://schemas.microsoft.com/office/drawing/2014/main" id="{A108D88B-B88A-5248-BDD1-2D1A173A13E2}"/>
+              </a:ext>
+            </a:extLst>
+          </p:cNvPr>
+          <p:cNvCxnSpPr>
+            <a:cxnSpLocks/>
+          </p:cNvCxnSpPr>
+          <p:nvPr/>
+        </p:nvCxnSpPr>
+        <p:spPr>
+          <a:xfrm>
+            <a:off x="3026071" y="1362298"/>
+            <a:ext cx="271311" cy="12700"/>
+          </a:xfrm>
+          <a:prstGeom prst="bentConnector3">
+            <a:avLst>
+              <a:gd name="adj1" fmla="val 50001"/>
+            </a:avLst>
+          </a:prstGeom>
+          <a:ln>
+            <a:tailEnd type="triangle"/>
+          </a:ln>
+        </p:spPr>
+        <p:style>
+          <a:lnRef idx="2">
+            <a:schemeClr val="accent1"/>
+          </a:lnRef>
+          <a:fillRef idx="0">
+            <a:schemeClr val="accent1"/>
+          </a:fillRef>
+          <a:effectRef idx="1">
+            <a:schemeClr val="accent1"/>
+          </a:effectRef>
+          <a:fontRef idx="minor">
+            <a:schemeClr val="tx1"/>
+          </a:fontRef>
+        </p:style>
+      </p:cxnSp>
+      <p:sp>
+        <p:nvSpPr>
+          <p:cNvPr id="49" name="テキスト ボックス 48">
+            <a:extLst>
+              <a:ext uri="{FF2B5EF4-FFF2-40B4-BE49-F238E27FC236}">
+                <a16:creationId xmlns:a16="http://schemas.microsoft.com/office/drawing/2014/main" id="{11EFDF48-8B5A-D00F-D61A-201E54D4582B}"/>
+              </a:ext>
+            </a:extLst>
+          </p:cNvPr>
+          <p:cNvSpPr txBox="1">
+            <a:spLocks/>
+          </p:cNvSpPr>
+          <p:nvPr/>
+        </p:nvSpPr>
+        <p:spPr>
+          <a:xfrm>
+            <a:off x="4716285" y="2190685"/>
+            <a:ext cx="493575" cy="246221"/>
+          </a:xfrm>
+          <a:prstGeom prst="rect">
+            <a:avLst/>
+          </a:prstGeom>
+          <a:noFill/>
+        </p:spPr>
+        <p:txBody>
+          <a:bodyPr wrap="square" rtlCol="0">
+            <a:spAutoFit/>
+          </a:bodyPr>
+          <a:lstStyle/>
+          <a:p>
+            <a:r>
+              <a:rPr kumimoji="1" lang="en-US" altLang="ja-JP" sz="1000" dirty="0"/>
+              <a:t>Json</a:t>
+            </a:r>
+          </a:p>
+        </p:txBody>
+      </p:sp>
+      <p:sp>
+        <p:nvSpPr>
+          <p:cNvPr id="57" name="四角形: 角を丸くする 56">
+            <a:extLst>
+              <a:ext uri="{FF2B5EF4-FFF2-40B4-BE49-F238E27FC236}">
+                <a16:creationId xmlns:a16="http://schemas.microsoft.com/office/drawing/2014/main" id="{10671628-20D0-9A2C-C88F-666EBAB204B6}"/>
+              </a:ext>
+            </a:extLst>
+          </p:cNvPr>
+          <p:cNvSpPr/>
+          <p:nvPr/>
+        </p:nvSpPr>
+        <p:spPr>
+          <a:xfrm>
+            <a:off x="4524384" y="4452678"/>
+            <a:ext cx="1211242" cy="574834"/>
+          </a:xfrm>
+          <a:prstGeom prst="roundRect">
+            <a:avLst/>
+          </a:prstGeom>
+        </p:spPr>
+        <p:style>
+          <a:lnRef idx="2">
+            <a:schemeClr val="accent1">
+              <a:shade val="15000"/>
+            </a:schemeClr>
+          </a:lnRef>
+          <a:fillRef idx="1">
+            <a:schemeClr val="accent1"/>
+          </a:fillRef>
+          <a:effectRef idx="0">
+            <a:schemeClr val="accent1"/>
+          </a:effectRef>
+          <a:fontRef idx="minor">
+            <a:schemeClr val="lt1"/>
+          </a:fontRef>
+        </p:style>
+        <p:txBody>
+          <a:bodyPr rtlCol="0" anchor="ctr"/>
+          <a:lstStyle/>
+          <a:p>
+            <a:pPr algn="ctr"/>
+            <a:r>
+              <a:rPr lang="en-US" altLang="ja-JP" dirty="0"/>
+              <a:t>UI</a:t>
+            </a:r>
+          </a:p>
+        </p:txBody>
+      </p:sp>
+      <p:sp>
+        <p:nvSpPr>
+          <p:cNvPr id="58" name="四角形: 角を丸くする 57">
+            <a:extLst>
+              <a:ext uri="{FF2B5EF4-FFF2-40B4-BE49-F238E27FC236}">
+                <a16:creationId xmlns:a16="http://schemas.microsoft.com/office/drawing/2014/main" id="{A5BFA8B7-4114-0E55-9CF4-6A70757FAB69}"/>
+              </a:ext>
+            </a:extLst>
+          </p:cNvPr>
+          <p:cNvSpPr/>
+          <p:nvPr/>
+        </p:nvSpPr>
+        <p:spPr>
+          <a:xfrm>
+            <a:off x="2489200" y="5207108"/>
+            <a:ext cx="5514110" cy="1383145"/>
+          </a:xfrm>
+          <a:prstGeom prst="roundRect">
+            <a:avLst/>
+          </a:prstGeom>
+        </p:spPr>
+        <p:style>
+          <a:lnRef idx="2">
+            <a:schemeClr val="accent1"/>
+          </a:lnRef>
+          <a:fillRef idx="1">
+            <a:schemeClr val="lt1"/>
+          </a:fillRef>
+          <a:effectRef idx="0">
+            <a:schemeClr val="accent1"/>
+          </a:effectRef>
+          <a:fontRef idx="minor">
+            <a:schemeClr val="dk1"/>
+          </a:fontRef>
+        </p:style>
+        <p:txBody>
+          <a:bodyPr rtlCol="0" anchor="ctr"/>
+          <a:lstStyle/>
+          <a:p>
+            <a:pPr algn="ctr"/>
+            <a:r>
+              <a:rPr kumimoji="1" lang="ja-JP" altLang="en-US" sz="1200" dirty="0"/>
+              <a:t>スレッド</a:t>
+            </a:r>
+            <a:r>
+              <a:rPr lang="ja-JP" altLang="en-US" sz="1200" dirty="0"/>
+              <a:t>の人気の可視化</a:t>
+            </a:r>
+            <a:endParaRPr lang="en-US" altLang="ja-JP" sz="1200" dirty="0"/>
+          </a:p>
+          <a:p>
+            <a:pPr algn="ctr"/>
+            <a:r>
+              <a:rPr lang="ja-JP" altLang="en-US" sz="1200" dirty="0"/>
+              <a:t>人気レスの可視化</a:t>
+            </a:r>
+            <a:br>
+              <a:rPr lang="en-US" altLang="ja-JP" sz="1200" dirty="0"/>
+            </a:br>
+            <a:r>
+              <a:rPr lang="ja-JP" altLang="en-US" sz="1200" dirty="0"/>
+              <a:t>勢いの時系列の可視化</a:t>
+            </a:r>
+            <a:endParaRPr kumimoji="1" lang="en-US" altLang="ja-JP" sz="1200" dirty="0"/>
+          </a:p>
+        </p:txBody>
+      </p:sp>
+      <p:cxnSp>
+        <p:nvCxnSpPr>
+          <p:cNvPr id="59" name="コネクタ: カギ線 58">
+            <a:extLst>
+              <a:ext uri="{FF2B5EF4-FFF2-40B4-BE49-F238E27FC236}">
+                <a16:creationId xmlns:a16="http://schemas.microsoft.com/office/drawing/2014/main" id="{F4174272-ACEB-1700-B16B-D564D9773FBF}"/>
+              </a:ext>
+            </a:extLst>
+          </p:cNvPr>
+          <p:cNvCxnSpPr>
+            <a:cxnSpLocks/>
+          </p:cNvCxnSpPr>
+          <p:nvPr/>
+        </p:nvCxnSpPr>
+        <p:spPr>
+          <a:xfrm rot="10800000" flipV="1">
+            <a:off x="5066769" y="3194618"/>
+            <a:ext cx="2085343" cy="1078464"/>
+          </a:xfrm>
+          <a:prstGeom prst="bentConnector3">
+            <a:avLst>
+              <a:gd name="adj1" fmla="val 99607"/>
+            </a:avLst>
+          </a:prstGeom>
+          <a:ln>
+            <a:tailEnd type="triangle"/>
+          </a:ln>
+        </p:spPr>
+        <p:style>
+          <a:lnRef idx="2">
+            <a:schemeClr val="accent1"/>
+          </a:lnRef>
+          <a:fillRef idx="0">
+            <a:schemeClr val="accent1"/>
+          </a:fillRef>
+          <a:effectRef idx="1">
+            <a:schemeClr val="accent1"/>
+          </a:effectRef>
+          <a:fontRef idx="minor">
+            <a:schemeClr val="tx1"/>
+          </a:fontRef>
+        </p:style>
+      </p:cxnSp>
+      <p:sp>
+        <p:nvSpPr>
+          <p:cNvPr id="64" name="テキスト ボックス 63">
+            <a:extLst>
+              <a:ext uri="{FF2B5EF4-FFF2-40B4-BE49-F238E27FC236}">
+                <a16:creationId xmlns:a16="http://schemas.microsoft.com/office/drawing/2014/main" id="{34E46A8B-C2B2-4CDF-1909-67F11995C932}"/>
+              </a:ext>
+            </a:extLst>
+          </p:cNvPr>
+          <p:cNvSpPr txBox="1">
+            <a:spLocks/>
+          </p:cNvSpPr>
+          <p:nvPr/>
+        </p:nvSpPr>
+        <p:spPr>
+          <a:xfrm>
+            <a:off x="8941942" y="3223772"/>
+            <a:ext cx="710058" cy="246221"/>
+          </a:xfrm>
+          <a:prstGeom prst="rect">
+            <a:avLst/>
+          </a:prstGeom>
+          <a:noFill/>
+        </p:spPr>
+        <p:txBody>
+          <a:bodyPr wrap="square" rtlCol="0">
+            <a:spAutoFit/>
+          </a:bodyPr>
+          <a:lstStyle/>
+          <a:p>
+            <a:r>
+              <a:rPr kumimoji="1" lang="ja-JP" altLang="en-US" sz="1000" dirty="0"/>
+              <a:t>書き込み</a:t>
+            </a:r>
+            <a:endParaRPr kumimoji="1" lang="en-US" altLang="ja-JP" sz="1000" dirty="0"/>
+          </a:p>
+        </p:txBody>
+      </p:sp>
+      <p:sp>
+        <p:nvSpPr>
+          <p:cNvPr id="65" name="四角形: 角を丸くする 64">
+            <a:extLst>
+              <a:ext uri="{FF2B5EF4-FFF2-40B4-BE49-F238E27FC236}">
+                <a16:creationId xmlns:a16="http://schemas.microsoft.com/office/drawing/2014/main" id="{91621B67-223F-F8FA-E325-1449FC020393}"/>
+              </a:ext>
+            </a:extLst>
+          </p:cNvPr>
+          <p:cNvSpPr/>
+          <p:nvPr/>
+        </p:nvSpPr>
+        <p:spPr>
+          <a:xfrm>
+            <a:off x="5519438" y="399985"/>
+            <a:ext cx="1694560" cy="328613"/>
+          </a:xfrm>
+          <a:prstGeom prst="roundRect">
+            <a:avLst/>
+          </a:prstGeom>
+        </p:spPr>
+        <p:style>
+          <a:lnRef idx="2">
+            <a:schemeClr val="accent1">
+              <a:shade val="15000"/>
+            </a:schemeClr>
+          </a:lnRef>
+          <a:fillRef idx="1">
+            <a:schemeClr val="accent1"/>
+          </a:fillRef>
+          <a:effectRef idx="0">
+            <a:schemeClr val="accent1"/>
+          </a:effectRef>
+          <a:fontRef idx="minor">
+            <a:schemeClr val="lt1"/>
+          </a:fontRef>
+        </p:style>
+        <p:txBody>
+          <a:bodyPr rtlCol="0" anchor="ctr"/>
+          <a:lstStyle/>
+          <a:p>
+            <a:pPr algn="ctr"/>
+            <a:r>
+              <a:rPr lang="ja-JP" altLang="en-US" sz="1200" dirty="0"/>
+              <a:t>スクレイピング実行</a:t>
+            </a:r>
+            <a:endParaRPr lang="en-US" altLang="ja-JP" sz="1200" dirty="0"/>
+          </a:p>
+        </p:txBody>
+      </p:sp>
+      <p:cxnSp>
+        <p:nvCxnSpPr>
+          <p:cNvPr id="66" name="コネクタ: カギ線 65">
+            <a:extLst>
+              <a:ext uri="{FF2B5EF4-FFF2-40B4-BE49-F238E27FC236}">
+                <a16:creationId xmlns:a16="http://schemas.microsoft.com/office/drawing/2014/main" id="{FB328687-7F46-BB3B-FA96-4F29AAF8D2E9}"/>
+              </a:ext>
+            </a:extLst>
+          </p:cNvPr>
+          <p:cNvCxnSpPr>
+            <a:cxnSpLocks/>
+          </p:cNvCxnSpPr>
+          <p:nvPr/>
+        </p:nvCxnSpPr>
+        <p:spPr>
+          <a:xfrm rot="10800000" flipV="1">
+            <a:off x="4752109" y="780670"/>
+            <a:ext cx="1709438" cy="581628"/>
+          </a:xfrm>
+          <a:prstGeom prst="bentConnector3">
+            <a:avLst>
+              <a:gd name="adj1" fmla="val -249"/>
+            </a:avLst>
+          </a:prstGeom>
+          <a:ln>
+            <a:tailEnd type="triangle"/>
+          </a:ln>
+        </p:spPr>
+        <p:style>
+          <a:lnRef idx="2">
+            <a:schemeClr val="accent1"/>
+          </a:lnRef>
+          <a:fillRef idx="0">
+            <a:schemeClr val="accent1"/>
+          </a:fillRef>
+          <a:effectRef idx="1">
+            <a:schemeClr val="accent1"/>
+          </a:effectRef>
+          <a:fontRef idx="minor">
+            <a:schemeClr val="tx1"/>
+          </a:fontRef>
+        </p:style>
+      </p:cxnSp>
+      <p:cxnSp>
+        <p:nvCxnSpPr>
+          <p:cNvPr id="3" name="直線矢印コネクタ 2">
+            <a:extLst>
+              <a:ext uri="{FF2B5EF4-FFF2-40B4-BE49-F238E27FC236}">
+                <a16:creationId xmlns:a16="http://schemas.microsoft.com/office/drawing/2014/main" id="{36ECD885-1593-9DF5-E7C6-2E35718BEE0F}"/>
+              </a:ext>
+            </a:extLst>
+          </p:cNvPr>
+          <p:cNvCxnSpPr/>
+          <p:nvPr/>
+        </p:nvCxnSpPr>
+        <p:spPr>
+          <a:xfrm flipH="1">
+            <a:off x="2789382" y="4765964"/>
+            <a:ext cx="1468582" cy="0"/>
+          </a:xfrm>
+          <a:prstGeom prst="straightConnector1">
+            <a:avLst/>
+          </a:prstGeom>
+          <a:ln>
+            <a:tailEnd type="triangle"/>
+          </a:ln>
+        </p:spPr>
+        <p:style>
+          <a:lnRef idx="2">
+            <a:schemeClr val="accent1"/>
+          </a:lnRef>
+          <a:fillRef idx="0">
+            <a:schemeClr val="accent1"/>
+          </a:fillRef>
+          <a:effectRef idx="1">
+            <a:schemeClr val="accent1"/>
+          </a:effectRef>
+          <a:fontRef idx="minor">
+            <a:schemeClr val="tx1"/>
+          </a:fontRef>
+        </p:style>
+      </p:cxnSp>
+      <p:sp>
+        <p:nvSpPr>
+          <p:cNvPr id="4" name="テキスト ボックス 3">
+            <a:extLst>
+              <a:ext uri="{FF2B5EF4-FFF2-40B4-BE49-F238E27FC236}">
+                <a16:creationId xmlns:a16="http://schemas.microsoft.com/office/drawing/2014/main" id="{A0129B41-C667-2111-847D-C3BCA4B4F5E0}"/>
+              </a:ext>
+            </a:extLst>
+          </p:cNvPr>
+          <p:cNvSpPr txBox="1">
+            <a:spLocks/>
+          </p:cNvSpPr>
+          <p:nvPr/>
+        </p:nvSpPr>
+        <p:spPr>
+          <a:xfrm>
+            <a:off x="4258534" y="4136656"/>
+            <a:ext cx="493575" cy="246221"/>
+          </a:xfrm>
+          <a:prstGeom prst="rect">
+            <a:avLst/>
+          </a:prstGeom>
+          <a:noFill/>
+        </p:spPr>
+        <p:txBody>
+          <a:bodyPr wrap="square" rtlCol="0">
+            <a:spAutoFit/>
+          </a:bodyPr>
+          <a:lstStyle/>
+          <a:p>
+            <a:r>
+              <a:rPr kumimoji="1" lang="en-US" altLang="ja-JP" sz="1000" dirty="0"/>
+              <a:t>Json</a:t>
+            </a:r>
+          </a:p>
+        </p:txBody>
+      </p:sp>
+    </p:spTree>
+    <p:extLst>
+      <p:ext uri="{BB962C8B-B14F-4D97-AF65-F5344CB8AC3E}">
+        <p14:creationId xmlns:p14="http://schemas.microsoft.com/office/powerpoint/2010/main" val="2039462992"/>
       </p:ext>
     </p:extLst>
   </p:cSld>
